--- a/src/Fundamentos de HTML5, CSS e Javascript/JQuery.pptx
+++ b/src/Fundamentos de HTML5, CSS e Javascript/JQuery.pptx
@@ -12,6 +12,12 @@
     <p:sldId id="278" r:id="rId6"/>
     <p:sldId id="279" r:id="rId7"/>
     <p:sldId id="280" r:id="rId8"/>
+    <p:sldId id="282" r:id="rId9"/>
+    <p:sldId id="281" r:id="rId10"/>
+    <p:sldId id="284" r:id="rId11"/>
+    <p:sldId id="285" r:id="rId12"/>
+    <p:sldId id="286" r:id="rId13"/>
+    <p:sldId id="283" r:id="rId14"/>
   </p:sldIdLst>
   <p:sldSz cx="12192000" cy="6858000"/>
   <p:notesSz cx="6858000" cy="9144000"/>
@@ -4626,6 +4632,4955 @@
 </p:sld>
 </file>
 
+<file path=ppt/slides/slide10.xml><?xml version="1.0" encoding="utf-8"?>
+<p:sld xmlns:a="http://schemas.openxmlformats.org/drawingml/2006/main" xmlns:r="http://schemas.openxmlformats.org/officeDocument/2006/relationships" xmlns:p="http://schemas.openxmlformats.org/presentationml/2006/main">
+  <p:cSld>
+    <p:bg>
+      <p:bgPr>
+        <a:solidFill>
+          <a:schemeClr val="bg1"/>
+        </a:solidFill>
+        <a:effectLst/>
+      </p:bgPr>
+    </p:bg>
+    <p:spTree>
+      <p:nvGrpSpPr>
+        <p:cNvPr id="1" name="">
+          <a:extLst>
+            <a:ext uri="{FF2B5EF4-FFF2-40B4-BE49-F238E27FC236}">
+              <a16:creationId xmlns:a16="http://schemas.microsoft.com/office/drawing/2014/main" id="{51B10157-EB24-AC51-381F-E8981986481A}"/>
+            </a:ext>
+          </a:extLst>
+        </p:cNvPr>
+        <p:cNvGrpSpPr/>
+        <p:nvPr/>
+      </p:nvGrpSpPr>
+      <p:grpSpPr>
+        <a:xfrm>
+          <a:off x="0" y="0"/>
+          <a:ext cx="0" cy="0"/>
+          <a:chOff x="0" y="0"/>
+          <a:chExt cx="0" cy="0"/>
+        </a:xfrm>
+      </p:grpSpPr>
+      <p:sp>
+        <p:nvSpPr>
+          <p:cNvPr id="8" name="Rectangle 7">
+            <a:extLst>
+              <a:ext uri="{FF2B5EF4-FFF2-40B4-BE49-F238E27FC236}">
+                <a16:creationId xmlns:a16="http://schemas.microsoft.com/office/drawing/2014/main" id="{F93DAFC8-649F-3585-41C5-7E712678C7FF}"/>
+              </a:ext>
+              <a:ext uri="{C183D7F6-B498-43B3-948B-1728B52AA6E4}">
+                <adec:decorative xmlns:adec="http://schemas.microsoft.com/office/drawing/2017/decorative" val="1"/>
+              </a:ext>
+            </a:extLst>
+          </p:cNvPr>
+          <p:cNvSpPr>
+            <a:spLocks noGrp="1" noRot="1" noChangeAspect="1" noMove="1" noResize="1" noEditPoints="1" noAdjustHandles="1" noChangeArrowheads="1" noChangeShapeType="1" noTextEdit="1"/>
+          </p:cNvSpPr>
+          <p:nvPr>
+            <p:extLst>
+              <p:ext uri="{386F3935-93C4-4BCD-93E2-E3B085C9AB24}">
+                <p16:designElem xmlns:p16="http://schemas.microsoft.com/office/powerpoint/2015/main" val="1"/>
+              </p:ext>
+            </p:extLst>
+          </p:nvPr>
+        </p:nvSpPr>
+        <p:spPr>
+          <a:xfrm>
+            <a:off x="0" y="0"/>
+            <a:ext cx="12192000" cy="6858000"/>
+          </a:xfrm>
+          <a:prstGeom prst="rect">
+            <a:avLst/>
+          </a:prstGeom>
+          <a:gradFill flip="none" rotWithShape="1">
+            <a:gsLst>
+              <a:gs pos="0">
+                <a:schemeClr val="accent1"/>
+              </a:gs>
+              <a:gs pos="100000">
+                <a:schemeClr val="accent2"/>
+              </a:gs>
+            </a:gsLst>
+            <a:lin ang="8100000" scaled="0"/>
+            <a:tileRect/>
+          </a:gradFill>
+          <a:ln>
+            <a:noFill/>
+          </a:ln>
+        </p:spPr>
+        <p:style>
+          <a:lnRef idx="2">
+            <a:schemeClr val="accent1">
+              <a:shade val="50000"/>
+            </a:schemeClr>
+          </a:lnRef>
+          <a:fillRef idx="1">
+            <a:schemeClr val="accent1"/>
+          </a:fillRef>
+          <a:effectRef idx="0">
+            <a:schemeClr val="accent1"/>
+          </a:effectRef>
+          <a:fontRef idx="minor">
+            <a:schemeClr val="lt1"/>
+          </a:fontRef>
+        </p:style>
+        <p:txBody>
+          <a:bodyPr rtlCol="0" anchor="ctr"/>
+          <a:lstStyle/>
+          <a:p>
+            <a:pPr algn="ctr"/>
+            <a:endParaRPr lang="en-US">
+              <a:solidFill>
+                <a:srgbClr val="FFFFFF"/>
+              </a:solidFill>
+            </a:endParaRPr>
+          </a:p>
+        </p:txBody>
+      </p:sp>
+      <p:sp>
+        <p:nvSpPr>
+          <p:cNvPr id="10" name="Graphic 13">
+            <a:extLst>
+              <a:ext uri="{FF2B5EF4-FFF2-40B4-BE49-F238E27FC236}">
+                <a16:creationId xmlns:a16="http://schemas.microsoft.com/office/drawing/2014/main" id="{E881948D-19C1-8819-8BA4-27BDB133796F}"/>
+              </a:ext>
+              <a:ext uri="{C183D7F6-B498-43B3-948B-1728B52AA6E4}">
+                <adec:decorative xmlns:adec="http://schemas.microsoft.com/office/drawing/2017/decorative" val="1"/>
+              </a:ext>
+            </a:extLst>
+          </p:cNvPr>
+          <p:cNvSpPr>
+            <a:spLocks noGrp="1" noRot="1" noChangeAspect="1" noMove="1" noResize="1" noEditPoints="1" noAdjustHandles="1" noChangeArrowheads="1" noChangeShapeType="1" noTextEdit="1"/>
+          </p:cNvSpPr>
+          <p:nvPr>
+            <p:extLst>
+              <p:ext uri="{386F3935-93C4-4BCD-93E2-E3B085C9AB24}">
+                <p16:designElem xmlns:p16="http://schemas.microsoft.com/office/powerpoint/2015/main" val="1"/>
+              </p:ext>
+            </p:extLst>
+          </p:nvPr>
+        </p:nvSpPr>
+        <p:spPr>
+          <a:xfrm>
+            <a:off x="3474359" y="583345"/>
+            <a:ext cx="139039" cy="139039"/>
+          </a:xfrm>
+          <a:custGeom>
+            <a:avLst/>
+            <a:gdLst>
+              <a:gd name="connsiteX0" fmla="*/ 129602 w 139039"/>
+              <a:gd name="connsiteY0" fmla="*/ 60082 h 139039"/>
+              <a:gd name="connsiteX1" fmla="*/ 78957 w 139039"/>
+              <a:gd name="connsiteY1" fmla="*/ 60082 h 139039"/>
+              <a:gd name="connsiteX2" fmla="*/ 78957 w 139039"/>
+              <a:gd name="connsiteY2" fmla="*/ 9437 h 139039"/>
+              <a:gd name="connsiteX3" fmla="*/ 69520 w 139039"/>
+              <a:gd name="connsiteY3" fmla="*/ 0 h 139039"/>
+              <a:gd name="connsiteX4" fmla="*/ 60082 w 139039"/>
+              <a:gd name="connsiteY4" fmla="*/ 9437 h 139039"/>
+              <a:gd name="connsiteX5" fmla="*/ 60082 w 139039"/>
+              <a:gd name="connsiteY5" fmla="*/ 60082 h 139039"/>
+              <a:gd name="connsiteX6" fmla="*/ 9437 w 139039"/>
+              <a:gd name="connsiteY6" fmla="*/ 60082 h 139039"/>
+              <a:gd name="connsiteX7" fmla="*/ 0 w 139039"/>
+              <a:gd name="connsiteY7" fmla="*/ 69520 h 139039"/>
+              <a:gd name="connsiteX8" fmla="*/ 9437 w 139039"/>
+              <a:gd name="connsiteY8" fmla="*/ 78957 h 139039"/>
+              <a:gd name="connsiteX9" fmla="*/ 60082 w 139039"/>
+              <a:gd name="connsiteY9" fmla="*/ 78957 h 139039"/>
+              <a:gd name="connsiteX10" fmla="*/ 60082 w 139039"/>
+              <a:gd name="connsiteY10" fmla="*/ 129602 h 139039"/>
+              <a:gd name="connsiteX11" fmla="*/ 69520 w 139039"/>
+              <a:gd name="connsiteY11" fmla="*/ 139039 h 139039"/>
+              <a:gd name="connsiteX12" fmla="*/ 78957 w 139039"/>
+              <a:gd name="connsiteY12" fmla="*/ 129602 h 139039"/>
+              <a:gd name="connsiteX13" fmla="*/ 78957 w 139039"/>
+              <a:gd name="connsiteY13" fmla="*/ 78957 h 139039"/>
+              <a:gd name="connsiteX14" fmla="*/ 129602 w 139039"/>
+              <a:gd name="connsiteY14" fmla="*/ 78957 h 139039"/>
+              <a:gd name="connsiteX15" fmla="*/ 139039 w 139039"/>
+              <a:gd name="connsiteY15" fmla="*/ 69520 h 139039"/>
+              <a:gd name="connsiteX16" fmla="*/ 129602 w 139039"/>
+              <a:gd name="connsiteY16" fmla="*/ 60082 h 139039"/>
+            </a:gdLst>
+            <a:ahLst/>
+            <a:cxnLst>
+              <a:cxn ang="0">
+                <a:pos x="connsiteX0" y="connsiteY0"/>
+              </a:cxn>
+              <a:cxn ang="0">
+                <a:pos x="connsiteX1" y="connsiteY1"/>
+              </a:cxn>
+              <a:cxn ang="0">
+                <a:pos x="connsiteX2" y="connsiteY2"/>
+              </a:cxn>
+              <a:cxn ang="0">
+                <a:pos x="connsiteX3" y="connsiteY3"/>
+              </a:cxn>
+              <a:cxn ang="0">
+                <a:pos x="connsiteX4" y="connsiteY4"/>
+              </a:cxn>
+              <a:cxn ang="0">
+                <a:pos x="connsiteX5" y="connsiteY5"/>
+              </a:cxn>
+              <a:cxn ang="0">
+                <a:pos x="connsiteX6" y="connsiteY6"/>
+              </a:cxn>
+              <a:cxn ang="0">
+                <a:pos x="connsiteX7" y="connsiteY7"/>
+              </a:cxn>
+              <a:cxn ang="0">
+                <a:pos x="connsiteX8" y="connsiteY8"/>
+              </a:cxn>
+              <a:cxn ang="0">
+                <a:pos x="connsiteX9" y="connsiteY9"/>
+              </a:cxn>
+              <a:cxn ang="0">
+                <a:pos x="connsiteX10" y="connsiteY10"/>
+              </a:cxn>
+              <a:cxn ang="0">
+                <a:pos x="connsiteX11" y="connsiteY11"/>
+              </a:cxn>
+              <a:cxn ang="0">
+                <a:pos x="connsiteX12" y="connsiteY12"/>
+              </a:cxn>
+              <a:cxn ang="0">
+                <a:pos x="connsiteX13" y="connsiteY13"/>
+              </a:cxn>
+              <a:cxn ang="0">
+                <a:pos x="connsiteX14" y="connsiteY14"/>
+              </a:cxn>
+              <a:cxn ang="0">
+                <a:pos x="connsiteX15" y="connsiteY15"/>
+              </a:cxn>
+              <a:cxn ang="0">
+                <a:pos x="connsiteX16" y="connsiteY16"/>
+              </a:cxn>
+            </a:cxnLst>
+            <a:rect l="l" t="t" r="r" b="b"/>
+            <a:pathLst>
+              <a:path w="139039" h="139039">
+                <a:moveTo>
+                  <a:pt x="129602" y="60082"/>
+                </a:moveTo>
+                <a:lnTo>
+                  <a:pt x="78957" y="60082"/>
+                </a:lnTo>
+                <a:lnTo>
+                  <a:pt x="78957" y="9437"/>
+                </a:lnTo>
+                <a:cubicBezTo>
+                  <a:pt x="78957" y="4225"/>
+                  <a:pt x="74731" y="0"/>
+                  <a:pt x="69520" y="0"/>
+                </a:cubicBezTo>
+                <a:cubicBezTo>
+                  <a:pt x="64308" y="0"/>
+                  <a:pt x="60082" y="4225"/>
+                  <a:pt x="60082" y="9437"/>
+                </a:cubicBezTo>
+                <a:lnTo>
+                  <a:pt x="60082" y="60082"/>
+                </a:lnTo>
+                <a:lnTo>
+                  <a:pt x="9437" y="60082"/>
+                </a:lnTo>
+                <a:cubicBezTo>
+                  <a:pt x="4225" y="60082"/>
+                  <a:pt x="0" y="64308"/>
+                  <a:pt x="0" y="69520"/>
+                </a:cubicBezTo>
+                <a:cubicBezTo>
+                  <a:pt x="0" y="74731"/>
+                  <a:pt x="4225" y="78957"/>
+                  <a:pt x="9437" y="78957"/>
+                </a:cubicBezTo>
+                <a:lnTo>
+                  <a:pt x="60082" y="78957"/>
+                </a:lnTo>
+                <a:lnTo>
+                  <a:pt x="60082" y="129602"/>
+                </a:lnTo>
+                <a:cubicBezTo>
+                  <a:pt x="60082" y="134814"/>
+                  <a:pt x="64308" y="139039"/>
+                  <a:pt x="69520" y="139039"/>
+                </a:cubicBezTo>
+                <a:cubicBezTo>
+                  <a:pt x="74731" y="139039"/>
+                  <a:pt x="78957" y="134814"/>
+                  <a:pt x="78957" y="129602"/>
+                </a:cubicBezTo>
+                <a:lnTo>
+                  <a:pt x="78957" y="78957"/>
+                </a:lnTo>
+                <a:lnTo>
+                  <a:pt x="129602" y="78957"/>
+                </a:lnTo>
+                <a:cubicBezTo>
+                  <a:pt x="134814" y="78957"/>
+                  <a:pt x="139039" y="74731"/>
+                  <a:pt x="139039" y="69520"/>
+                </a:cubicBezTo>
+                <a:cubicBezTo>
+                  <a:pt x="139039" y="64308"/>
+                  <a:pt x="134814" y="60082"/>
+                  <a:pt x="129602" y="60082"/>
+                </a:cubicBezTo>
+                <a:close/>
+              </a:path>
+            </a:pathLst>
+          </a:custGeom>
+          <a:solidFill>
+            <a:srgbClr val="FFFFFF"/>
+          </a:solidFill>
+          <a:ln w="603" cap="flat">
+            <a:noFill/>
+            <a:prstDash val="solid"/>
+            <a:miter/>
+          </a:ln>
+        </p:spPr>
+        <p:txBody>
+          <a:bodyPr rtlCol="0" anchor="ctr"/>
+          <a:lstStyle/>
+          <a:p>
+            <a:endParaRPr lang="en-US">
+              <a:solidFill>
+                <a:srgbClr val="FFFFFF"/>
+              </a:solidFill>
+            </a:endParaRPr>
+          </a:p>
+        </p:txBody>
+      </p:sp>
+      <p:sp>
+        <p:nvSpPr>
+          <p:cNvPr id="12" name="Graphic 12">
+            <a:extLst>
+              <a:ext uri="{FF2B5EF4-FFF2-40B4-BE49-F238E27FC236}">
+                <a16:creationId xmlns:a16="http://schemas.microsoft.com/office/drawing/2014/main" id="{6D33F60E-C5AC-0EC5-D1D1-27E680E8CDCB}"/>
+              </a:ext>
+              <a:ext uri="{C183D7F6-B498-43B3-948B-1728B52AA6E4}">
+                <adec:decorative xmlns:adec="http://schemas.microsoft.com/office/drawing/2017/decorative" val="1"/>
+              </a:ext>
+            </a:extLst>
+          </p:cNvPr>
+          <p:cNvSpPr>
+            <a:spLocks noGrp="1" noRot="1" noChangeAspect="1" noMove="1" noResize="1" noEditPoints="1" noAdjustHandles="1" noChangeArrowheads="1" noChangeShapeType="1" noTextEdit="1"/>
+          </p:cNvSpPr>
+          <p:nvPr>
+            <p:extLst>
+              <p:ext uri="{386F3935-93C4-4BCD-93E2-E3B085C9AB24}">
+                <p16:designElem xmlns:p16="http://schemas.microsoft.com/office/powerpoint/2015/main" val="1"/>
+              </p:ext>
+            </p:extLst>
+          </p:nvPr>
+        </p:nvSpPr>
+        <p:spPr>
+          <a:xfrm>
+            <a:off x="3833139" y="812640"/>
+            <a:ext cx="91138" cy="91138"/>
+          </a:xfrm>
+          <a:custGeom>
+            <a:avLst/>
+            <a:gdLst>
+              <a:gd name="connsiteX0" fmla="*/ 91138 w 91138"/>
+              <a:gd name="connsiteY0" fmla="*/ 45569 h 91138"/>
+              <a:gd name="connsiteX1" fmla="*/ 45569 w 91138"/>
+              <a:gd name="connsiteY1" fmla="*/ 91138 h 91138"/>
+              <a:gd name="connsiteX2" fmla="*/ 0 w 91138"/>
+              <a:gd name="connsiteY2" fmla="*/ 45569 h 91138"/>
+              <a:gd name="connsiteX3" fmla="*/ 45569 w 91138"/>
+              <a:gd name="connsiteY3" fmla="*/ 0 h 91138"/>
+              <a:gd name="connsiteX4" fmla="*/ 91138 w 91138"/>
+              <a:gd name="connsiteY4" fmla="*/ 45569 h 91138"/>
+            </a:gdLst>
+            <a:ahLst/>
+            <a:cxnLst>
+              <a:cxn ang="0">
+                <a:pos x="connsiteX0" y="connsiteY0"/>
+              </a:cxn>
+              <a:cxn ang="0">
+                <a:pos x="connsiteX1" y="connsiteY1"/>
+              </a:cxn>
+              <a:cxn ang="0">
+                <a:pos x="connsiteX2" y="connsiteY2"/>
+              </a:cxn>
+              <a:cxn ang="0">
+                <a:pos x="connsiteX3" y="connsiteY3"/>
+              </a:cxn>
+              <a:cxn ang="0">
+                <a:pos x="connsiteX4" y="connsiteY4"/>
+              </a:cxn>
+            </a:cxnLst>
+            <a:rect l="l" t="t" r="r" b="b"/>
+            <a:pathLst>
+              <a:path w="91138" h="91138">
+                <a:moveTo>
+                  <a:pt x="91138" y="45569"/>
+                </a:moveTo>
+                <a:cubicBezTo>
+                  <a:pt x="91138" y="70736"/>
+                  <a:pt x="70736" y="91138"/>
+                  <a:pt x="45569" y="91138"/>
+                </a:cubicBezTo>
+                <a:cubicBezTo>
+                  <a:pt x="20402" y="91138"/>
+                  <a:pt x="0" y="70736"/>
+                  <a:pt x="0" y="45569"/>
+                </a:cubicBezTo>
+                <a:cubicBezTo>
+                  <a:pt x="0" y="20402"/>
+                  <a:pt x="20402" y="0"/>
+                  <a:pt x="45569" y="0"/>
+                </a:cubicBezTo>
+                <a:cubicBezTo>
+                  <a:pt x="70736" y="0"/>
+                  <a:pt x="91138" y="20402"/>
+                  <a:pt x="91138" y="45569"/>
+                </a:cubicBezTo>
+                <a:close/>
+              </a:path>
+            </a:pathLst>
+          </a:custGeom>
+          <a:solidFill>
+            <a:srgbClr val="FFFFFF"/>
+          </a:solidFill>
+          <a:ln w="422" cap="flat">
+            <a:noFill/>
+            <a:prstDash val="solid"/>
+            <a:miter/>
+          </a:ln>
+        </p:spPr>
+        <p:txBody>
+          <a:bodyPr rtlCol="0" anchor="ctr"/>
+          <a:lstStyle/>
+          <a:p>
+            <a:endParaRPr lang="en-US">
+              <a:solidFill>
+                <a:srgbClr val="FFFFFF"/>
+              </a:solidFill>
+            </a:endParaRPr>
+          </a:p>
+        </p:txBody>
+      </p:sp>
+      <p:sp>
+        <p:nvSpPr>
+          <p:cNvPr id="14" name="Graphic 15">
+            <a:extLst>
+              <a:ext uri="{FF2B5EF4-FFF2-40B4-BE49-F238E27FC236}">
+                <a16:creationId xmlns:a16="http://schemas.microsoft.com/office/drawing/2014/main" id="{5E382259-4E97-0986-C64A-1BFA03A1D307}"/>
+              </a:ext>
+              <a:ext uri="{C183D7F6-B498-43B3-948B-1728B52AA6E4}">
+                <adec:decorative xmlns:adec="http://schemas.microsoft.com/office/drawing/2017/decorative" val="1"/>
+              </a:ext>
+            </a:extLst>
+          </p:cNvPr>
+          <p:cNvSpPr>
+            <a:spLocks noGrp="1" noRot="1" noChangeAspect="1" noMove="1" noResize="1" noEditPoints="1" noAdjustHandles="1" noChangeArrowheads="1" noChangeShapeType="1" noTextEdit="1"/>
+          </p:cNvSpPr>
+          <p:nvPr>
+            <p:extLst>
+              <p:ext uri="{386F3935-93C4-4BCD-93E2-E3B085C9AB24}">
+                <p16:designElem xmlns:p16="http://schemas.microsoft.com/office/powerpoint/2015/main" val="1"/>
+              </p:ext>
+            </p:extLst>
+          </p:nvPr>
+        </p:nvSpPr>
+        <p:spPr>
+          <a:xfrm>
+            <a:off x="3458819" y="1037066"/>
+            <a:ext cx="127714" cy="127714"/>
+          </a:xfrm>
+          <a:custGeom>
+            <a:avLst/>
+            <a:gdLst>
+              <a:gd name="connsiteX0" fmla="*/ 63857 w 127714"/>
+              <a:gd name="connsiteY0" fmla="*/ 18874 h 127714"/>
+              <a:gd name="connsiteX1" fmla="*/ 108840 w 127714"/>
+              <a:gd name="connsiteY1" fmla="*/ 63857 h 127714"/>
+              <a:gd name="connsiteX2" fmla="*/ 63857 w 127714"/>
+              <a:gd name="connsiteY2" fmla="*/ 108840 h 127714"/>
+              <a:gd name="connsiteX3" fmla="*/ 18874 w 127714"/>
+              <a:gd name="connsiteY3" fmla="*/ 63857 h 127714"/>
+              <a:gd name="connsiteX4" fmla="*/ 63857 w 127714"/>
+              <a:gd name="connsiteY4" fmla="*/ 18874 h 127714"/>
+              <a:gd name="connsiteX5" fmla="*/ 63857 w 127714"/>
+              <a:gd name="connsiteY5" fmla="*/ 0 h 127714"/>
+              <a:gd name="connsiteX6" fmla="*/ 0 w 127714"/>
+              <a:gd name="connsiteY6" fmla="*/ 63857 h 127714"/>
+              <a:gd name="connsiteX7" fmla="*/ 63857 w 127714"/>
+              <a:gd name="connsiteY7" fmla="*/ 127714 h 127714"/>
+              <a:gd name="connsiteX8" fmla="*/ 127714 w 127714"/>
+              <a:gd name="connsiteY8" fmla="*/ 63857 h 127714"/>
+              <a:gd name="connsiteX9" fmla="*/ 63857 w 127714"/>
+              <a:gd name="connsiteY9" fmla="*/ 0 h 127714"/>
+            </a:gdLst>
+            <a:ahLst/>
+            <a:cxnLst>
+              <a:cxn ang="0">
+                <a:pos x="connsiteX0" y="connsiteY0"/>
+              </a:cxn>
+              <a:cxn ang="0">
+                <a:pos x="connsiteX1" y="connsiteY1"/>
+              </a:cxn>
+              <a:cxn ang="0">
+                <a:pos x="connsiteX2" y="connsiteY2"/>
+              </a:cxn>
+              <a:cxn ang="0">
+                <a:pos x="connsiteX3" y="connsiteY3"/>
+              </a:cxn>
+              <a:cxn ang="0">
+                <a:pos x="connsiteX4" y="connsiteY4"/>
+              </a:cxn>
+              <a:cxn ang="0">
+                <a:pos x="connsiteX5" y="connsiteY5"/>
+              </a:cxn>
+              <a:cxn ang="0">
+                <a:pos x="connsiteX6" y="connsiteY6"/>
+              </a:cxn>
+              <a:cxn ang="0">
+                <a:pos x="connsiteX7" y="connsiteY7"/>
+              </a:cxn>
+              <a:cxn ang="0">
+                <a:pos x="connsiteX8" y="connsiteY8"/>
+              </a:cxn>
+              <a:cxn ang="0">
+                <a:pos x="connsiteX9" y="connsiteY9"/>
+              </a:cxn>
+            </a:cxnLst>
+            <a:rect l="l" t="t" r="r" b="b"/>
+            <a:pathLst>
+              <a:path w="127714" h="127714">
+                <a:moveTo>
+                  <a:pt x="63857" y="18874"/>
+                </a:moveTo>
+                <a:cubicBezTo>
+                  <a:pt x="88700" y="18874"/>
+                  <a:pt x="108840" y="39014"/>
+                  <a:pt x="108840" y="63857"/>
+                </a:cubicBezTo>
+                <a:cubicBezTo>
+                  <a:pt x="108840" y="88700"/>
+                  <a:pt x="88700" y="108840"/>
+                  <a:pt x="63857" y="108840"/>
+                </a:cubicBezTo>
+                <a:cubicBezTo>
+                  <a:pt x="39014" y="108840"/>
+                  <a:pt x="18874" y="88700"/>
+                  <a:pt x="18874" y="63857"/>
+                </a:cubicBezTo>
+                <a:cubicBezTo>
+                  <a:pt x="18898" y="39024"/>
+                  <a:pt x="39024" y="18898"/>
+                  <a:pt x="63857" y="18874"/>
+                </a:cubicBezTo>
+                <a:moveTo>
+                  <a:pt x="63857" y="0"/>
+                </a:moveTo>
+                <a:cubicBezTo>
+                  <a:pt x="28590" y="0"/>
+                  <a:pt x="0" y="28590"/>
+                  <a:pt x="0" y="63857"/>
+                </a:cubicBezTo>
+                <a:cubicBezTo>
+                  <a:pt x="0" y="99124"/>
+                  <a:pt x="28590" y="127714"/>
+                  <a:pt x="63857" y="127714"/>
+                </a:cubicBezTo>
+                <a:cubicBezTo>
+                  <a:pt x="99124" y="127714"/>
+                  <a:pt x="127714" y="99124"/>
+                  <a:pt x="127714" y="63857"/>
+                </a:cubicBezTo>
+                <a:cubicBezTo>
+                  <a:pt x="127714" y="28590"/>
+                  <a:pt x="99124" y="0"/>
+                  <a:pt x="63857" y="0"/>
+                </a:cubicBezTo>
+                <a:close/>
+              </a:path>
+            </a:pathLst>
+          </a:custGeom>
+          <a:solidFill>
+            <a:srgbClr val="FFFFFF"/>
+          </a:solidFill>
+          <a:ln w="610" cap="flat">
+            <a:noFill/>
+            <a:prstDash val="solid"/>
+            <a:miter/>
+          </a:ln>
+        </p:spPr>
+        <p:txBody>
+          <a:bodyPr rtlCol="0" anchor="ctr"/>
+          <a:lstStyle/>
+          <a:p>
+            <a:endParaRPr lang="en-US">
+              <a:solidFill>
+                <a:srgbClr val="FFFFFF"/>
+              </a:solidFill>
+            </a:endParaRPr>
+          </a:p>
+        </p:txBody>
+      </p:sp>
+      <p:cxnSp>
+        <p:nvCxnSpPr>
+          <p:cNvPr id="16" name="Straight Connector 15">
+            <a:extLst>
+              <a:ext uri="{FF2B5EF4-FFF2-40B4-BE49-F238E27FC236}">
+                <a16:creationId xmlns:a16="http://schemas.microsoft.com/office/drawing/2014/main" id="{504908BD-7771-B9F2-C7CD-8C686014A046}"/>
+              </a:ext>
+              <a:ext uri="{C183D7F6-B498-43B3-948B-1728B52AA6E4}">
+                <adec:decorative xmlns:adec="http://schemas.microsoft.com/office/drawing/2017/decorative" val="1"/>
+              </a:ext>
+            </a:extLst>
+          </p:cNvPr>
+          <p:cNvCxnSpPr>
+            <a:cxnSpLocks noGrp="1" noRot="1" noChangeAspect="1" noMove="1" noResize="1" noEditPoints="1" noAdjustHandles="1" noChangeArrowheads="1" noChangeShapeType="1"/>
+          </p:cNvCxnSpPr>
+          <p:nvPr>
+            <p:extLst>
+              <p:ext uri="{386F3935-93C4-4BCD-93E2-E3B085C9AB24}">
+                <p16:designElem xmlns:p16="http://schemas.microsoft.com/office/powerpoint/2015/main" val="1"/>
+              </p:ext>
+            </p:extLst>
+          </p:nvPr>
+        </p:nvCxnSpPr>
+        <p:spPr>
+          <a:xfrm>
+            <a:off x="856114" y="3503032"/>
+            <a:ext cx="0" cy="3346090"/>
+          </a:xfrm>
+          <a:prstGeom prst="line">
+            <a:avLst/>
+          </a:prstGeom>
+          <a:ln w="25400" cap="sq">
+            <a:solidFill>
+              <a:srgbClr val="FFFFFF"/>
+            </a:solidFill>
+            <a:bevel/>
+          </a:ln>
+        </p:spPr>
+        <p:style>
+          <a:lnRef idx="1">
+            <a:schemeClr val="accent1"/>
+          </a:lnRef>
+          <a:fillRef idx="0">
+            <a:schemeClr val="accent1"/>
+          </a:fillRef>
+          <a:effectRef idx="0">
+            <a:schemeClr val="accent1"/>
+          </a:effectRef>
+          <a:fontRef idx="minor">
+            <a:schemeClr val="tx1"/>
+          </a:fontRef>
+        </p:style>
+      </p:cxnSp>
+      <p:sp>
+        <p:nvSpPr>
+          <p:cNvPr id="18" name="Graphic 22">
+            <a:extLst>
+              <a:ext uri="{FF2B5EF4-FFF2-40B4-BE49-F238E27FC236}">
+                <a16:creationId xmlns:a16="http://schemas.microsoft.com/office/drawing/2014/main" id="{BE22D579-8EDE-B7B1-744D-9DEA5B73FDCA}"/>
+              </a:ext>
+              <a:ext uri="{C183D7F6-B498-43B3-948B-1728B52AA6E4}">
+                <adec:decorative xmlns:adec="http://schemas.microsoft.com/office/drawing/2017/decorative" val="1"/>
+              </a:ext>
+            </a:extLst>
+          </p:cNvPr>
+          <p:cNvSpPr>
+            <a:spLocks noGrp="1" noRot="1" noChangeAspect="1" noMove="1" noResize="1" noEditPoints="1" noAdjustHandles="1" noChangeArrowheads="1" noChangeShapeType="1" noTextEdit="1"/>
+          </p:cNvSpPr>
+          <p:nvPr>
+            <p:extLst>
+              <p:ext uri="{386F3935-93C4-4BCD-93E2-E3B085C9AB24}">
+                <p16:designElem xmlns:p16="http://schemas.microsoft.com/office/powerpoint/2015/main" val="1"/>
+              </p:ext>
+            </p:extLst>
+          </p:nvPr>
+        </p:nvSpPr>
+        <p:spPr>
+          <a:xfrm>
+            <a:off x="10836425" y="5636680"/>
+            <a:ext cx="151536" cy="151536"/>
+          </a:xfrm>
+          <a:custGeom>
+            <a:avLst/>
+            <a:gdLst>
+              <a:gd name="connsiteX0" fmla="*/ 141251 w 151536"/>
+              <a:gd name="connsiteY0" fmla="*/ 65483 h 151536"/>
+              <a:gd name="connsiteX1" fmla="*/ 86053 w 151536"/>
+              <a:gd name="connsiteY1" fmla="*/ 65483 h 151536"/>
+              <a:gd name="connsiteX2" fmla="*/ 86053 w 151536"/>
+              <a:gd name="connsiteY2" fmla="*/ 10285 h 151536"/>
+              <a:gd name="connsiteX3" fmla="*/ 75768 w 151536"/>
+              <a:gd name="connsiteY3" fmla="*/ 0 h 151536"/>
+              <a:gd name="connsiteX4" fmla="*/ 65483 w 151536"/>
+              <a:gd name="connsiteY4" fmla="*/ 10285 h 151536"/>
+              <a:gd name="connsiteX5" fmla="*/ 65483 w 151536"/>
+              <a:gd name="connsiteY5" fmla="*/ 65483 h 151536"/>
+              <a:gd name="connsiteX6" fmla="*/ 10285 w 151536"/>
+              <a:gd name="connsiteY6" fmla="*/ 65483 h 151536"/>
+              <a:gd name="connsiteX7" fmla="*/ 0 w 151536"/>
+              <a:gd name="connsiteY7" fmla="*/ 75768 h 151536"/>
+              <a:gd name="connsiteX8" fmla="*/ 10285 w 151536"/>
+              <a:gd name="connsiteY8" fmla="*/ 86053 h 151536"/>
+              <a:gd name="connsiteX9" fmla="*/ 65483 w 151536"/>
+              <a:gd name="connsiteY9" fmla="*/ 86053 h 151536"/>
+              <a:gd name="connsiteX10" fmla="*/ 65483 w 151536"/>
+              <a:gd name="connsiteY10" fmla="*/ 141251 h 151536"/>
+              <a:gd name="connsiteX11" fmla="*/ 75768 w 151536"/>
+              <a:gd name="connsiteY11" fmla="*/ 151536 h 151536"/>
+              <a:gd name="connsiteX12" fmla="*/ 86053 w 151536"/>
+              <a:gd name="connsiteY12" fmla="*/ 141251 h 151536"/>
+              <a:gd name="connsiteX13" fmla="*/ 86053 w 151536"/>
+              <a:gd name="connsiteY13" fmla="*/ 86053 h 151536"/>
+              <a:gd name="connsiteX14" fmla="*/ 141251 w 151536"/>
+              <a:gd name="connsiteY14" fmla="*/ 86053 h 151536"/>
+              <a:gd name="connsiteX15" fmla="*/ 151536 w 151536"/>
+              <a:gd name="connsiteY15" fmla="*/ 75768 h 151536"/>
+              <a:gd name="connsiteX16" fmla="*/ 141251 w 151536"/>
+              <a:gd name="connsiteY16" fmla="*/ 65483 h 151536"/>
+            </a:gdLst>
+            <a:ahLst/>
+            <a:cxnLst>
+              <a:cxn ang="0">
+                <a:pos x="connsiteX0" y="connsiteY0"/>
+              </a:cxn>
+              <a:cxn ang="0">
+                <a:pos x="connsiteX1" y="connsiteY1"/>
+              </a:cxn>
+              <a:cxn ang="0">
+                <a:pos x="connsiteX2" y="connsiteY2"/>
+              </a:cxn>
+              <a:cxn ang="0">
+                <a:pos x="connsiteX3" y="connsiteY3"/>
+              </a:cxn>
+              <a:cxn ang="0">
+                <a:pos x="connsiteX4" y="connsiteY4"/>
+              </a:cxn>
+              <a:cxn ang="0">
+                <a:pos x="connsiteX5" y="connsiteY5"/>
+              </a:cxn>
+              <a:cxn ang="0">
+                <a:pos x="connsiteX6" y="connsiteY6"/>
+              </a:cxn>
+              <a:cxn ang="0">
+                <a:pos x="connsiteX7" y="connsiteY7"/>
+              </a:cxn>
+              <a:cxn ang="0">
+                <a:pos x="connsiteX8" y="connsiteY8"/>
+              </a:cxn>
+              <a:cxn ang="0">
+                <a:pos x="connsiteX9" y="connsiteY9"/>
+              </a:cxn>
+              <a:cxn ang="0">
+                <a:pos x="connsiteX10" y="connsiteY10"/>
+              </a:cxn>
+              <a:cxn ang="0">
+                <a:pos x="connsiteX11" y="connsiteY11"/>
+              </a:cxn>
+              <a:cxn ang="0">
+                <a:pos x="connsiteX12" y="connsiteY12"/>
+              </a:cxn>
+              <a:cxn ang="0">
+                <a:pos x="connsiteX13" y="connsiteY13"/>
+              </a:cxn>
+              <a:cxn ang="0">
+                <a:pos x="connsiteX14" y="connsiteY14"/>
+              </a:cxn>
+              <a:cxn ang="0">
+                <a:pos x="connsiteX15" y="connsiteY15"/>
+              </a:cxn>
+              <a:cxn ang="0">
+                <a:pos x="connsiteX16" y="connsiteY16"/>
+              </a:cxn>
+            </a:cxnLst>
+            <a:rect l="l" t="t" r="r" b="b"/>
+            <a:pathLst>
+              <a:path w="151536" h="151536">
+                <a:moveTo>
+                  <a:pt x="141251" y="65483"/>
+                </a:moveTo>
+                <a:lnTo>
+                  <a:pt x="86053" y="65483"/>
+                </a:lnTo>
+                <a:lnTo>
+                  <a:pt x="86053" y="10285"/>
+                </a:lnTo>
+                <a:cubicBezTo>
+                  <a:pt x="86053" y="4605"/>
+                  <a:pt x="81448" y="0"/>
+                  <a:pt x="75768" y="0"/>
+                </a:cubicBezTo>
+                <a:cubicBezTo>
+                  <a:pt x="70088" y="0"/>
+                  <a:pt x="65483" y="4605"/>
+                  <a:pt x="65483" y="10285"/>
+                </a:cubicBezTo>
+                <a:lnTo>
+                  <a:pt x="65483" y="65483"/>
+                </a:lnTo>
+                <a:lnTo>
+                  <a:pt x="10285" y="65483"/>
+                </a:lnTo>
+                <a:cubicBezTo>
+                  <a:pt x="4605" y="65483"/>
+                  <a:pt x="0" y="70088"/>
+                  <a:pt x="0" y="75768"/>
+                </a:cubicBezTo>
+                <a:cubicBezTo>
+                  <a:pt x="0" y="81448"/>
+                  <a:pt x="4605" y="86053"/>
+                  <a:pt x="10285" y="86053"/>
+                </a:cubicBezTo>
+                <a:lnTo>
+                  <a:pt x="65483" y="86053"/>
+                </a:lnTo>
+                <a:lnTo>
+                  <a:pt x="65483" y="141251"/>
+                </a:lnTo>
+                <a:cubicBezTo>
+                  <a:pt x="65483" y="146931"/>
+                  <a:pt x="70088" y="151536"/>
+                  <a:pt x="75768" y="151536"/>
+                </a:cubicBezTo>
+                <a:cubicBezTo>
+                  <a:pt x="81448" y="151536"/>
+                  <a:pt x="86053" y="146931"/>
+                  <a:pt x="86053" y="141251"/>
+                </a:cubicBezTo>
+                <a:lnTo>
+                  <a:pt x="86053" y="86053"/>
+                </a:lnTo>
+                <a:lnTo>
+                  <a:pt x="141251" y="86053"/>
+                </a:lnTo>
+                <a:cubicBezTo>
+                  <a:pt x="146931" y="86053"/>
+                  <a:pt x="151536" y="81448"/>
+                  <a:pt x="151536" y="75768"/>
+                </a:cubicBezTo>
+                <a:cubicBezTo>
+                  <a:pt x="151536" y="70088"/>
+                  <a:pt x="146931" y="65483"/>
+                  <a:pt x="141251" y="65483"/>
+                </a:cubicBezTo>
+                <a:close/>
+              </a:path>
+            </a:pathLst>
+          </a:custGeom>
+          <a:solidFill>
+            <a:srgbClr val="FFFFFF"/>
+          </a:solidFill>
+          <a:ln w="646" cap="flat">
+            <a:noFill/>
+            <a:prstDash val="solid"/>
+            <a:miter/>
+          </a:ln>
+        </p:spPr>
+        <p:txBody>
+          <a:bodyPr rtlCol="0" anchor="ctr"/>
+          <a:lstStyle/>
+          <a:p>
+            <a:endParaRPr lang="en-US">
+              <a:solidFill>
+                <a:srgbClr val="FFFFFF"/>
+              </a:solidFill>
+            </a:endParaRPr>
+          </a:p>
+        </p:txBody>
+      </p:sp>
+      <p:sp>
+        <p:nvSpPr>
+          <p:cNvPr id="20" name="Graphic 23">
+            <a:extLst>
+              <a:ext uri="{FF2B5EF4-FFF2-40B4-BE49-F238E27FC236}">
+                <a16:creationId xmlns:a16="http://schemas.microsoft.com/office/drawing/2014/main" id="{0F8D63F4-D876-835E-4623-0F6E0612A274}"/>
+              </a:ext>
+              <a:ext uri="{C183D7F6-B498-43B3-948B-1728B52AA6E4}">
+                <adec:decorative xmlns:adec="http://schemas.microsoft.com/office/drawing/2017/decorative" val="1"/>
+              </a:ext>
+            </a:extLst>
+          </p:cNvPr>
+          <p:cNvSpPr>
+            <a:spLocks noGrp="1" noRot="1" noChangeAspect="1" noMove="1" noResize="1" noEditPoints="1" noAdjustHandles="1" noChangeArrowheads="1" noChangeShapeType="1" noTextEdit="1"/>
+          </p:cNvSpPr>
+          <p:nvPr>
+            <p:extLst>
+              <p:ext uri="{386F3935-93C4-4BCD-93E2-E3B085C9AB24}">
+                <p16:designElem xmlns:p16="http://schemas.microsoft.com/office/powerpoint/2015/main" val="1"/>
+              </p:ext>
+            </p:extLst>
+          </p:nvPr>
+        </p:nvSpPr>
+        <p:spPr>
+          <a:xfrm>
+            <a:off x="11245175" y="6096759"/>
+            <a:ext cx="108625" cy="108625"/>
+          </a:xfrm>
+          <a:custGeom>
+            <a:avLst/>
+            <a:gdLst>
+              <a:gd name="connsiteX0" fmla="*/ 54313 w 108625"/>
+              <a:gd name="connsiteY0" fmla="*/ 16053 h 108625"/>
+              <a:gd name="connsiteX1" fmla="*/ 92572 w 108625"/>
+              <a:gd name="connsiteY1" fmla="*/ 54313 h 108625"/>
+              <a:gd name="connsiteX2" fmla="*/ 54313 w 108625"/>
+              <a:gd name="connsiteY2" fmla="*/ 92572 h 108625"/>
+              <a:gd name="connsiteX3" fmla="*/ 16053 w 108625"/>
+              <a:gd name="connsiteY3" fmla="*/ 54313 h 108625"/>
+              <a:gd name="connsiteX4" fmla="*/ 54313 w 108625"/>
+              <a:gd name="connsiteY4" fmla="*/ 16053 h 108625"/>
+              <a:gd name="connsiteX5" fmla="*/ 54313 w 108625"/>
+              <a:gd name="connsiteY5" fmla="*/ 0 h 108625"/>
+              <a:gd name="connsiteX6" fmla="*/ 0 w 108625"/>
+              <a:gd name="connsiteY6" fmla="*/ 54313 h 108625"/>
+              <a:gd name="connsiteX7" fmla="*/ 54313 w 108625"/>
+              <a:gd name="connsiteY7" fmla="*/ 108625 h 108625"/>
+              <a:gd name="connsiteX8" fmla="*/ 108625 w 108625"/>
+              <a:gd name="connsiteY8" fmla="*/ 54313 h 108625"/>
+              <a:gd name="connsiteX9" fmla="*/ 54313 w 108625"/>
+              <a:gd name="connsiteY9" fmla="*/ 0 h 108625"/>
+            </a:gdLst>
+            <a:ahLst/>
+            <a:cxnLst>
+              <a:cxn ang="0">
+                <a:pos x="connsiteX0" y="connsiteY0"/>
+              </a:cxn>
+              <a:cxn ang="0">
+                <a:pos x="connsiteX1" y="connsiteY1"/>
+              </a:cxn>
+              <a:cxn ang="0">
+                <a:pos x="connsiteX2" y="connsiteY2"/>
+              </a:cxn>
+              <a:cxn ang="0">
+                <a:pos x="connsiteX3" y="connsiteY3"/>
+              </a:cxn>
+              <a:cxn ang="0">
+                <a:pos x="connsiteX4" y="connsiteY4"/>
+              </a:cxn>
+              <a:cxn ang="0">
+                <a:pos x="connsiteX5" y="connsiteY5"/>
+              </a:cxn>
+              <a:cxn ang="0">
+                <a:pos x="connsiteX6" y="connsiteY6"/>
+              </a:cxn>
+              <a:cxn ang="0">
+                <a:pos x="connsiteX7" y="connsiteY7"/>
+              </a:cxn>
+              <a:cxn ang="0">
+                <a:pos x="connsiteX8" y="connsiteY8"/>
+              </a:cxn>
+              <a:cxn ang="0">
+                <a:pos x="connsiteX9" y="connsiteY9"/>
+              </a:cxn>
+            </a:cxnLst>
+            <a:rect l="l" t="t" r="r" b="b"/>
+            <a:pathLst>
+              <a:path w="108625" h="108625">
+                <a:moveTo>
+                  <a:pt x="54313" y="16053"/>
+                </a:moveTo>
+                <a:cubicBezTo>
+                  <a:pt x="75442" y="16053"/>
+                  <a:pt x="92572" y="33182"/>
+                  <a:pt x="92572" y="54313"/>
+                </a:cubicBezTo>
+                <a:cubicBezTo>
+                  <a:pt x="92572" y="75442"/>
+                  <a:pt x="75442" y="92572"/>
+                  <a:pt x="54313" y="92572"/>
+                </a:cubicBezTo>
+                <a:cubicBezTo>
+                  <a:pt x="33182" y="92572"/>
+                  <a:pt x="16053" y="75442"/>
+                  <a:pt x="16053" y="54313"/>
+                </a:cubicBezTo>
+                <a:cubicBezTo>
+                  <a:pt x="16074" y="33191"/>
+                  <a:pt x="33191" y="16074"/>
+                  <a:pt x="54313" y="16053"/>
+                </a:cubicBezTo>
+                <a:moveTo>
+                  <a:pt x="54313" y="0"/>
+                </a:moveTo>
+                <a:cubicBezTo>
+                  <a:pt x="24317" y="0"/>
+                  <a:pt x="0" y="24317"/>
+                  <a:pt x="0" y="54313"/>
+                </a:cubicBezTo>
+                <a:cubicBezTo>
+                  <a:pt x="0" y="84309"/>
+                  <a:pt x="24317" y="108625"/>
+                  <a:pt x="54313" y="108625"/>
+                </a:cubicBezTo>
+                <a:cubicBezTo>
+                  <a:pt x="84309" y="108625"/>
+                  <a:pt x="108625" y="84309"/>
+                  <a:pt x="108625" y="54313"/>
+                </a:cubicBezTo>
+                <a:cubicBezTo>
+                  <a:pt x="108625" y="24317"/>
+                  <a:pt x="84309" y="0"/>
+                  <a:pt x="54313" y="0"/>
+                </a:cubicBezTo>
+                <a:close/>
+              </a:path>
+            </a:pathLst>
+          </a:custGeom>
+          <a:solidFill>
+            <a:srgbClr val="FFFFFF"/>
+          </a:solidFill>
+          <a:ln w="516" cap="flat">
+            <a:noFill/>
+            <a:prstDash val="solid"/>
+            <a:miter/>
+          </a:ln>
+        </p:spPr>
+        <p:txBody>
+          <a:bodyPr rtlCol="0" anchor="ctr"/>
+          <a:lstStyle/>
+          <a:p>
+            <a:endParaRPr lang="en-US">
+              <a:solidFill>
+                <a:srgbClr val="FFFFFF"/>
+              </a:solidFill>
+            </a:endParaRPr>
+          </a:p>
+        </p:txBody>
+      </p:sp>
+      <p:sp>
+        <p:nvSpPr>
+          <p:cNvPr id="22" name="Graphic 21">
+            <a:extLst>
+              <a:ext uri="{FF2B5EF4-FFF2-40B4-BE49-F238E27FC236}">
+                <a16:creationId xmlns:a16="http://schemas.microsoft.com/office/drawing/2014/main" id="{2ED81539-C417-4F67-247B-DECFFC3DCE60}"/>
+              </a:ext>
+              <a:ext uri="{C183D7F6-B498-43B3-948B-1728B52AA6E4}">
+                <adec:decorative xmlns:adec="http://schemas.microsoft.com/office/drawing/2017/decorative" val="1"/>
+              </a:ext>
+            </a:extLst>
+          </p:cNvPr>
+          <p:cNvSpPr>
+            <a:spLocks noGrp="1" noRot="1" noChangeAspect="1" noMove="1" noResize="1" noEditPoints="1" noAdjustHandles="1" noChangeArrowheads="1" noChangeShapeType="1" noTextEdit="1"/>
+          </p:cNvSpPr>
+          <p:nvPr>
+            <p:extLst>
+              <p:ext uri="{386F3935-93C4-4BCD-93E2-E3B085C9AB24}">
+                <p16:designElem xmlns:p16="http://schemas.microsoft.com/office/powerpoint/2015/main" val="1"/>
+              </p:ext>
+            </p:extLst>
+          </p:nvPr>
+        </p:nvSpPr>
+        <p:spPr>
+          <a:xfrm>
+            <a:off x="10554288" y="6238029"/>
+            <a:ext cx="95759" cy="95759"/>
+          </a:xfrm>
+          <a:custGeom>
+            <a:avLst/>
+            <a:gdLst>
+              <a:gd name="connsiteX0" fmla="*/ 95759 w 95759"/>
+              <a:gd name="connsiteY0" fmla="*/ 47880 h 95759"/>
+              <a:gd name="connsiteX1" fmla="*/ 47880 w 95759"/>
+              <a:gd name="connsiteY1" fmla="*/ 95759 h 95759"/>
+              <a:gd name="connsiteX2" fmla="*/ 0 w 95759"/>
+              <a:gd name="connsiteY2" fmla="*/ 47880 h 95759"/>
+              <a:gd name="connsiteX3" fmla="*/ 47880 w 95759"/>
+              <a:gd name="connsiteY3" fmla="*/ 0 h 95759"/>
+              <a:gd name="connsiteX4" fmla="*/ 95759 w 95759"/>
+              <a:gd name="connsiteY4" fmla="*/ 47880 h 95759"/>
+            </a:gdLst>
+            <a:ahLst/>
+            <a:cxnLst>
+              <a:cxn ang="0">
+                <a:pos x="connsiteX0" y="connsiteY0"/>
+              </a:cxn>
+              <a:cxn ang="0">
+                <a:pos x="connsiteX1" y="connsiteY1"/>
+              </a:cxn>
+              <a:cxn ang="0">
+                <a:pos x="connsiteX2" y="connsiteY2"/>
+              </a:cxn>
+              <a:cxn ang="0">
+                <a:pos x="connsiteX3" y="connsiteY3"/>
+              </a:cxn>
+              <a:cxn ang="0">
+                <a:pos x="connsiteX4" y="connsiteY4"/>
+              </a:cxn>
+            </a:cxnLst>
+            <a:rect l="l" t="t" r="r" b="b"/>
+            <a:pathLst>
+              <a:path w="95759" h="95759">
+                <a:moveTo>
+                  <a:pt x="95759" y="47880"/>
+                </a:moveTo>
+                <a:cubicBezTo>
+                  <a:pt x="95759" y="74323"/>
+                  <a:pt x="74323" y="95759"/>
+                  <a:pt x="47880" y="95759"/>
+                </a:cubicBezTo>
+                <a:cubicBezTo>
+                  <a:pt x="21436" y="95759"/>
+                  <a:pt x="0" y="74323"/>
+                  <a:pt x="0" y="47880"/>
+                </a:cubicBezTo>
+                <a:cubicBezTo>
+                  <a:pt x="0" y="21436"/>
+                  <a:pt x="21436" y="0"/>
+                  <a:pt x="47880" y="0"/>
+                </a:cubicBezTo>
+                <a:cubicBezTo>
+                  <a:pt x="74323" y="0"/>
+                  <a:pt x="95759" y="21436"/>
+                  <a:pt x="95759" y="47880"/>
+                </a:cubicBezTo>
+                <a:close/>
+              </a:path>
+            </a:pathLst>
+          </a:custGeom>
+          <a:solidFill>
+            <a:srgbClr val="FFFFFF"/>
+          </a:solidFill>
+          <a:ln w="469" cap="flat">
+            <a:noFill/>
+            <a:prstDash val="solid"/>
+            <a:miter/>
+          </a:ln>
+        </p:spPr>
+        <p:txBody>
+          <a:bodyPr rtlCol="0" anchor="ctr"/>
+          <a:lstStyle/>
+          <a:p>
+            <a:endParaRPr lang="en-US">
+              <a:solidFill>
+                <a:srgbClr val="FFFFFF"/>
+              </a:solidFill>
+            </a:endParaRPr>
+          </a:p>
+        </p:txBody>
+      </p:sp>
+      <p:sp>
+        <p:nvSpPr>
+          <p:cNvPr id="2" name="Título 1">
+            <a:extLst>
+              <a:ext uri="{FF2B5EF4-FFF2-40B4-BE49-F238E27FC236}">
+                <a16:creationId xmlns:a16="http://schemas.microsoft.com/office/drawing/2014/main" id="{232116AD-635E-C0DD-A4DC-D50FD53D3A13}"/>
+              </a:ext>
+            </a:extLst>
+          </p:cNvPr>
+          <p:cNvSpPr>
+            <a:spLocks noGrp="1"/>
+          </p:cNvSpPr>
+          <p:nvPr>
+            <p:ph type="title"/>
+          </p:nvPr>
+        </p:nvSpPr>
+        <p:spPr>
+          <a:xfrm>
+            <a:off x="3880430" y="583345"/>
+            <a:ext cx="7160357" cy="4164820"/>
+          </a:xfrm>
+        </p:spPr>
+        <p:txBody>
+          <a:bodyPr vert="horz" lIns="91440" tIns="45720" rIns="91440" bIns="45720" rtlCol="0" anchor="t">
+            <a:normAutofit/>
+          </a:bodyPr>
+          <a:lstStyle/>
+          <a:p>
+            <a:pPr algn="r"/>
+            <a:r>
+              <a:rPr lang="en-US" sz="4000" kern="1200" dirty="0">
+                <a:solidFill>
+                  <a:srgbClr val="000000"/>
+                </a:solidFill>
+                <a:latin typeface="Verdana" panose="020B0604030504040204" pitchFamily="34" charset="0"/>
+                <a:ea typeface="+mj-ea"/>
+                <a:cs typeface="+mj-cs"/>
+              </a:rPr>
+              <a:t>Ajax with jQuery AJAX</a:t>
+            </a:r>
+            <a:br>
+              <a:rPr lang="en-US" sz="4000" kern="1200" dirty="0">
+                <a:solidFill>
+                  <a:srgbClr val="000000"/>
+                </a:solidFill>
+                <a:latin typeface="Verdana" panose="020B0604030504040204" pitchFamily="34" charset="0"/>
+                <a:ea typeface="+mj-ea"/>
+                <a:cs typeface="+mj-cs"/>
+              </a:rPr>
+            </a:br>
+            <a:r>
+              <a:rPr lang="en-US" sz="4000" kern="1200" dirty="0">
+                <a:solidFill>
+                  <a:srgbClr val="000000"/>
+                </a:solidFill>
+                <a:latin typeface="Verdana" panose="020B0604030504040204" pitchFamily="34" charset="0"/>
+                <a:ea typeface="+mj-ea"/>
+                <a:cs typeface="+mj-cs"/>
+              </a:rPr>
+              <a:t>get() </a:t>
+            </a:r>
+            <a:r>
+              <a:rPr lang="en-US" sz="4000" dirty="0">
+                <a:solidFill>
+                  <a:srgbClr val="000000"/>
+                </a:solidFill>
+                <a:latin typeface="Verdana" panose="020B0604030504040204" pitchFamily="34" charset="0"/>
+              </a:rPr>
+              <a:t>and post() </a:t>
+            </a:r>
+            <a:r>
+              <a:rPr lang="en-US" sz="4000" kern="1200" dirty="0">
+                <a:solidFill>
+                  <a:srgbClr val="000000"/>
+                </a:solidFill>
+                <a:latin typeface="Verdana" panose="020B0604030504040204" pitchFamily="34" charset="0"/>
+                <a:ea typeface="+mj-ea"/>
+                <a:cs typeface="+mj-cs"/>
+              </a:rPr>
+              <a:t>methods</a:t>
+            </a:r>
+            <a:endParaRPr lang="en-US" sz="8000" kern="1200" dirty="0">
+              <a:solidFill>
+                <a:srgbClr val="FFFFFF"/>
+              </a:solidFill>
+              <a:latin typeface="+mj-lt"/>
+              <a:ea typeface="+mj-ea"/>
+              <a:cs typeface="+mj-cs"/>
+            </a:endParaRPr>
+          </a:p>
+        </p:txBody>
+      </p:sp>
+      <p:pic>
+        <p:nvPicPr>
+          <p:cNvPr id="5" name="Imagem 4">
+            <a:extLst>
+              <a:ext uri="{FF2B5EF4-FFF2-40B4-BE49-F238E27FC236}">
+                <a16:creationId xmlns:a16="http://schemas.microsoft.com/office/drawing/2014/main" id="{78CB7730-8E3B-BA6C-1C69-7974299343EB}"/>
+              </a:ext>
+            </a:extLst>
+          </p:cNvPr>
+          <p:cNvPicPr>
+            <a:picLocks noChangeAspect="1"/>
+          </p:cNvPicPr>
+          <p:nvPr/>
+        </p:nvPicPr>
+        <p:blipFill>
+          <a:blip r:embed="rId2"/>
+          <a:stretch>
+            <a:fillRect/>
+          </a:stretch>
+        </p:blipFill>
+        <p:spPr>
+          <a:xfrm>
+            <a:off x="963706" y="2515615"/>
+            <a:ext cx="10546976" cy="2106757"/>
+          </a:xfrm>
+          <a:prstGeom prst="rect">
+            <a:avLst/>
+          </a:prstGeom>
+        </p:spPr>
+      </p:pic>
+    </p:spTree>
+    <p:extLst>
+      <p:ext uri="{BB962C8B-B14F-4D97-AF65-F5344CB8AC3E}">
+        <p14:creationId xmlns:p14="http://schemas.microsoft.com/office/powerpoint/2010/main" val="958823398"/>
+      </p:ext>
+    </p:extLst>
+  </p:cSld>
+  <p:clrMapOvr>
+    <a:masterClrMapping/>
+  </p:clrMapOvr>
+</p:sld>
+</file>
+
+<file path=ppt/slides/slide11.xml><?xml version="1.0" encoding="utf-8"?>
+<p:sld xmlns:a="http://schemas.openxmlformats.org/drawingml/2006/main" xmlns:r="http://schemas.openxmlformats.org/officeDocument/2006/relationships" xmlns:p="http://schemas.openxmlformats.org/presentationml/2006/main">
+  <p:cSld>
+    <p:bg>
+      <p:bgPr>
+        <a:solidFill>
+          <a:schemeClr val="bg1"/>
+        </a:solidFill>
+        <a:effectLst/>
+      </p:bgPr>
+    </p:bg>
+    <p:spTree>
+      <p:nvGrpSpPr>
+        <p:cNvPr id="1" name="">
+          <a:extLst>
+            <a:ext uri="{FF2B5EF4-FFF2-40B4-BE49-F238E27FC236}">
+              <a16:creationId xmlns:a16="http://schemas.microsoft.com/office/drawing/2014/main" id="{5B397A09-1160-19E2-4EB8-EEB0FDECB498}"/>
+            </a:ext>
+          </a:extLst>
+        </p:cNvPr>
+        <p:cNvGrpSpPr/>
+        <p:nvPr/>
+      </p:nvGrpSpPr>
+      <p:grpSpPr>
+        <a:xfrm>
+          <a:off x="0" y="0"/>
+          <a:ext cx="0" cy="0"/>
+          <a:chOff x="0" y="0"/>
+          <a:chExt cx="0" cy="0"/>
+        </a:xfrm>
+      </p:grpSpPr>
+      <p:sp>
+        <p:nvSpPr>
+          <p:cNvPr id="8" name="Rectangle 7">
+            <a:extLst>
+              <a:ext uri="{FF2B5EF4-FFF2-40B4-BE49-F238E27FC236}">
+                <a16:creationId xmlns:a16="http://schemas.microsoft.com/office/drawing/2014/main" id="{1E3BB747-B2D8-221F-C3E2-B6BA6B5E4D02}"/>
+              </a:ext>
+              <a:ext uri="{C183D7F6-B498-43B3-948B-1728B52AA6E4}">
+                <adec:decorative xmlns:adec="http://schemas.microsoft.com/office/drawing/2017/decorative" val="1"/>
+              </a:ext>
+            </a:extLst>
+          </p:cNvPr>
+          <p:cNvSpPr>
+            <a:spLocks noGrp="1" noRot="1" noChangeAspect="1" noMove="1" noResize="1" noEditPoints="1" noAdjustHandles="1" noChangeArrowheads="1" noChangeShapeType="1" noTextEdit="1"/>
+          </p:cNvSpPr>
+          <p:nvPr>
+            <p:extLst>
+              <p:ext uri="{386F3935-93C4-4BCD-93E2-E3B085C9AB24}">
+                <p16:designElem xmlns:p16="http://schemas.microsoft.com/office/powerpoint/2015/main" val="1"/>
+              </p:ext>
+            </p:extLst>
+          </p:nvPr>
+        </p:nvSpPr>
+        <p:spPr>
+          <a:xfrm>
+            <a:off x="0" y="0"/>
+            <a:ext cx="12192000" cy="6858000"/>
+          </a:xfrm>
+          <a:prstGeom prst="rect">
+            <a:avLst/>
+          </a:prstGeom>
+          <a:gradFill flip="none" rotWithShape="1">
+            <a:gsLst>
+              <a:gs pos="0">
+                <a:schemeClr val="accent1"/>
+              </a:gs>
+              <a:gs pos="100000">
+                <a:schemeClr val="accent2"/>
+              </a:gs>
+            </a:gsLst>
+            <a:lin ang="8100000" scaled="0"/>
+            <a:tileRect/>
+          </a:gradFill>
+          <a:ln>
+            <a:noFill/>
+          </a:ln>
+        </p:spPr>
+        <p:style>
+          <a:lnRef idx="2">
+            <a:schemeClr val="accent1">
+              <a:shade val="50000"/>
+            </a:schemeClr>
+          </a:lnRef>
+          <a:fillRef idx="1">
+            <a:schemeClr val="accent1"/>
+          </a:fillRef>
+          <a:effectRef idx="0">
+            <a:schemeClr val="accent1"/>
+          </a:effectRef>
+          <a:fontRef idx="minor">
+            <a:schemeClr val="lt1"/>
+          </a:fontRef>
+        </p:style>
+        <p:txBody>
+          <a:bodyPr rtlCol="0" anchor="ctr"/>
+          <a:lstStyle/>
+          <a:p>
+            <a:pPr algn="ctr"/>
+            <a:endParaRPr lang="en-US">
+              <a:solidFill>
+                <a:srgbClr val="FFFFFF"/>
+              </a:solidFill>
+            </a:endParaRPr>
+          </a:p>
+        </p:txBody>
+      </p:sp>
+      <p:sp>
+        <p:nvSpPr>
+          <p:cNvPr id="10" name="Graphic 13">
+            <a:extLst>
+              <a:ext uri="{FF2B5EF4-FFF2-40B4-BE49-F238E27FC236}">
+                <a16:creationId xmlns:a16="http://schemas.microsoft.com/office/drawing/2014/main" id="{05B7B618-443D-AF73-45CD-61CDD0CDC6A4}"/>
+              </a:ext>
+              <a:ext uri="{C183D7F6-B498-43B3-948B-1728B52AA6E4}">
+                <adec:decorative xmlns:adec="http://schemas.microsoft.com/office/drawing/2017/decorative" val="1"/>
+              </a:ext>
+            </a:extLst>
+          </p:cNvPr>
+          <p:cNvSpPr>
+            <a:spLocks noGrp="1" noRot="1" noChangeAspect="1" noMove="1" noResize="1" noEditPoints="1" noAdjustHandles="1" noChangeArrowheads="1" noChangeShapeType="1" noTextEdit="1"/>
+          </p:cNvSpPr>
+          <p:nvPr>
+            <p:extLst>
+              <p:ext uri="{386F3935-93C4-4BCD-93E2-E3B085C9AB24}">
+                <p16:designElem xmlns:p16="http://schemas.microsoft.com/office/powerpoint/2015/main" val="1"/>
+              </p:ext>
+            </p:extLst>
+          </p:nvPr>
+        </p:nvSpPr>
+        <p:spPr>
+          <a:xfrm>
+            <a:off x="3474359" y="583345"/>
+            <a:ext cx="139039" cy="139039"/>
+          </a:xfrm>
+          <a:custGeom>
+            <a:avLst/>
+            <a:gdLst>
+              <a:gd name="connsiteX0" fmla="*/ 129602 w 139039"/>
+              <a:gd name="connsiteY0" fmla="*/ 60082 h 139039"/>
+              <a:gd name="connsiteX1" fmla="*/ 78957 w 139039"/>
+              <a:gd name="connsiteY1" fmla="*/ 60082 h 139039"/>
+              <a:gd name="connsiteX2" fmla="*/ 78957 w 139039"/>
+              <a:gd name="connsiteY2" fmla="*/ 9437 h 139039"/>
+              <a:gd name="connsiteX3" fmla="*/ 69520 w 139039"/>
+              <a:gd name="connsiteY3" fmla="*/ 0 h 139039"/>
+              <a:gd name="connsiteX4" fmla="*/ 60082 w 139039"/>
+              <a:gd name="connsiteY4" fmla="*/ 9437 h 139039"/>
+              <a:gd name="connsiteX5" fmla="*/ 60082 w 139039"/>
+              <a:gd name="connsiteY5" fmla="*/ 60082 h 139039"/>
+              <a:gd name="connsiteX6" fmla="*/ 9437 w 139039"/>
+              <a:gd name="connsiteY6" fmla="*/ 60082 h 139039"/>
+              <a:gd name="connsiteX7" fmla="*/ 0 w 139039"/>
+              <a:gd name="connsiteY7" fmla="*/ 69520 h 139039"/>
+              <a:gd name="connsiteX8" fmla="*/ 9437 w 139039"/>
+              <a:gd name="connsiteY8" fmla="*/ 78957 h 139039"/>
+              <a:gd name="connsiteX9" fmla="*/ 60082 w 139039"/>
+              <a:gd name="connsiteY9" fmla="*/ 78957 h 139039"/>
+              <a:gd name="connsiteX10" fmla="*/ 60082 w 139039"/>
+              <a:gd name="connsiteY10" fmla="*/ 129602 h 139039"/>
+              <a:gd name="connsiteX11" fmla="*/ 69520 w 139039"/>
+              <a:gd name="connsiteY11" fmla="*/ 139039 h 139039"/>
+              <a:gd name="connsiteX12" fmla="*/ 78957 w 139039"/>
+              <a:gd name="connsiteY12" fmla="*/ 129602 h 139039"/>
+              <a:gd name="connsiteX13" fmla="*/ 78957 w 139039"/>
+              <a:gd name="connsiteY13" fmla="*/ 78957 h 139039"/>
+              <a:gd name="connsiteX14" fmla="*/ 129602 w 139039"/>
+              <a:gd name="connsiteY14" fmla="*/ 78957 h 139039"/>
+              <a:gd name="connsiteX15" fmla="*/ 139039 w 139039"/>
+              <a:gd name="connsiteY15" fmla="*/ 69520 h 139039"/>
+              <a:gd name="connsiteX16" fmla="*/ 129602 w 139039"/>
+              <a:gd name="connsiteY16" fmla="*/ 60082 h 139039"/>
+            </a:gdLst>
+            <a:ahLst/>
+            <a:cxnLst>
+              <a:cxn ang="0">
+                <a:pos x="connsiteX0" y="connsiteY0"/>
+              </a:cxn>
+              <a:cxn ang="0">
+                <a:pos x="connsiteX1" y="connsiteY1"/>
+              </a:cxn>
+              <a:cxn ang="0">
+                <a:pos x="connsiteX2" y="connsiteY2"/>
+              </a:cxn>
+              <a:cxn ang="0">
+                <a:pos x="connsiteX3" y="connsiteY3"/>
+              </a:cxn>
+              <a:cxn ang="0">
+                <a:pos x="connsiteX4" y="connsiteY4"/>
+              </a:cxn>
+              <a:cxn ang="0">
+                <a:pos x="connsiteX5" y="connsiteY5"/>
+              </a:cxn>
+              <a:cxn ang="0">
+                <a:pos x="connsiteX6" y="connsiteY6"/>
+              </a:cxn>
+              <a:cxn ang="0">
+                <a:pos x="connsiteX7" y="connsiteY7"/>
+              </a:cxn>
+              <a:cxn ang="0">
+                <a:pos x="connsiteX8" y="connsiteY8"/>
+              </a:cxn>
+              <a:cxn ang="0">
+                <a:pos x="connsiteX9" y="connsiteY9"/>
+              </a:cxn>
+              <a:cxn ang="0">
+                <a:pos x="connsiteX10" y="connsiteY10"/>
+              </a:cxn>
+              <a:cxn ang="0">
+                <a:pos x="connsiteX11" y="connsiteY11"/>
+              </a:cxn>
+              <a:cxn ang="0">
+                <a:pos x="connsiteX12" y="connsiteY12"/>
+              </a:cxn>
+              <a:cxn ang="0">
+                <a:pos x="connsiteX13" y="connsiteY13"/>
+              </a:cxn>
+              <a:cxn ang="0">
+                <a:pos x="connsiteX14" y="connsiteY14"/>
+              </a:cxn>
+              <a:cxn ang="0">
+                <a:pos x="connsiteX15" y="connsiteY15"/>
+              </a:cxn>
+              <a:cxn ang="0">
+                <a:pos x="connsiteX16" y="connsiteY16"/>
+              </a:cxn>
+            </a:cxnLst>
+            <a:rect l="l" t="t" r="r" b="b"/>
+            <a:pathLst>
+              <a:path w="139039" h="139039">
+                <a:moveTo>
+                  <a:pt x="129602" y="60082"/>
+                </a:moveTo>
+                <a:lnTo>
+                  <a:pt x="78957" y="60082"/>
+                </a:lnTo>
+                <a:lnTo>
+                  <a:pt x="78957" y="9437"/>
+                </a:lnTo>
+                <a:cubicBezTo>
+                  <a:pt x="78957" y="4225"/>
+                  <a:pt x="74731" y="0"/>
+                  <a:pt x="69520" y="0"/>
+                </a:cubicBezTo>
+                <a:cubicBezTo>
+                  <a:pt x="64308" y="0"/>
+                  <a:pt x="60082" y="4225"/>
+                  <a:pt x="60082" y="9437"/>
+                </a:cubicBezTo>
+                <a:lnTo>
+                  <a:pt x="60082" y="60082"/>
+                </a:lnTo>
+                <a:lnTo>
+                  <a:pt x="9437" y="60082"/>
+                </a:lnTo>
+                <a:cubicBezTo>
+                  <a:pt x="4225" y="60082"/>
+                  <a:pt x="0" y="64308"/>
+                  <a:pt x="0" y="69520"/>
+                </a:cubicBezTo>
+                <a:cubicBezTo>
+                  <a:pt x="0" y="74731"/>
+                  <a:pt x="4225" y="78957"/>
+                  <a:pt x="9437" y="78957"/>
+                </a:cubicBezTo>
+                <a:lnTo>
+                  <a:pt x="60082" y="78957"/>
+                </a:lnTo>
+                <a:lnTo>
+                  <a:pt x="60082" y="129602"/>
+                </a:lnTo>
+                <a:cubicBezTo>
+                  <a:pt x="60082" y="134814"/>
+                  <a:pt x="64308" y="139039"/>
+                  <a:pt x="69520" y="139039"/>
+                </a:cubicBezTo>
+                <a:cubicBezTo>
+                  <a:pt x="74731" y="139039"/>
+                  <a:pt x="78957" y="134814"/>
+                  <a:pt x="78957" y="129602"/>
+                </a:cubicBezTo>
+                <a:lnTo>
+                  <a:pt x="78957" y="78957"/>
+                </a:lnTo>
+                <a:lnTo>
+                  <a:pt x="129602" y="78957"/>
+                </a:lnTo>
+                <a:cubicBezTo>
+                  <a:pt x="134814" y="78957"/>
+                  <a:pt x="139039" y="74731"/>
+                  <a:pt x="139039" y="69520"/>
+                </a:cubicBezTo>
+                <a:cubicBezTo>
+                  <a:pt x="139039" y="64308"/>
+                  <a:pt x="134814" y="60082"/>
+                  <a:pt x="129602" y="60082"/>
+                </a:cubicBezTo>
+                <a:close/>
+              </a:path>
+            </a:pathLst>
+          </a:custGeom>
+          <a:solidFill>
+            <a:srgbClr val="FFFFFF"/>
+          </a:solidFill>
+          <a:ln w="603" cap="flat">
+            <a:noFill/>
+            <a:prstDash val="solid"/>
+            <a:miter/>
+          </a:ln>
+        </p:spPr>
+        <p:txBody>
+          <a:bodyPr rtlCol="0" anchor="ctr"/>
+          <a:lstStyle/>
+          <a:p>
+            <a:endParaRPr lang="en-US">
+              <a:solidFill>
+                <a:srgbClr val="FFFFFF"/>
+              </a:solidFill>
+            </a:endParaRPr>
+          </a:p>
+        </p:txBody>
+      </p:sp>
+      <p:sp>
+        <p:nvSpPr>
+          <p:cNvPr id="12" name="Graphic 12">
+            <a:extLst>
+              <a:ext uri="{FF2B5EF4-FFF2-40B4-BE49-F238E27FC236}">
+                <a16:creationId xmlns:a16="http://schemas.microsoft.com/office/drawing/2014/main" id="{3D2AFA86-0732-EC6D-4EEE-FFBA6E03A63E}"/>
+              </a:ext>
+              <a:ext uri="{C183D7F6-B498-43B3-948B-1728B52AA6E4}">
+                <adec:decorative xmlns:adec="http://schemas.microsoft.com/office/drawing/2017/decorative" val="1"/>
+              </a:ext>
+            </a:extLst>
+          </p:cNvPr>
+          <p:cNvSpPr>
+            <a:spLocks noGrp="1" noRot="1" noChangeAspect="1" noMove="1" noResize="1" noEditPoints="1" noAdjustHandles="1" noChangeArrowheads="1" noChangeShapeType="1" noTextEdit="1"/>
+          </p:cNvSpPr>
+          <p:nvPr>
+            <p:extLst>
+              <p:ext uri="{386F3935-93C4-4BCD-93E2-E3B085C9AB24}">
+                <p16:designElem xmlns:p16="http://schemas.microsoft.com/office/powerpoint/2015/main" val="1"/>
+              </p:ext>
+            </p:extLst>
+          </p:nvPr>
+        </p:nvSpPr>
+        <p:spPr>
+          <a:xfrm>
+            <a:off x="3833139" y="812640"/>
+            <a:ext cx="91138" cy="91138"/>
+          </a:xfrm>
+          <a:custGeom>
+            <a:avLst/>
+            <a:gdLst>
+              <a:gd name="connsiteX0" fmla="*/ 91138 w 91138"/>
+              <a:gd name="connsiteY0" fmla="*/ 45569 h 91138"/>
+              <a:gd name="connsiteX1" fmla="*/ 45569 w 91138"/>
+              <a:gd name="connsiteY1" fmla="*/ 91138 h 91138"/>
+              <a:gd name="connsiteX2" fmla="*/ 0 w 91138"/>
+              <a:gd name="connsiteY2" fmla="*/ 45569 h 91138"/>
+              <a:gd name="connsiteX3" fmla="*/ 45569 w 91138"/>
+              <a:gd name="connsiteY3" fmla="*/ 0 h 91138"/>
+              <a:gd name="connsiteX4" fmla="*/ 91138 w 91138"/>
+              <a:gd name="connsiteY4" fmla="*/ 45569 h 91138"/>
+            </a:gdLst>
+            <a:ahLst/>
+            <a:cxnLst>
+              <a:cxn ang="0">
+                <a:pos x="connsiteX0" y="connsiteY0"/>
+              </a:cxn>
+              <a:cxn ang="0">
+                <a:pos x="connsiteX1" y="connsiteY1"/>
+              </a:cxn>
+              <a:cxn ang="0">
+                <a:pos x="connsiteX2" y="connsiteY2"/>
+              </a:cxn>
+              <a:cxn ang="0">
+                <a:pos x="connsiteX3" y="connsiteY3"/>
+              </a:cxn>
+              <a:cxn ang="0">
+                <a:pos x="connsiteX4" y="connsiteY4"/>
+              </a:cxn>
+            </a:cxnLst>
+            <a:rect l="l" t="t" r="r" b="b"/>
+            <a:pathLst>
+              <a:path w="91138" h="91138">
+                <a:moveTo>
+                  <a:pt x="91138" y="45569"/>
+                </a:moveTo>
+                <a:cubicBezTo>
+                  <a:pt x="91138" y="70736"/>
+                  <a:pt x="70736" y="91138"/>
+                  <a:pt x="45569" y="91138"/>
+                </a:cubicBezTo>
+                <a:cubicBezTo>
+                  <a:pt x="20402" y="91138"/>
+                  <a:pt x="0" y="70736"/>
+                  <a:pt x="0" y="45569"/>
+                </a:cubicBezTo>
+                <a:cubicBezTo>
+                  <a:pt x="0" y="20402"/>
+                  <a:pt x="20402" y="0"/>
+                  <a:pt x="45569" y="0"/>
+                </a:cubicBezTo>
+                <a:cubicBezTo>
+                  <a:pt x="70736" y="0"/>
+                  <a:pt x="91138" y="20402"/>
+                  <a:pt x="91138" y="45569"/>
+                </a:cubicBezTo>
+                <a:close/>
+              </a:path>
+            </a:pathLst>
+          </a:custGeom>
+          <a:solidFill>
+            <a:srgbClr val="FFFFFF"/>
+          </a:solidFill>
+          <a:ln w="422" cap="flat">
+            <a:noFill/>
+            <a:prstDash val="solid"/>
+            <a:miter/>
+          </a:ln>
+        </p:spPr>
+        <p:txBody>
+          <a:bodyPr rtlCol="0" anchor="ctr"/>
+          <a:lstStyle/>
+          <a:p>
+            <a:endParaRPr lang="en-US">
+              <a:solidFill>
+                <a:srgbClr val="FFFFFF"/>
+              </a:solidFill>
+            </a:endParaRPr>
+          </a:p>
+        </p:txBody>
+      </p:sp>
+      <p:sp>
+        <p:nvSpPr>
+          <p:cNvPr id="14" name="Graphic 15">
+            <a:extLst>
+              <a:ext uri="{FF2B5EF4-FFF2-40B4-BE49-F238E27FC236}">
+                <a16:creationId xmlns:a16="http://schemas.microsoft.com/office/drawing/2014/main" id="{6B5A7F4C-937D-03E8-50A9-B40F1663914F}"/>
+              </a:ext>
+              <a:ext uri="{C183D7F6-B498-43B3-948B-1728B52AA6E4}">
+                <adec:decorative xmlns:adec="http://schemas.microsoft.com/office/drawing/2017/decorative" val="1"/>
+              </a:ext>
+            </a:extLst>
+          </p:cNvPr>
+          <p:cNvSpPr>
+            <a:spLocks noGrp="1" noRot="1" noChangeAspect="1" noMove="1" noResize="1" noEditPoints="1" noAdjustHandles="1" noChangeArrowheads="1" noChangeShapeType="1" noTextEdit="1"/>
+          </p:cNvSpPr>
+          <p:nvPr>
+            <p:extLst>
+              <p:ext uri="{386F3935-93C4-4BCD-93E2-E3B085C9AB24}">
+                <p16:designElem xmlns:p16="http://schemas.microsoft.com/office/powerpoint/2015/main" val="1"/>
+              </p:ext>
+            </p:extLst>
+          </p:nvPr>
+        </p:nvSpPr>
+        <p:spPr>
+          <a:xfrm>
+            <a:off x="3458819" y="1037066"/>
+            <a:ext cx="127714" cy="127714"/>
+          </a:xfrm>
+          <a:custGeom>
+            <a:avLst/>
+            <a:gdLst>
+              <a:gd name="connsiteX0" fmla="*/ 63857 w 127714"/>
+              <a:gd name="connsiteY0" fmla="*/ 18874 h 127714"/>
+              <a:gd name="connsiteX1" fmla="*/ 108840 w 127714"/>
+              <a:gd name="connsiteY1" fmla="*/ 63857 h 127714"/>
+              <a:gd name="connsiteX2" fmla="*/ 63857 w 127714"/>
+              <a:gd name="connsiteY2" fmla="*/ 108840 h 127714"/>
+              <a:gd name="connsiteX3" fmla="*/ 18874 w 127714"/>
+              <a:gd name="connsiteY3" fmla="*/ 63857 h 127714"/>
+              <a:gd name="connsiteX4" fmla="*/ 63857 w 127714"/>
+              <a:gd name="connsiteY4" fmla="*/ 18874 h 127714"/>
+              <a:gd name="connsiteX5" fmla="*/ 63857 w 127714"/>
+              <a:gd name="connsiteY5" fmla="*/ 0 h 127714"/>
+              <a:gd name="connsiteX6" fmla="*/ 0 w 127714"/>
+              <a:gd name="connsiteY6" fmla="*/ 63857 h 127714"/>
+              <a:gd name="connsiteX7" fmla="*/ 63857 w 127714"/>
+              <a:gd name="connsiteY7" fmla="*/ 127714 h 127714"/>
+              <a:gd name="connsiteX8" fmla="*/ 127714 w 127714"/>
+              <a:gd name="connsiteY8" fmla="*/ 63857 h 127714"/>
+              <a:gd name="connsiteX9" fmla="*/ 63857 w 127714"/>
+              <a:gd name="connsiteY9" fmla="*/ 0 h 127714"/>
+            </a:gdLst>
+            <a:ahLst/>
+            <a:cxnLst>
+              <a:cxn ang="0">
+                <a:pos x="connsiteX0" y="connsiteY0"/>
+              </a:cxn>
+              <a:cxn ang="0">
+                <a:pos x="connsiteX1" y="connsiteY1"/>
+              </a:cxn>
+              <a:cxn ang="0">
+                <a:pos x="connsiteX2" y="connsiteY2"/>
+              </a:cxn>
+              <a:cxn ang="0">
+                <a:pos x="connsiteX3" y="connsiteY3"/>
+              </a:cxn>
+              <a:cxn ang="0">
+                <a:pos x="connsiteX4" y="connsiteY4"/>
+              </a:cxn>
+              <a:cxn ang="0">
+                <a:pos x="connsiteX5" y="connsiteY5"/>
+              </a:cxn>
+              <a:cxn ang="0">
+                <a:pos x="connsiteX6" y="connsiteY6"/>
+              </a:cxn>
+              <a:cxn ang="0">
+                <a:pos x="connsiteX7" y="connsiteY7"/>
+              </a:cxn>
+              <a:cxn ang="0">
+                <a:pos x="connsiteX8" y="connsiteY8"/>
+              </a:cxn>
+              <a:cxn ang="0">
+                <a:pos x="connsiteX9" y="connsiteY9"/>
+              </a:cxn>
+            </a:cxnLst>
+            <a:rect l="l" t="t" r="r" b="b"/>
+            <a:pathLst>
+              <a:path w="127714" h="127714">
+                <a:moveTo>
+                  <a:pt x="63857" y="18874"/>
+                </a:moveTo>
+                <a:cubicBezTo>
+                  <a:pt x="88700" y="18874"/>
+                  <a:pt x="108840" y="39014"/>
+                  <a:pt x="108840" y="63857"/>
+                </a:cubicBezTo>
+                <a:cubicBezTo>
+                  <a:pt x="108840" y="88700"/>
+                  <a:pt x="88700" y="108840"/>
+                  <a:pt x="63857" y="108840"/>
+                </a:cubicBezTo>
+                <a:cubicBezTo>
+                  <a:pt x="39014" y="108840"/>
+                  <a:pt x="18874" y="88700"/>
+                  <a:pt x="18874" y="63857"/>
+                </a:cubicBezTo>
+                <a:cubicBezTo>
+                  <a:pt x="18898" y="39024"/>
+                  <a:pt x="39024" y="18898"/>
+                  <a:pt x="63857" y="18874"/>
+                </a:cubicBezTo>
+                <a:moveTo>
+                  <a:pt x="63857" y="0"/>
+                </a:moveTo>
+                <a:cubicBezTo>
+                  <a:pt x="28590" y="0"/>
+                  <a:pt x="0" y="28590"/>
+                  <a:pt x="0" y="63857"/>
+                </a:cubicBezTo>
+                <a:cubicBezTo>
+                  <a:pt x="0" y="99124"/>
+                  <a:pt x="28590" y="127714"/>
+                  <a:pt x="63857" y="127714"/>
+                </a:cubicBezTo>
+                <a:cubicBezTo>
+                  <a:pt x="99124" y="127714"/>
+                  <a:pt x="127714" y="99124"/>
+                  <a:pt x="127714" y="63857"/>
+                </a:cubicBezTo>
+                <a:cubicBezTo>
+                  <a:pt x="127714" y="28590"/>
+                  <a:pt x="99124" y="0"/>
+                  <a:pt x="63857" y="0"/>
+                </a:cubicBezTo>
+                <a:close/>
+              </a:path>
+            </a:pathLst>
+          </a:custGeom>
+          <a:solidFill>
+            <a:srgbClr val="FFFFFF"/>
+          </a:solidFill>
+          <a:ln w="610" cap="flat">
+            <a:noFill/>
+            <a:prstDash val="solid"/>
+            <a:miter/>
+          </a:ln>
+        </p:spPr>
+        <p:txBody>
+          <a:bodyPr rtlCol="0" anchor="ctr"/>
+          <a:lstStyle/>
+          <a:p>
+            <a:endParaRPr lang="en-US">
+              <a:solidFill>
+                <a:srgbClr val="FFFFFF"/>
+              </a:solidFill>
+            </a:endParaRPr>
+          </a:p>
+        </p:txBody>
+      </p:sp>
+      <p:cxnSp>
+        <p:nvCxnSpPr>
+          <p:cNvPr id="16" name="Straight Connector 15">
+            <a:extLst>
+              <a:ext uri="{FF2B5EF4-FFF2-40B4-BE49-F238E27FC236}">
+                <a16:creationId xmlns:a16="http://schemas.microsoft.com/office/drawing/2014/main" id="{07A3985F-4D05-BEE5-0AFB-EE542F37AA2B}"/>
+              </a:ext>
+              <a:ext uri="{C183D7F6-B498-43B3-948B-1728B52AA6E4}">
+                <adec:decorative xmlns:adec="http://schemas.microsoft.com/office/drawing/2017/decorative" val="1"/>
+              </a:ext>
+            </a:extLst>
+          </p:cNvPr>
+          <p:cNvCxnSpPr>
+            <a:cxnSpLocks noGrp="1" noRot="1" noChangeAspect="1" noMove="1" noResize="1" noEditPoints="1" noAdjustHandles="1" noChangeArrowheads="1" noChangeShapeType="1"/>
+          </p:cNvCxnSpPr>
+          <p:nvPr>
+            <p:extLst>
+              <p:ext uri="{386F3935-93C4-4BCD-93E2-E3B085C9AB24}">
+                <p16:designElem xmlns:p16="http://schemas.microsoft.com/office/powerpoint/2015/main" val="1"/>
+              </p:ext>
+            </p:extLst>
+          </p:nvPr>
+        </p:nvCxnSpPr>
+        <p:spPr>
+          <a:xfrm>
+            <a:off x="856114" y="3503032"/>
+            <a:ext cx="0" cy="3346090"/>
+          </a:xfrm>
+          <a:prstGeom prst="line">
+            <a:avLst/>
+          </a:prstGeom>
+          <a:ln w="25400" cap="sq">
+            <a:solidFill>
+              <a:srgbClr val="FFFFFF"/>
+            </a:solidFill>
+            <a:bevel/>
+          </a:ln>
+        </p:spPr>
+        <p:style>
+          <a:lnRef idx="1">
+            <a:schemeClr val="accent1"/>
+          </a:lnRef>
+          <a:fillRef idx="0">
+            <a:schemeClr val="accent1"/>
+          </a:fillRef>
+          <a:effectRef idx="0">
+            <a:schemeClr val="accent1"/>
+          </a:effectRef>
+          <a:fontRef idx="minor">
+            <a:schemeClr val="tx1"/>
+          </a:fontRef>
+        </p:style>
+      </p:cxnSp>
+      <p:sp>
+        <p:nvSpPr>
+          <p:cNvPr id="18" name="Graphic 22">
+            <a:extLst>
+              <a:ext uri="{FF2B5EF4-FFF2-40B4-BE49-F238E27FC236}">
+                <a16:creationId xmlns:a16="http://schemas.microsoft.com/office/drawing/2014/main" id="{D21265BB-042A-0F87-F621-FF225D54EFB9}"/>
+              </a:ext>
+              <a:ext uri="{C183D7F6-B498-43B3-948B-1728B52AA6E4}">
+                <adec:decorative xmlns:adec="http://schemas.microsoft.com/office/drawing/2017/decorative" val="1"/>
+              </a:ext>
+            </a:extLst>
+          </p:cNvPr>
+          <p:cNvSpPr>
+            <a:spLocks noGrp="1" noRot="1" noChangeAspect="1" noMove="1" noResize="1" noEditPoints="1" noAdjustHandles="1" noChangeArrowheads="1" noChangeShapeType="1" noTextEdit="1"/>
+          </p:cNvSpPr>
+          <p:nvPr>
+            <p:extLst>
+              <p:ext uri="{386F3935-93C4-4BCD-93E2-E3B085C9AB24}">
+                <p16:designElem xmlns:p16="http://schemas.microsoft.com/office/powerpoint/2015/main" val="1"/>
+              </p:ext>
+            </p:extLst>
+          </p:nvPr>
+        </p:nvSpPr>
+        <p:spPr>
+          <a:xfrm>
+            <a:off x="10836425" y="5636680"/>
+            <a:ext cx="151536" cy="151536"/>
+          </a:xfrm>
+          <a:custGeom>
+            <a:avLst/>
+            <a:gdLst>
+              <a:gd name="connsiteX0" fmla="*/ 141251 w 151536"/>
+              <a:gd name="connsiteY0" fmla="*/ 65483 h 151536"/>
+              <a:gd name="connsiteX1" fmla="*/ 86053 w 151536"/>
+              <a:gd name="connsiteY1" fmla="*/ 65483 h 151536"/>
+              <a:gd name="connsiteX2" fmla="*/ 86053 w 151536"/>
+              <a:gd name="connsiteY2" fmla="*/ 10285 h 151536"/>
+              <a:gd name="connsiteX3" fmla="*/ 75768 w 151536"/>
+              <a:gd name="connsiteY3" fmla="*/ 0 h 151536"/>
+              <a:gd name="connsiteX4" fmla="*/ 65483 w 151536"/>
+              <a:gd name="connsiteY4" fmla="*/ 10285 h 151536"/>
+              <a:gd name="connsiteX5" fmla="*/ 65483 w 151536"/>
+              <a:gd name="connsiteY5" fmla="*/ 65483 h 151536"/>
+              <a:gd name="connsiteX6" fmla="*/ 10285 w 151536"/>
+              <a:gd name="connsiteY6" fmla="*/ 65483 h 151536"/>
+              <a:gd name="connsiteX7" fmla="*/ 0 w 151536"/>
+              <a:gd name="connsiteY7" fmla="*/ 75768 h 151536"/>
+              <a:gd name="connsiteX8" fmla="*/ 10285 w 151536"/>
+              <a:gd name="connsiteY8" fmla="*/ 86053 h 151536"/>
+              <a:gd name="connsiteX9" fmla="*/ 65483 w 151536"/>
+              <a:gd name="connsiteY9" fmla="*/ 86053 h 151536"/>
+              <a:gd name="connsiteX10" fmla="*/ 65483 w 151536"/>
+              <a:gd name="connsiteY10" fmla="*/ 141251 h 151536"/>
+              <a:gd name="connsiteX11" fmla="*/ 75768 w 151536"/>
+              <a:gd name="connsiteY11" fmla="*/ 151536 h 151536"/>
+              <a:gd name="connsiteX12" fmla="*/ 86053 w 151536"/>
+              <a:gd name="connsiteY12" fmla="*/ 141251 h 151536"/>
+              <a:gd name="connsiteX13" fmla="*/ 86053 w 151536"/>
+              <a:gd name="connsiteY13" fmla="*/ 86053 h 151536"/>
+              <a:gd name="connsiteX14" fmla="*/ 141251 w 151536"/>
+              <a:gd name="connsiteY14" fmla="*/ 86053 h 151536"/>
+              <a:gd name="connsiteX15" fmla="*/ 151536 w 151536"/>
+              <a:gd name="connsiteY15" fmla="*/ 75768 h 151536"/>
+              <a:gd name="connsiteX16" fmla="*/ 141251 w 151536"/>
+              <a:gd name="connsiteY16" fmla="*/ 65483 h 151536"/>
+            </a:gdLst>
+            <a:ahLst/>
+            <a:cxnLst>
+              <a:cxn ang="0">
+                <a:pos x="connsiteX0" y="connsiteY0"/>
+              </a:cxn>
+              <a:cxn ang="0">
+                <a:pos x="connsiteX1" y="connsiteY1"/>
+              </a:cxn>
+              <a:cxn ang="0">
+                <a:pos x="connsiteX2" y="connsiteY2"/>
+              </a:cxn>
+              <a:cxn ang="0">
+                <a:pos x="connsiteX3" y="connsiteY3"/>
+              </a:cxn>
+              <a:cxn ang="0">
+                <a:pos x="connsiteX4" y="connsiteY4"/>
+              </a:cxn>
+              <a:cxn ang="0">
+                <a:pos x="connsiteX5" y="connsiteY5"/>
+              </a:cxn>
+              <a:cxn ang="0">
+                <a:pos x="connsiteX6" y="connsiteY6"/>
+              </a:cxn>
+              <a:cxn ang="0">
+                <a:pos x="connsiteX7" y="connsiteY7"/>
+              </a:cxn>
+              <a:cxn ang="0">
+                <a:pos x="connsiteX8" y="connsiteY8"/>
+              </a:cxn>
+              <a:cxn ang="0">
+                <a:pos x="connsiteX9" y="connsiteY9"/>
+              </a:cxn>
+              <a:cxn ang="0">
+                <a:pos x="connsiteX10" y="connsiteY10"/>
+              </a:cxn>
+              <a:cxn ang="0">
+                <a:pos x="connsiteX11" y="connsiteY11"/>
+              </a:cxn>
+              <a:cxn ang="0">
+                <a:pos x="connsiteX12" y="connsiteY12"/>
+              </a:cxn>
+              <a:cxn ang="0">
+                <a:pos x="connsiteX13" y="connsiteY13"/>
+              </a:cxn>
+              <a:cxn ang="0">
+                <a:pos x="connsiteX14" y="connsiteY14"/>
+              </a:cxn>
+              <a:cxn ang="0">
+                <a:pos x="connsiteX15" y="connsiteY15"/>
+              </a:cxn>
+              <a:cxn ang="0">
+                <a:pos x="connsiteX16" y="connsiteY16"/>
+              </a:cxn>
+            </a:cxnLst>
+            <a:rect l="l" t="t" r="r" b="b"/>
+            <a:pathLst>
+              <a:path w="151536" h="151536">
+                <a:moveTo>
+                  <a:pt x="141251" y="65483"/>
+                </a:moveTo>
+                <a:lnTo>
+                  <a:pt x="86053" y="65483"/>
+                </a:lnTo>
+                <a:lnTo>
+                  <a:pt x="86053" y="10285"/>
+                </a:lnTo>
+                <a:cubicBezTo>
+                  <a:pt x="86053" y="4605"/>
+                  <a:pt x="81448" y="0"/>
+                  <a:pt x="75768" y="0"/>
+                </a:cubicBezTo>
+                <a:cubicBezTo>
+                  <a:pt x="70088" y="0"/>
+                  <a:pt x="65483" y="4605"/>
+                  <a:pt x="65483" y="10285"/>
+                </a:cubicBezTo>
+                <a:lnTo>
+                  <a:pt x="65483" y="65483"/>
+                </a:lnTo>
+                <a:lnTo>
+                  <a:pt x="10285" y="65483"/>
+                </a:lnTo>
+                <a:cubicBezTo>
+                  <a:pt x="4605" y="65483"/>
+                  <a:pt x="0" y="70088"/>
+                  <a:pt x="0" y="75768"/>
+                </a:cubicBezTo>
+                <a:cubicBezTo>
+                  <a:pt x="0" y="81448"/>
+                  <a:pt x="4605" y="86053"/>
+                  <a:pt x="10285" y="86053"/>
+                </a:cubicBezTo>
+                <a:lnTo>
+                  <a:pt x="65483" y="86053"/>
+                </a:lnTo>
+                <a:lnTo>
+                  <a:pt x="65483" y="141251"/>
+                </a:lnTo>
+                <a:cubicBezTo>
+                  <a:pt x="65483" y="146931"/>
+                  <a:pt x="70088" y="151536"/>
+                  <a:pt x="75768" y="151536"/>
+                </a:cubicBezTo>
+                <a:cubicBezTo>
+                  <a:pt x="81448" y="151536"/>
+                  <a:pt x="86053" y="146931"/>
+                  <a:pt x="86053" y="141251"/>
+                </a:cubicBezTo>
+                <a:lnTo>
+                  <a:pt x="86053" y="86053"/>
+                </a:lnTo>
+                <a:lnTo>
+                  <a:pt x="141251" y="86053"/>
+                </a:lnTo>
+                <a:cubicBezTo>
+                  <a:pt x="146931" y="86053"/>
+                  <a:pt x="151536" y="81448"/>
+                  <a:pt x="151536" y="75768"/>
+                </a:cubicBezTo>
+                <a:cubicBezTo>
+                  <a:pt x="151536" y="70088"/>
+                  <a:pt x="146931" y="65483"/>
+                  <a:pt x="141251" y="65483"/>
+                </a:cubicBezTo>
+                <a:close/>
+              </a:path>
+            </a:pathLst>
+          </a:custGeom>
+          <a:solidFill>
+            <a:srgbClr val="FFFFFF"/>
+          </a:solidFill>
+          <a:ln w="646" cap="flat">
+            <a:noFill/>
+            <a:prstDash val="solid"/>
+            <a:miter/>
+          </a:ln>
+        </p:spPr>
+        <p:txBody>
+          <a:bodyPr rtlCol="0" anchor="ctr"/>
+          <a:lstStyle/>
+          <a:p>
+            <a:endParaRPr lang="en-US">
+              <a:solidFill>
+                <a:srgbClr val="FFFFFF"/>
+              </a:solidFill>
+            </a:endParaRPr>
+          </a:p>
+        </p:txBody>
+      </p:sp>
+      <p:sp>
+        <p:nvSpPr>
+          <p:cNvPr id="20" name="Graphic 23">
+            <a:extLst>
+              <a:ext uri="{FF2B5EF4-FFF2-40B4-BE49-F238E27FC236}">
+                <a16:creationId xmlns:a16="http://schemas.microsoft.com/office/drawing/2014/main" id="{64B6D582-8F67-C9F8-4392-2979C9C13604}"/>
+              </a:ext>
+              <a:ext uri="{C183D7F6-B498-43B3-948B-1728B52AA6E4}">
+                <adec:decorative xmlns:adec="http://schemas.microsoft.com/office/drawing/2017/decorative" val="1"/>
+              </a:ext>
+            </a:extLst>
+          </p:cNvPr>
+          <p:cNvSpPr>
+            <a:spLocks noGrp="1" noRot="1" noChangeAspect="1" noMove="1" noResize="1" noEditPoints="1" noAdjustHandles="1" noChangeArrowheads="1" noChangeShapeType="1" noTextEdit="1"/>
+          </p:cNvSpPr>
+          <p:nvPr>
+            <p:extLst>
+              <p:ext uri="{386F3935-93C4-4BCD-93E2-E3B085C9AB24}">
+                <p16:designElem xmlns:p16="http://schemas.microsoft.com/office/powerpoint/2015/main" val="1"/>
+              </p:ext>
+            </p:extLst>
+          </p:nvPr>
+        </p:nvSpPr>
+        <p:spPr>
+          <a:xfrm>
+            <a:off x="11245175" y="6096759"/>
+            <a:ext cx="108625" cy="108625"/>
+          </a:xfrm>
+          <a:custGeom>
+            <a:avLst/>
+            <a:gdLst>
+              <a:gd name="connsiteX0" fmla="*/ 54313 w 108625"/>
+              <a:gd name="connsiteY0" fmla="*/ 16053 h 108625"/>
+              <a:gd name="connsiteX1" fmla="*/ 92572 w 108625"/>
+              <a:gd name="connsiteY1" fmla="*/ 54313 h 108625"/>
+              <a:gd name="connsiteX2" fmla="*/ 54313 w 108625"/>
+              <a:gd name="connsiteY2" fmla="*/ 92572 h 108625"/>
+              <a:gd name="connsiteX3" fmla="*/ 16053 w 108625"/>
+              <a:gd name="connsiteY3" fmla="*/ 54313 h 108625"/>
+              <a:gd name="connsiteX4" fmla="*/ 54313 w 108625"/>
+              <a:gd name="connsiteY4" fmla="*/ 16053 h 108625"/>
+              <a:gd name="connsiteX5" fmla="*/ 54313 w 108625"/>
+              <a:gd name="connsiteY5" fmla="*/ 0 h 108625"/>
+              <a:gd name="connsiteX6" fmla="*/ 0 w 108625"/>
+              <a:gd name="connsiteY6" fmla="*/ 54313 h 108625"/>
+              <a:gd name="connsiteX7" fmla="*/ 54313 w 108625"/>
+              <a:gd name="connsiteY7" fmla="*/ 108625 h 108625"/>
+              <a:gd name="connsiteX8" fmla="*/ 108625 w 108625"/>
+              <a:gd name="connsiteY8" fmla="*/ 54313 h 108625"/>
+              <a:gd name="connsiteX9" fmla="*/ 54313 w 108625"/>
+              <a:gd name="connsiteY9" fmla="*/ 0 h 108625"/>
+            </a:gdLst>
+            <a:ahLst/>
+            <a:cxnLst>
+              <a:cxn ang="0">
+                <a:pos x="connsiteX0" y="connsiteY0"/>
+              </a:cxn>
+              <a:cxn ang="0">
+                <a:pos x="connsiteX1" y="connsiteY1"/>
+              </a:cxn>
+              <a:cxn ang="0">
+                <a:pos x="connsiteX2" y="connsiteY2"/>
+              </a:cxn>
+              <a:cxn ang="0">
+                <a:pos x="connsiteX3" y="connsiteY3"/>
+              </a:cxn>
+              <a:cxn ang="0">
+                <a:pos x="connsiteX4" y="connsiteY4"/>
+              </a:cxn>
+              <a:cxn ang="0">
+                <a:pos x="connsiteX5" y="connsiteY5"/>
+              </a:cxn>
+              <a:cxn ang="0">
+                <a:pos x="connsiteX6" y="connsiteY6"/>
+              </a:cxn>
+              <a:cxn ang="0">
+                <a:pos x="connsiteX7" y="connsiteY7"/>
+              </a:cxn>
+              <a:cxn ang="0">
+                <a:pos x="connsiteX8" y="connsiteY8"/>
+              </a:cxn>
+              <a:cxn ang="0">
+                <a:pos x="connsiteX9" y="connsiteY9"/>
+              </a:cxn>
+            </a:cxnLst>
+            <a:rect l="l" t="t" r="r" b="b"/>
+            <a:pathLst>
+              <a:path w="108625" h="108625">
+                <a:moveTo>
+                  <a:pt x="54313" y="16053"/>
+                </a:moveTo>
+                <a:cubicBezTo>
+                  <a:pt x="75442" y="16053"/>
+                  <a:pt x="92572" y="33182"/>
+                  <a:pt x="92572" y="54313"/>
+                </a:cubicBezTo>
+                <a:cubicBezTo>
+                  <a:pt x="92572" y="75442"/>
+                  <a:pt x="75442" y="92572"/>
+                  <a:pt x="54313" y="92572"/>
+                </a:cubicBezTo>
+                <a:cubicBezTo>
+                  <a:pt x="33182" y="92572"/>
+                  <a:pt x="16053" y="75442"/>
+                  <a:pt x="16053" y="54313"/>
+                </a:cubicBezTo>
+                <a:cubicBezTo>
+                  <a:pt x="16074" y="33191"/>
+                  <a:pt x="33191" y="16074"/>
+                  <a:pt x="54313" y="16053"/>
+                </a:cubicBezTo>
+                <a:moveTo>
+                  <a:pt x="54313" y="0"/>
+                </a:moveTo>
+                <a:cubicBezTo>
+                  <a:pt x="24317" y="0"/>
+                  <a:pt x="0" y="24317"/>
+                  <a:pt x="0" y="54313"/>
+                </a:cubicBezTo>
+                <a:cubicBezTo>
+                  <a:pt x="0" y="84309"/>
+                  <a:pt x="24317" y="108625"/>
+                  <a:pt x="54313" y="108625"/>
+                </a:cubicBezTo>
+                <a:cubicBezTo>
+                  <a:pt x="84309" y="108625"/>
+                  <a:pt x="108625" y="84309"/>
+                  <a:pt x="108625" y="54313"/>
+                </a:cubicBezTo>
+                <a:cubicBezTo>
+                  <a:pt x="108625" y="24317"/>
+                  <a:pt x="84309" y="0"/>
+                  <a:pt x="54313" y="0"/>
+                </a:cubicBezTo>
+                <a:close/>
+              </a:path>
+            </a:pathLst>
+          </a:custGeom>
+          <a:solidFill>
+            <a:srgbClr val="FFFFFF"/>
+          </a:solidFill>
+          <a:ln w="516" cap="flat">
+            <a:noFill/>
+            <a:prstDash val="solid"/>
+            <a:miter/>
+          </a:ln>
+        </p:spPr>
+        <p:txBody>
+          <a:bodyPr rtlCol="0" anchor="ctr"/>
+          <a:lstStyle/>
+          <a:p>
+            <a:endParaRPr lang="en-US">
+              <a:solidFill>
+                <a:srgbClr val="FFFFFF"/>
+              </a:solidFill>
+            </a:endParaRPr>
+          </a:p>
+        </p:txBody>
+      </p:sp>
+      <p:sp>
+        <p:nvSpPr>
+          <p:cNvPr id="22" name="Graphic 21">
+            <a:extLst>
+              <a:ext uri="{FF2B5EF4-FFF2-40B4-BE49-F238E27FC236}">
+                <a16:creationId xmlns:a16="http://schemas.microsoft.com/office/drawing/2014/main" id="{472EA78B-07A6-23C0-48CB-E66A6BC2DAB5}"/>
+              </a:ext>
+              <a:ext uri="{C183D7F6-B498-43B3-948B-1728B52AA6E4}">
+                <adec:decorative xmlns:adec="http://schemas.microsoft.com/office/drawing/2017/decorative" val="1"/>
+              </a:ext>
+            </a:extLst>
+          </p:cNvPr>
+          <p:cNvSpPr>
+            <a:spLocks noGrp="1" noRot="1" noChangeAspect="1" noMove="1" noResize="1" noEditPoints="1" noAdjustHandles="1" noChangeArrowheads="1" noChangeShapeType="1" noTextEdit="1"/>
+          </p:cNvSpPr>
+          <p:nvPr>
+            <p:extLst>
+              <p:ext uri="{386F3935-93C4-4BCD-93E2-E3B085C9AB24}">
+                <p16:designElem xmlns:p16="http://schemas.microsoft.com/office/powerpoint/2015/main" val="1"/>
+              </p:ext>
+            </p:extLst>
+          </p:nvPr>
+        </p:nvSpPr>
+        <p:spPr>
+          <a:xfrm>
+            <a:off x="10554288" y="6238029"/>
+            <a:ext cx="95759" cy="95759"/>
+          </a:xfrm>
+          <a:custGeom>
+            <a:avLst/>
+            <a:gdLst>
+              <a:gd name="connsiteX0" fmla="*/ 95759 w 95759"/>
+              <a:gd name="connsiteY0" fmla="*/ 47880 h 95759"/>
+              <a:gd name="connsiteX1" fmla="*/ 47880 w 95759"/>
+              <a:gd name="connsiteY1" fmla="*/ 95759 h 95759"/>
+              <a:gd name="connsiteX2" fmla="*/ 0 w 95759"/>
+              <a:gd name="connsiteY2" fmla="*/ 47880 h 95759"/>
+              <a:gd name="connsiteX3" fmla="*/ 47880 w 95759"/>
+              <a:gd name="connsiteY3" fmla="*/ 0 h 95759"/>
+              <a:gd name="connsiteX4" fmla="*/ 95759 w 95759"/>
+              <a:gd name="connsiteY4" fmla="*/ 47880 h 95759"/>
+            </a:gdLst>
+            <a:ahLst/>
+            <a:cxnLst>
+              <a:cxn ang="0">
+                <a:pos x="connsiteX0" y="connsiteY0"/>
+              </a:cxn>
+              <a:cxn ang="0">
+                <a:pos x="connsiteX1" y="connsiteY1"/>
+              </a:cxn>
+              <a:cxn ang="0">
+                <a:pos x="connsiteX2" y="connsiteY2"/>
+              </a:cxn>
+              <a:cxn ang="0">
+                <a:pos x="connsiteX3" y="connsiteY3"/>
+              </a:cxn>
+              <a:cxn ang="0">
+                <a:pos x="connsiteX4" y="connsiteY4"/>
+              </a:cxn>
+            </a:cxnLst>
+            <a:rect l="l" t="t" r="r" b="b"/>
+            <a:pathLst>
+              <a:path w="95759" h="95759">
+                <a:moveTo>
+                  <a:pt x="95759" y="47880"/>
+                </a:moveTo>
+                <a:cubicBezTo>
+                  <a:pt x="95759" y="74323"/>
+                  <a:pt x="74323" y="95759"/>
+                  <a:pt x="47880" y="95759"/>
+                </a:cubicBezTo>
+                <a:cubicBezTo>
+                  <a:pt x="21436" y="95759"/>
+                  <a:pt x="0" y="74323"/>
+                  <a:pt x="0" y="47880"/>
+                </a:cubicBezTo>
+                <a:cubicBezTo>
+                  <a:pt x="0" y="21436"/>
+                  <a:pt x="21436" y="0"/>
+                  <a:pt x="47880" y="0"/>
+                </a:cubicBezTo>
+                <a:cubicBezTo>
+                  <a:pt x="74323" y="0"/>
+                  <a:pt x="95759" y="21436"/>
+                  <a:pt x="95759" y="47880"/>
+                </a:cubicBezTo>
+                <a:close/>
+              </a:path>
+            </a:pathLst>
+          </a:custGeom>
+          <a:solidFill>
+            <a:srgbClr val="FFFFFF"/>
+          </a:solidFill>
+          <a:ln w="469" cap="flat">
+            <a:noFill/>
+            <a:prstDash val="solid"/>
+            <a:miter/>
+          </a:ln>
+        </p:spPr>
+        <p:txBody>
+          <a:bodyPr rtlCol="0" anchor="ctr"/>
+          <a:lstStyle/>
+          <a:p>
+            <a:endParaRPr lang="en-US">
+              <a:solidFill>
+                <a:srgbClr val="FFFFFF"/>
+              </a:solidFill>
+            </a:endParaRPr>
+          </a:p>
+        </p:txBody>
+      </p:sp>
+      <p:sp>
+        <p:nvSpPr>
+          <p:cNvPr id="2" name="Título 1">
+            <a:extLst>
+              <a:ext uri="{FF2B5EF4-FFF2-40B4-BE49-F238E27FC236}">
+                <a16:creationId xmlns:a16="http://schemas.microsoft.com/office/drawing/2014/main" id="{4B835811-A3C2-DEF9-E8BE-D6BFA90D0A12}"/>
+              </a:ext>
+            </a:extLst>
+          </p:cNvPr>
+          <p:cNvSpPr>
+            <a:spLocks noGrp="1"/>
+          </p:cNvSpPr>
+          <p:nvPr>
+            <p:ph type="title"/>
+          </p:nvPr>
+        </p:nvSpPr>
+        <p:spPr>
+          <a:xfrm>
+            <a:off x="3880430" y="583345"/>
+            <a:ext cx="7160357" cy="4164820"/>
+          </a:xfrm>
+        </p:spPr>
+        <p:txBody>
+          <a:bodyPr vert="horz" lIns="91440" tIns="45720" rIns="91440" bIns="45720" rtlCol="0" anchor="t">
+            <a:normAutofit/>
+          </a:bodyPr>
+          <a:lstStyle/>
+          <a:p>
+            <a:pPr algn="r"/>
+            <a:r>
+              <a:rPr lang="en-US" sz="4000" kern="1200" dirty="0">
+                <a:solidFill>
+                  <a:srgbClr val="000000"/>
+                </a:solidFill>
+                <a:latin typeface="Verdana" panose="020B0604030504040204" pitchFamily="34" charset="0"/>
+                <a:ea typeface="+mj-ea"/>
+                <a:cs typeface="+mj-cs"/>
+              </a:rPr>
+              <a:t>Ajax with jQuery AJAX</a:t>
+            </a:r>
+            <a:br>
+              <a:rPr lang="en-US" sz="4000" kern="1200" dirty="0">
+                <a:solidFill>
+                  <a:srgbClr val="000000"/>
+                </a:solidFill>
+                <a:latin typeface="Verdana" panose="020B0604030504040204" pitchFamily="34" charset="0"/>
+                <a:ea typeface="+mj-ea"/>
+                <a:cs typeface="+mj-cs"/>
+              </a:rPr>
+            </a:br>
+            <a:r>
+              <a:rPr lang="en-US" sz="4000" kern="1200" dirty="0">
+                <a:solidFill>
+                  <a:srgbClr val="000000"/>
+                </a:solidFill>
+                <a:latin typeface="Verdana" panose="020B0604030504040204" pitchFamily="34" charset="0"/>
+                <a:ea typeface="+mj-ea"/>
+                <a:cs typeface="+mj-cs"/>
+              </a:rPr>
+              <a:t>get() method</a:t>
+            </a:r>
+            <a:endParaRPr lang="en-US" sz="8000" kern="1200" dirty="0">
+              <a:solidFill>
+                <a:srgbClr val="FFFFFF"/>
+              </a:solidFill>
+              <a:latin typeface="+mj-lt"/>
+              <a:ea typeface="+mj-ea"/>
+              <a:cs typeface="+mj-cs"/>
+            </a:endParaRPr>
+          </a:p>
+        </p:txBody>
+      </p:sp>
+      <p:pic>
+        <p:nvPicPr>
+          <p:cNvPr id="4" name="Imagem 3">
+            <a:extLst>
+              <a:ext uri="{FF2B5EF4-FFF2-40B4-BE49-F238E27FC236}">
+                <a16:creationId xmlns:a16="http://schemas.microsoft.com/office/drawing/2014/main" id="{A906E2B3-724D-0343-7F4B-5F7EDA8FF5EA}"/>
+              </a:ext>
+            </a:extLst>
+          </p:cNvPr>
+          <p:cNvPicPr>
+            <a:picLocks noChangeAspect="1"/>
+          </p:cNvPicPr>
+          <p:nvPr/>
+        </p:nvPicPr>
+        <p:blipFill>
+          <a:blip r:embed="rId2"/>
+          <a:stretch>
+            <a:fillRect/>
+          </a:stretch>
+        </p:blipFill>
+        <p:spPr>
+          <a:xfrm>
+            <a:off x="957064" y="1759450"/>
+            <a:ext cx="8128666" cy="4785314"/>
+          </a:xfrm>
+          <a:prstGeom prst="rect">
+            <a:avLst/>
+          </a:prstGeom>
+        </p:spPr>
+      </p:pic>
+    </p:spTree>
+    <p:extLst>
+      <p:ext uri="{BB962C8B-B14F-4D97-AF65-F5344CB8AC3E}">
+        <p14:creationId xmlns:p14="http://schemas.microsoft.com/office/powerpoint/2010/main" val="1106695375"/>
+      </p:ext>
+    </p:extLst>
+  </p:cSld>
+  <p:clrMapOvr>
+    <a:masterClrMapping/>
+  </p:clrMapOvr>
+</p:sld>
+</file>
+
+<file path=ppt/slides/slide12.xml><?xml version="1.0" encoding="utf-8"?>
+<p:sld xmlns:a="http://schemas.openxmlformats.org/drawingml/2006/main" xmlns:r="http://schemas.openxmlformats.org/officeDocument/2006/relationships" xmlns:p="http://schemas.openxmlformats.org/presentationml/2006/main">
+  <p:cSld>
+    <p:bg>
+      <p:bgPr>
+        <a:solidFill>
+          <a:schemeClr val="bg1"/>
+        </a:solidFill>
+        <a:effectLst/>
+      </p:bgPr>
+    </p:bg>
+    <p:spTree>
+      <p:nvGrpSpPr>
+        <p:cNvPr id="1" name="">
+          <a:extLst>
+            <a:ext uri="{FF2B5EF4-FFF2-40B4-BE49-F238E27FC236}">
+              <a16:creationId xmlns:a16="http://schemas.microsoft.com/office/drawing/2014/main" id="{4778ACB2-7B6A-EA17-FA0C-F1587027B959}"/>
+            </a:ext>
+          </a:extLst>
+        </p:cNvPr>
+        <p:cNvGrpSpPr/>
+        <p:nvPr/>
+      </p:nvGrpSpPr>
+      <p:grpSpPr>
+        <a:xfrm>
+          <a:off x="0" y="0"/>
+          <a:ext cx="0" cy="0"/>
+          <a:chOff x="0" y="0"/>
+          <a:chExt cx="0" cy="0"/>
+        </a:xfrm>
+      </p:grpSpPr>
+      <p:sp>
+        <p:nvSpPr>
+          <p:cNvPr id="8" name="Rectangle 7">
+            <a:extLst>
+              <a:ext uri="{FF2B5EF4-FFF2-40B4-BE49-F238E27FC236}">
+                <a16:creationId xmlns:a16="http://schemas.microsoft.com/office/drawing/2014/main" id="{993D5B18-6AA6-5A98-92E0-4FFA17440A4D}"/>
+              </a:ext>
+              <a:ext uri="{C183D7F6-B498-43B3-948B-1728B52AA6E4}">
+                <adec:decorative xmlns:adec="http://schemas.microsoft.com/office/drawing/2017/decorative" val="1"/>
+              </a:ext>
+            </a:extLst>
+          </p:cNvPr>
+          <p:cNvSpPr>
+            <a:spLocks noGrp="1" noRot="1" noChangeAspect="1" noMove="1" noResize="1" noEditPoints="1" noAdjustHandles="1" noChangeArrowheads="1" noChangeShapeType="1" noTextEdit="1"/>
+          </p:cNvSpPr>
+          <p:nvPr>
+            <p:extLst>
+              <p:ext uri="{386F3935-93C4-4BCD-93E2-E3B085C9AB24}">
+                <p16:designElem xmlns:p16="http://schemas.microsoft.com/office/powerpoint/2015/main" val="1"/>
+              </p:ext>
+            </p:extLst>
+          </p:nvPr>
+        </p:nvSpPr>
+        <p:spPr>
+          <a:xfrm>
+            <a:off x="0" y="0"/>
+            <a:ext cx="12192000" cy="6858000"/>
+          </a:xfrm>
+          <a:prstGeom prst="rect">
+            <a:avLst/>
+          </a:prstGeom>
+          <a:gradFill flip="none" rotWithShape="1">
+            <a:gsLst>
+              <a:gs pos="0">
+                <a:schemeClr val="accent1"/>
+              </a:gs>
+              <a:gs pos="100000">
+                <a:schemeClr val="accent2"/>
+              </a:gs>
+            </a:gsLst>
+            <a:lin ang="8100000" scaled="0"/>
+            <a:tileRect/>
+          </a:gradFill>
+          <a:ln>
+            <a:noFill/>
+          </a:ln>
+        </p:spPr>
+        <p:style>
+          <a:lnRef idx="2">
+            <a:schemeClr val="accent1">
+              <a:shade val="50000"/>
+            </a:schemeClr>
+          </a:lnRef>
+          <a:fillRef idx="1">
+            <a:schemeClr val="accent1"/>
+          </a:fillRef>
+          <a:effectRef idx="0">
+            <a:schemeClr val="accent1"/>
+          </a:effectRef>
+          <a:fontRef idx="minor">
+            <a:schemeClr val="lt1"/>
+          </a:fontRef>
+        </p:style>
+        <p:txBody>
+          <a:bodyPr rtlCol="0" anchor="ctr"/>
+          <a:lstStyle/>
+          <a:p>
+            <a:pPr algn="ctr"/>
+            <a:endParaRPr lang="en-US">
+              <a:solidFill>
+                <a:srgbClr val="FFFFFF"/>
+              </a:solidFill>
+            </a:endParaRPr>
+          </a:p>
+        </p:txBody>
+      </p:sp>
+      <p:sp>
+        <p:nvSpPr>
+          <p:cNvPr id="10" name="Graphic 13">
+            <a:extLst>
+              <a:ext uri="{FF2B5EF4-FFF2-40B4-BE49-F238E27FC236}">
+                <a16:creationId xmlns:a16="http://schemas.microsoft.com/office/drawing/2014/main" id="{B3599B45-EF07-4D5E-64AA-3EE8770037B6}"/>
+              </a:ext>
+              <a:ext uri="{C183D7F6-B498-43B3-948B-1728B52AA6E4}">
+                <adec:decorative xmlns:adec="http://schemas.microsoft.com/office/drawing/2017/decorative" val="1"/>
+              </a:ext>
+            </a:extLst>
+          </p:cNvPr>
+          <p:cNvSpPr>
+            <a:spLocks noGrp="1" noRot="1" noChangeAspect="1" noMove="1" noResize="1" noEditPoints="1" noAdjustHandles="1" noChangeArrowheads="1" noChangeShapeType="1" noTextEdit="1"/>
+          </p:cNvSpPr>
+          <p:nvPr>
+            <p:extLst>
+              <p:ext uri="{386F3935-93C4-4BCD-93E2-E3B085C9AB24}">
+                <p16:designElem xmlns:p16="http://schemas.microsoft.com/office/powerpoint/2015/main" val="1"/>
+              </p:ext>
+            </p:extLst>
+          </p:nvPr>
+        </p:nvSpPr>
+        <p:spPr>
+          <a:xfrm>
+            <a:off x="3474359" y="583345"/>
+            <a:ext cx="139039" cy="139039"/>
+          </a:xfrm>
+          <a:custGeom>
+            <a:avLst/>
+            <a:gdLst>
+              <a:gd name="connsiteX0" fmla="*/ 129602 w 139039"/>
+              <a:gd name="connsiteY0" fmla="*/ 60082 h 139039"/>
+              <a:gd name="connsiteX1" fmla="*/ 78957 w 139039"/>
+              <a:gd name="connsiteY1" fmla="*/ 60082 h 139039"/>
+              <a:gd name="connsiteX2" fmla="*/ 78957 w 139039"/>
+              <a:gd name="connsiteY2" fmla="*/ 9437 h 139039"/>
+              <a:gd name="connsiteX3" fmla="*/ 69520 w 139039"/>
+              <a:gd name="connsiteY3" fmla="*/ 0 h 139039"/>
+              <a:gd name="connsiteX4" fmla="*/ 60082 w 139039"/>
+              <a:gd name="connsiteY4" fmla="*/ 9437 h 139039"/>
+              <a:gd name="connsiteX5" fmla="*/ 60082 w 139039"/>
+              <a:gd name="connsiteY5" fmla="*/ 60082 h 139039"/>
+              <a:gd name="connsiteX6" fmla="*/ 9437 w 139039"/>
+              <a:gd name="connsiteY6" fmla="*/ 60082 h 139039"/>
+              <a:gd name="connsiteX7" fmla="*/ 0 w 139039"/>
+              <a:gd name="connsiteY7" fmla="*/ 69520 h 139039"/>
+              <a:gd name="connsiteX8" fmla="*/ 9437 w 139039"/>
+              <a:gd name="connsiteY8" fmla="*/ 78957 h 139039"/>
+              <a:gd name="connsiteX9" fmla="*/ 60082 w 139039"/>
+              <a:gd name="connsiteY9" fmla="*/ 78957 h 139039"/>
+              <a:gd name="connsiteX10" fmla="*/ 60082 w 139039"/>
+              <a:gd name="connsiteY10" fmla="*/ 129602 h 139039"/>
+              <a:gd name="connsiteX11" fmla="*/ 69520 w 139039"/>
+              <a:gd name="connsiteY11" fmla="*/ 139039 h 139039"/>
+              <a:gd name="connsiteX12" fmla="*/ 78957 w 139039"/>
+              <a:gd name="connsiteY12" fmla="*/ 129602 h 139039"/>
+              <a:gd name="connsiteX13" fmla="*/ 78957 w 139039"/>
+              <a:gd name="connsiteY13" fmla="*/ 78957 h 139039"/>
+              <a:gd name="connsiteX14" fmla="*/ 129602 w 139039"/>
+              <a:gd name="connsiteY14" fmla="*/ 78957 h 139039"/>
+              <a:gd name="connsiteX15" fmla="*/ 139039 w 139039"/>
+              <a:gd name="connsiteY15" fmla="*/ 69520 h 139039"/>
+              <a:gd name="connsiteX16" fmla="*/ 129602 w 139039"/>
+              <a:gd name="connsiteY16" fmla="*/ 60082 h 139039"/>
+            </a:gdLst>
+            <a:ahLst/>
+            <a:cxnLst>
+              <a:cxn ang="0">
+                <a:pos x="connsiteX0" y="connsiteY0"/>
+              </a:cxn>
+              <a:cxn ang="0">
+                <a:pos x="connsiteX1" y="connsiteY1"/>
+              </a:cxn>
+              <a:cxn ang="0">
+                <a:pos x="connsiteX2" y="connsiteY2"/>
+              </a:cxn>
+              <a:cxn ang="0">
+                <a:pos x="connsiteX3" y="connsiteY3"/>
+              </a:cxn>
+              <a:cxn ang="0">
+                <a:pos x="connsiteX4" y="connsiteY4"/>
+              </a:cxn>
+              <a:cxn ang="0">
+                <a:pos x="connsiteX5" y="connsiteY5"/>
+              </a:cxn>
+              <a:cxn ang="0">
+                <a:pos x="connsiteX6" y="connsiteY6"/>
+              </a:cxn>
+              <a:cxn ang="0">
+                <a:pos x="connsiteX7" y="connsiteY7"/>
+              </a:cxn>
+              <a:cxn ang="0">
+                <a:pos x="connsiteX8" y="connsiteY8"/>
+              </a:cxn>
+              <a:cxn ang="0">
+                <a:pos x="connsiteX9" y="connsiteY9"/>
+              </a:cxn>
+              <a:cxn ang="0">
+                <a:pos x="connsiteX10" y="connsiteY10"/>
+              </a:cxn>
+              <a:cxn ang="0">
+                <a:pos x="connsiteX11" y="connsiteY11"/>
+              </a:cxn>
+              <a:cxn ang="0">
+                <a:pos x="connsiteX12" y="connsiteY12"/>
+              </a:cxn>
+              <a:cxn ang="0">
+                <a:pos x="connsiteX13" y="connsiteY13"/>
+              </a:cxn>
+              <a:cxn ang="0">
+                <a:pos x="connsiteX14" y="connsiteY14"/>
+              </a:cxn>
+              <a:cxn ang="0">
+                <a:pos x="connsiteX15" y="connsiteY15"/>
+              </a:cxn>
+              <a:cxn ang="0">
+                <a:pos x="connsiteX16" y="connsiteY16"/>
+              </a:cxn>
+            </a:cxnLst>
+            <a:rect l="l" t="t" r="r" b="b"/>
+            <a:pathLst>
+              <a:path w="139039" h="139039">
+                <a:moveTo>
+                  <a:pt x="129602" y="60082"/>
+                </a:moveTo>
+                <a:lnTo>
+                  <a:pt x="78957" y="60082"/>
+                </a:lnTo>
+                <a:lnTo>
+                  <a:pt x="78957" y="9437"/>
+                </a:lnTo>
+                <a:cubicBezTo>
+                  <a:pt x="78957" y="4225"/>
+                  <a:pt x="74731" y="0"/>
+                  <a:pt x="69520" y="0"/>
+                </a:cubicBezTo>
+                <a:cubicBezTo>
+                  <a:pt x="64308" y="0"/>
+                  <a:pt x="60082" y="4225"/>
+                  <a:pt x="60082" y="9437"/>
+                </a:cubicBezTo>
+                <a:lnTo>
+                  <a:pt x="60082" y="60082"/>
+                </a:lnTo>
+                <a:lnTo>
+                  <a:pt x="9437" y="60082"/>
+                </a:lnTo>
+                <a:cubicBezTo>
+                  <a:pt x="4225" y="60082"/>
+                  <a:pt x="0" y="64308"/>
+                  <a:pt x="0" y="69520"/>
+                </a:cubicBezTo>
+                <a:cubicBezTo>
+                  <a:pt x="0" y="74731"/>
+                  <a:pt x="4225" y="78957"/>
+                  <a:pt x="9437" y="78957"/>
+                </a:cubicBezTo>
+                <a:lnTo>
+                  <a:pt x="60082" y="78957"/>
+                </a:lnTo>
+                <a:lnTo>
+                  <a:pt x="60082" y="129602"/>
+                </a:lnTo>
+                <a:cubicBezTo>
+                  <a:pt x="60082" y="134814"/>
+                  <a:pt x="64308" y="139039"/>
+                  <a:pt x="69520" y="139039"/>
+                </a:cubicBezTo>
+                <a:cubicBezTo>
+                  <a:pt x="74731" y="139039"/>
+                  <a:pt x="78957" y="134814"/>
+                  <a:pt x="78957" y="129602"/>
+                </a:cubicBezTo>
+                <a:lnTo>
+                  <a:pt x="78957" y="78957"/>
+                </a:lnTo>
+                <a:lnTo>
+                  <a:pt x="129602" y="78957"/>
+                </a:lnTo>
+                <a:cubicBezTo>
+                  <a:pt x="134814" y="78957"/>
+                  <a:pt x="139039" y="74731"/>
+                  <a:pt x="139039" y="69520"/>
+                </a:cubicBezTo>
+                <a:cubicBezTo>
+                  <a:pt x="139039" y="64308"/>
+                  <a:pt x="134814" y="60082"/>
+                  <a:pt x="129602" y="60082"/>
+                </a:cubicBezTo>
+                <a:close/>
+              </a:path>
+            </a:pathLst>
+          </a:custGeom>
+          <a:solidFill>
+            <a:srgbClr val="FFFFFF"/>
+          </a:solidFill>
+          <a:ln w="603" cap="flat">
+            <a:noFill/>
+            <a:prstDash val="solid"/>
+            <a:miter/>
+          </a:ln>
+        </p:spPr>
+        <p:txBody>
+          <a:bodyPr rtlCol="0" anchor="ctr"/>
+          <a:lstStyle/>
+          <a:p>
+            <a:endParaRPr lang="en-US">
+              <a:solidFill>
+                <a:srgbClr val="FFFFFF"/>
+              </a:solidFill>
+            </a:endParaRPr>
+          </a:p>
+        </p:txBody>
+      </p:sp>
+      <p:sp>
+        <p:nvSpPr>
+          <p:cNvPr id="12" name="Graphic 12">
+            <a:extLst>
+              <a:ext uri="{FF2B5EF4-FFF2-40B4-BE49-F238E27FC236}">
+                <a16:creationId xmlns:a16="http://schemas.microsoft.com/office/drawing/2014/main" id="{42E93FB8-2D6C-D03C-E4E6-AC221D1B8432}"/>
+              </a:ext>
+              <a:ext uri="{C183D7F6-B498-43B3-948B-1728B52AA6E4}">
+                <adec:decorative xmlns:adec="http://schemas.microsoft.com/office/drawing/2017/decorative" val="1"/>
+              </a:ext>
+            </a:extLst>
+          </p:cNvPr>
+          <p:cNvSpPr>
+            <a:spLocks noGrp="1" noRot="1" noChangeAspect="1" noMove="1" noResize="1" noEditPoints="1" noAdjustHandles="1" noChangeArrowheads="1" noChangeShapeType="1" noTextEdit="1"/>
+          </p:cNvSpPr>
+          <p:nvPr>
+            <p:extLst>
+              <p:ext uri="{386F3935-93C4-4BCD-93E2-E3B085C9AB24}">
+                <p16:designElem xmlns:p16="http://schemas.microsoft.com/office/powerpoint/2015/main" val="1"/>
+              </p:ext>
+            </p:extLst>
+          </p:nvPr>
+        </p:nvSpPr>
+        <p:spPr>
+          <a:xfrm>
+            <a:off x="3833139" y="812640"/>
+            <a:ext cx="91138" cy="91138"/>
+          </a:xfrm>
+          <a:custGeom>
+            <a:avLst/>
+            <a:gdLst>
+              <a:gd name="connsiteX0" fmla="*/ 91138 w 91138"/>
+              <a:gd name="connsiteY0" fmla="*/ 45569 h 91138"/>
+              <a:gd name="connsiteX1" fmla="*/ 45569 w 91138"/>
+              <a:gd name="connsiteY1" fmla="*/ 91138 h 91138"/>
+              <a:gd name="connsiteX2" fmla="*/ 0 w 91138"/>
+              <a:gd name="connsiteY2" fmla="*/ 45569 h 91138"/>
+              <a:gd name="connsiteX3" fmla="*/ 45569 w 91138"/>
+              <a:gd name="connsiteY3" fmla="*/ 0 h 91138"/>
+              <a:gd name="connsiteX4" fmla="*/ 91138 w 91138"/>
+              <a:gd name="connsiteY4" fmla="*/ 45569 h 91138"/>
+            </a:gdLst>
+            <a:ahLst/>
+            <a:cxnLst>
+              <a:cxn ang="0">
+                <a:pos x="connsiteX0" y="connsiteY0"/>
+              </a:cxn>
+              <a:cxn ang="0">
+                <a:pos x="connsiteX1" y="connsiteY1"/>
+              </a:cxn>
+              <a:cxn ang="0">
+                <a:pos x="connsiteX2" y="connsiteY2"/>
+              </a:cxn>
+              <a:cxn ang="0">
+                <a:pos x="connsiteX3" y="connsiteY3"/>
+              </a:cxn>
+              <a:cxn ang="0">
+                <a:pos x="connsiteX4" y="connsiteY4"/>
+              </a:cxn>
+            </a:cxnLst>
+            <a:rect l="l" t="t" r="r" b="b"/>
+            <a:pathLst>
+              <a:path w="91138" h="91138">
+                <a:moveTo>
+                  <a:pt x="91138" y="45569"/>
+                </a:moveTo>
+                <a:cubicBezTo>
+                  <a:pt x="91138" y="70736"/>
+                  <a:pt x="70736" y="91138"/>
+                  <a:pt x="45569" y="91138"/>
+                </a:cubicBezTo>
+                <a:cubicBezTo>
+                  <a:pt x="20402" y="91138"/>
+                  <a:pt x="0" y="70736"/>
+                  <a:pt x="0" y="45569"/>
+                </a:cubicBezTo>
+                <a:cubicBezTo>
+                  <a:pt x="0" y="20402"/>
+                  <a:pt x="20402" y="0"/>
+                  <a:pt x="45569" y="0"/>
+                </a:cubicBezTo>
+                <a:cubicBezTo>
+                  <a:pt x="70736" y="0"/>
+                  <a:pt x="91138" y="20402"/>
+                  <a:pt x="91138" y="45569"/>
+                </a:cubicBezTo>
+                <a:close/>
+              </a:path>
+            </a:pathLst>
+          </a:custGeom>
+          <a:solidFill>
+            <a:srgbClr val="FFFFFF"/>
+          </a:solidFill>
+          <a:ln w="422" cap="flat">
+            <a:noFill/>
+            <a:prstDash val="solid"/>
+            <a:miter/>
+          </a:ln>
+        </p:spPr>
+        <p:txBody>
+          <a:bodyPr rtlCol="0" anchor="ctr"/>
+          <a:lstStyle/>
+          <a:p>
+            <a:endParaRPr lang="en-US">
+              <a:solidFill>
+                <a:srgbClr val="FFFFFF"/>
+              </a:solidFill>
+            </a:endParaRPr>
+          </a:p>
+        </p:txBody>
+      </p:sp>
+      <p:sp>
+        <p:nvSpPr>
+          <p:cNvPr id="14" name="Graphic 15">
+            <a:extLst>
+              <a:ext uri="{FF2B5EF4-FFF2-40B4-BE49-F238E27FC236}">
+                <a16:creationId xmlns:a16="http://schemas.microsoft.com/office/drawing/2014/main" id="{A2FAF0BB-28A6-E45D-0A15-595DF8C9433A}"/>
+              </a:ext>
+              <a:ext uri="{C183D7F6-B498-43B3-948B-1728B52AA6E4}">
+                <adec:decorative xmlns:adec="http://schemas.microsoft.com/office/drawing/2017/decorative" val="1"/>
+              </a:ext>
+            </a:extLst>
+          </p:cNvPr>
+          <p:cNvSpPr>
+            <a:spLocks noGrp="1" noRot="1" noChangeAspect="1" noMove="1" noResize="1" noEditPoints="1" noAdjustHandles="1" noChangeArrowheads="1" noChangeShapeType="1" noTextEdit="1"/>
+          </p:cNvSpPr>
+          <p:nvPr>
+            <p:extLst>
+              <p:ext uri="{386F3935-93C4-4BCD-93E2-E3B085C9AB24}">
+                <p16:designElem xmlns:p16="http://schemas.microsoft.com/office/powerpoint/2015/main" val="1"/>
+              </p:ext>
+            </p:extLst>
+          </p:nvPr>
+        </p:nvSpPr>
+        <p:spPr>
+          <a:xfrm>
+            <a:off x="3458819" y="1037066"/>
+            <a:ext cx="127714" cy="127714"/>
+          </a:xfrm>
+          <a:custGeom>
+            <a:avLst/>
+            <a:gdLst>
+              <a:gd name="connsiteX0" fmla="*/ 63857 w 127714"/>
+              <a:gd name="connsiteY0" fmla="*/ 18874 h 127714"/>
+              <a:gd name="connsiteX1" fmla="*/ 108840 w 127714"/>
+              <a:gd name="connsiteY1" fmla="*/ 63857 h 127714"/>
+              <a:gd name="connsiteX2" fmla="*/ 63857 w 127714"/>
+              <a:gd name="connsiteY2" fmla="*/ 108840 h 127714"/>
+              <a:gd name="connsiteX3" fmla="*/ 18874 w 127714"/>
+              <a:gd name="connsiteY3" fmla="*/ 63857 h 127714"/>
+              <a:gd name="connsiteX4" fmla="*/ 63857 w 127714"/>
+              <a:gd name="connsiteY4" fmla="*/ 18874 h 127714"/>
+              <a:gd name="connsiteX5" fmla="*/ 63857 w 127714"/>
+              <a:gd name="connsiteY5" fmla="*/ 0 h 127714"/>
+              <a:gd name="connsiteX6" fmla="*/ 0 w 127714"/>
+              <a:gd name="connsiteY6" fmla="*/ 63857 h 127714"/>
+              <a:gd name="connsiteX7" fmla="*/ 63857 w 127714"/>
+              <a:gd name="connsiteY7" fmla="*/ 127714 h 127714"/>
+              <a:gd name="connsiteX8" fmla="*/ 127714 w 127714"/>
+              <a:gd name="connsiteY8" fmla="*/ 63857 h 127714"/>
+              <a:gd name="connsiteX9" fmla="*/ 63857 w 127714"/>
+              <a:gd name="connsiteY9" fmla="*/ 0 h 127714"/>
+            </a:gdLst>
+            <a:ahLst/>
+            <a:cxnLst>
+              <a:cxn ang="0">
+                <a:pos x="connsiteX0" y="connsiteY0"/>
+              </a:cxn>
+              <a:cxn ang="0">
+                <a:pos x="connsiteX1" y="connsiteY1"/>
+              </a:cxn>
+              <a:cxn ang="0">
+                <a:pos x="connsiteX2" y="connsiteY2"/>
+              </a:cxn>
+              <a:cxn ang="0">
+                <a:pos x="connsiteX3" y="connsiteY3"/>
+              </a:cxn>
+              <a:cxn ang="0">
+                <a:pos x="connsiteX4" y="connsiteY4"/>
+              </a:cxn>
+              <a:cxn ang="0">
+                <a:pos x="connsiteX5" y="connsiteY5"/>
+              </a:cxn>
+              <a:cxn ang="0">
+                <a:pos x="connsiteX6" y="connsiteY6"/>
+              </a:cxn>
+              <a:cxn ang="0">
+                <a:pos x="connsiteX7" y="connsiteY7"/>
+              </a:cxn>
+              <a:cxn ang="0">
+                <a:pos x="connsiteX8" y="connsiteY8"/>
+              </a:cxn>
+              <a:cxn ang="0">
+                <a:pos x="connsiteX9" y="connsiteY9"/>
+              </a:cxn>
+            </a:cxnLst>
+            <a:rect l="l" t="t" r="r" b="b"/>
+            <a:pathLst>
+              <a:path w="127714" h="127714">
+                <a:moveTo>
+                  <a:pt x="63857" y="18874"/>
+                </a:moveTo>
+                <a:cubicBezTo>
+                  <a:pt x="88700" y="18874"/>
+                  <a:pt x="108840" y="39014"/>
+                  <a:pt x="108840" y="63857"/>
+                </a:cubicBezTo>
+                <a:cubicBezTo>
+                  <a:pt x="108840" y="88700"/>
+                  <a:pt x="88700" y="108840"/>
+                  <a:pt x="63857" y="108840"/>
+                </a:cubicBezTo>
+                <a:cubicBezTo>
+                  <a:pt x="39014" y="108840"/>
+                  <a:pt x="18874" y="88700"/>
+                  <a:pt x="18874" y="63857"/>
+                </a:cubicBezTo>
+                <a:cubicBezTo>
+                  <a:pt x="18898" y="39024"/>
+                  <a:pt x="39024" y="18898"/>
+                  <a:pt x="63857" y="18874"/>
+                </a:cubicBezTo>
+                <a:moveTo>
+                  <a:pt x="63857" y="0"/>
+                </a:moveTo>
+                <a:cubicBezTo>
+                  <a:pt x="28590" y="0"/>
+                  <a:pt x="0" y="28590"/>
+                  <a:pt x="0" y="63857"/>
+                </a:cubicBezTo>
+                <a:cubicBezTo>
+                  <a:pt x="0" y="99124"/>
+                  <a:pt x="28590" y="127714"/>
+                  <a:pt x="63857" y="127714"/>
+                </a:cubicBezTo>
+                <a:cubicBezTo>
+                  <a:pt x="99124" y="127714"/>
+                  <a:pt x="127714" y="99124"/>
+                  <a:pt x="127714" y="63857"/>
+                </a:cubicBezTo>
+                <a:cubicBezTo>
+                  <a:pt x="127714" y="28590"/>
+                  <a:pt x="99124" y="0"/>
+                  <a:pt x="63857" y="0"/>
+                </a:cubicBezTo>
+                <a:close/>
+              </a:path>
+            </a:pathLst>
+          </a:custGeom>
+          <a:solidFill>
+            <a:srgbClr val="FFFFFF"/>
+          </a:solidFill>
+          <a:ln w="610" cap="flat">
+            <a:noFill/>
+            <a:prstDash val="solid"/>
+            <a:miter/>
+          </a:ln>
+        </p:spPr>
+        <p:txBody>
+          <a:bodyPr rtlCol="0" anchor="ctr"/>
+          <a:lstStyle/>
+          <a:p>
+            <a:endParaRPr lang="en-US">
+              <a:solidFill>
+                <a:srgbClr val="FFFFFF"/>
+              </a:solidFill>
+            </a:endParaRPr>
+          </a:p>
+        </p:txBody>
+      </p:sp>
+      <p:cxnSp>
+        <p:nvCxnSpPr>
+          <p:cNvPr id="16" name="Straight Connector 15">
+            <a:extLst>
+              <a:ext uri="{FF2B5EF4-FFF2-40B4-BE49-F238E27FC236}">
+                <a16:creationId xmlns:a16="http://schemas.microsoft.com/office/drawing/2014/main" id="{B537330A-8520-AEBA-95D1-0BFAFA7E37D0}"/>
+              </a:ext>
+              <a:ext uri="{C183D7F6-B498-43B3-948B-1728B52AA6E4}">
+                <adec:decorative xmlns:adec="http://schemas.microsoft.com/office/drawing/2017/decorative" val="1"/>
+              </a:ext>
+            </a:extLst>
+          </p:cNvPr>
+          <p:cNvCxnSpPr>
+            <a:cxnSpLocks noGrp="1" noRot="1" noChangeAspect="1" noMove="1" noResize="1" noEditPoints="1" noAdjustHandles="1" noChangeArrowheads="1" noChangeShapeType="1"/>
+          </p:cNvCxnSpPr>
+          <p:nvPr>
+            <p:extLst>
+              <p:ext uri="{386F3935-93C4-4BCD-93E2-E3B085C9AB24}">
+                <p16:designElem xmlns:p16="http://schemas.microsoft.com/office/powerpoint/2015/main" val="1"/>
+              </p:ext>
+            </p:extLst>
+          </p:nvPr>
+        </p:nvCxnSpPr>
+        <p:spPr>
+          <a:xfrm>
+            <a:off x="856114" y="3503032"/>
+            <a:ext cx="0" cy="3346090"/>
+          </a:xfrm>
+          <a:prstGeom prst="line">
+            <a:avLst/>
+          </a:prstGeom>
+          <a:ln w="25400" cap="sq">
+            <a:solidFill>
+              <a:srgbClr val="FFFFFF"/>
+            </a:solidFill>
+            <a:bevel/>
+          </a:ln>
+        </p:spPr>
+        <p:style>
+          <a:lnRef idx="1">
+            <a:schemeClr val="accent1"/>
+          </a:lnRef>
+          <a:fillRef idx="0">
+            <a:schemeClr val="accent1"/>
+          </a:fillRef>
+          <a:effectRef idx="0">
+            <a:schemeClr val="accent1"/>
+          </a:effectRef>
+          <a:fontRef idx="minor">
+            <a:schemeClr val="tx1"/>
+          </a:fontRef>
+        </p:style>
+      </p:cxnSp>
+      <p:sp>
+        <p:nvSpPr>
+          <p:cNvPr id="18" name="Graphic 22">
+            <a:extLst>
+              <a:ext uri="{FF2B5EF4-FFF2-40B4-BE49-F238E27FC236}">
+                <a16:creationId xmlns:a16="http://schemas.microsoft.com/office/drawing/2014/main" id="{7216EBFB-C7D1-F017-3E0E-EF0A2E989B44}"/>
+              </a:ext>
+              <a:ext uri="{C183D7F6-B498-43B3-948B-1728B52AA6E4}">
+                <adec:decorative xmlns:adec="http://schemas.microsoft.com/office/drawing/2017/decorative" val="1"/>
+              </a:ext>
+            </a:extLst>
+          </p:cNvPr>
+          <p:cNvSpPr>
+            <a:spLocks noGrp="1" noRot="1" noChangeAspect="1" noMove="1" noResize="1" noEditPoints="1" noAdjustHandles="1" noChangeArrowheads="1" noChangeShapeType="1" noTextEdit="1"/>
+          </p:cNvSpPr>
+          <p:nvPr>
+            <p:extLst>
+              <p:ext uri="{386F3935-93C4-4BCD-93E2-E3B085C9AB24}">
+                <p16:designElem xmlns:p16="http://schemas.microsoft.com/office/powerpoint/2015/main" val="1"/>
+              </p:ext>
+            </p:extLst>
+          </p:nvPr>
+        </p:nvSpPr>
+        <p:spPr>
+          <a:xfrm>
+            <a:off x="10836425" y="5636680"/>
+            <a:ext cx="151536" cy="151536"/>
+          </a:xfrm>
+          <a:custGeom>
+            <a:avLst/>
+            <a:gdLst>
+              <a:gd name="connsiteX0" fmla="*/ 141251 w 151536"/>
+              <a:gd name="connsiteY0" fmla="*/ 65483 h 151536"/>
+              <a:gd name="connsiteX1" fmla="*/ 86053 w 151536"/>
+              <a:gd name="connsiteY1" fmla="*/ 65483 h 151536"/>
+              <a:gd name="connsiteX2" fmla="*/ 86053 w 151536"/>
+              <a:gd name="connsiteY2" fmla="*/ 10285 h 151536"/>
+              <a:gd name="connsiteX3" fmla="*/ 75768 w 151536"/>
+              <a:gd name="connsiteY3" fmla="*/ 0 h 151536"/>
+              <a:gd name="connsiteX4" fmla="*/ 65483 w 151536"/>
+              <a:gd name="connsiteY4" fmla="*/ 10285 h 151536"/>
+              <a:gd name="connsiteX5" fmla="*/ 65483 w 151536"/>
+              <a:gd name="connsiteY5" fmla="*/ 65483 h 151536"/>
+              <a:gd name="connsiteX6" fmla="*/ 10285 w 151536"/>
+              <a:gd name="connsiteY6" fmla="*/ 65483 h 151536"/>
+              <a:gd name="connsiteX7" fmla="*/ 0 w 151536"/>
+              <a:gd name="connsiteY7" fmla="*/ 75768 h 151536"/>
+              <a:gd name="connsiteX8" fmla="*/ 10285 w 151536"/>
+              <a:gd name="connsiteY8" fmla="*/ 86053 h 151536"/>
+              <a:gd name="connsiteX9" fmla="*/ 65483 w 151536"/>
+              <a:gd name="connsiteY9" fmla="*/ 86053 h 151536"/>
+              <a:gd name="connsiteX10" fmla="*/ 65483 w 151536"/>
+              <a:gd name="connsiteY10" fmla="*/ 141251 h 151536"/>
+              <a:gd name="connsiteX11" fmla="*/ 75768 w 151536"/>
+              <a:gd name="connsiteY11" fmla="*/ 151536 h 151536"/>
+              <a:gd name="connsiteX12" fmla="*/ 86053 w 151536"/>
+              <a:gd name="connsiteY12" fmla="*/ 141251 h 151536"/>
+              <a:gd name="connsiteX13" fmla="*/ 86053 w 151536"/>
+              <a:gd name="connsiteY13" fmla="*/ 86053 h 151536"/>
+              <a:gd name="connsiteX14" fmla="*/ 141251 w 151536"/>
+              <a:gd name="connsiteY14" fmla="*/ 86053 h 151536"/>
+              <a:gd name="connsiteX15" fmla="*/ 151536 w 151536"/>
+              <a:gd name="connsiteY15" fmla="*/ 75768 h 151536"/>
+              <a:gd name="connsiteX16" fmla="*/ 141251 w 151536"/>
+              <a:gd name="connsiteY16" fmla="*/ 65483 h 151536"/>
+            </a:gdLst>
+            <a:ahLst/>
+            <a:cxnLst>
+              <a:cxn ang="0">
+                <a:pos x="connsiteX0" y="connsiteY0"/>
+              </a:cxn>
+              <a:cxn ang="0">
+                <a:pos x="connsiteX1" y="connsiteY1"/>
+              </a:cxn>
+              <a:cxn ang="0">
+                <a:pos x="connsiteX2" y="connsiteY2"/>
+              </a:cxn>
+              <a:cxn ang="0">
+                <a:pos x="connsiteX3" y="connsiteY3"/>
+              </a:cxn>
+              <a:cxn ang="0">
+                <a:pos x="connsiteX4" y="connsiteY4"/>
+              </a:cxn>
+              <a:cxn ang="0">
+                <a:pos x="connsiteX5" y="connsiteY5"/>
+              </a:cxn>
+              <a:cxn ang="0">
+                <a:pos x="connsiteX6" y="connsiteY6"/>
+              </a:cxn>
+              <a:cxn ang="0">
+                <a:pos x="connsiteX7" y="connsiteY7"/>
+              </a:cxn>
+              <a:cxn ang="0">
+                <a:pos x="connsiteX8" y="connsiteY8"/>
+              </a:cxn>
+              <a:cxn ang="0">
+                <a:pos x="connsiteX9" y="connsiteY9"/>
+              </a:cxn>
+              <a:cxn ang="0">
+                <a:pos x="connsiteX10" y="connsiteY10"/>
+              </a:cxn>
+              <a:cxn ang="0">
+                <a:pos x="connsiteX11" y="connsiteY11"/>
+              </a:cxn>
+              <a:cxn ang="0">
+                <a:pos x="connsiteX12" y="connsiteY12"/>
+              </a:cxn>
+              <a:cxn ang="0">
+                <a:pos x="connsiteX13" y="connsiteY13"/>
+              </a:cxn>
+              <a:cxn ang="0">
+                <a:pos x="connsiteX14" y="connsiteY14"/>
+              </a:cxn>
+              <a:cxn ang="0">
+                <a:pos x="connsiteX15" y="connsiteY15"/>
+              </a:cxn>
+              <a:cxn ang="0">
+                <a:pos x="connsiteX16" y="connsiteY16"/>
+              </a:cxn>
+            </a:cxnLst>
+            <a:rect l="l" t="t" r="r" b="b"/>
+            <a:pathLst>
+              <a:path w="151536" h="151536">
+                <a:moveTo>
+                  <a:pt x="141251" y="65483"/>
+                </a:moveTo>
+                <a:lnTo>
+                  <a:pt x="86053" y="65483"/>
+                </a:lnTo>
+                <a:lnTo>
+                  <a:pt x="86053" y="10285"/>
+                </a:lnTo>
+                <a:cubicBezTo>
+                  <a:pt x="86053" y="4605"/>
+                  <a:pt x="81448" y="0"/>
+                  <a:pt x="75768" y="0"/>
+                </a:cubicBezTo>
+                <a:cubicBezTo>
+                  <a:pt x="70088" y="0"/>
+                  <a:pt x="65483" y="4605"/>
+                  <a:pt x="65483" y="10285"/>
+                </a:cubicBezTo>
+                <a:lnTo>
+                  <a:pt x="65483" y="65483"/>
+                </a:lnTo>
+                <a:lnTo>
+                  <a:pt x="10285" y="65483"/>
+                </a:lnTo>
+                <a:cubicBezTo>
+                  <a:pt x="4605" y="65483"/>
+                  <a:pt x="0" y="70088"/>
+                  <a:pt x="0" y="75768"/>
+                </a:cubicBezTo>
+                <a:cubicBezTo>
+                  <a:pt x="0" y="81448"/>
+                  <a:pt x="4605" y="86053"/>
+                  <a:pt x="10285" y="86053"/>
+                </a:cubicBezTo>
+                <a:lnTo>
+                  <a:pt x="65483" y="86053"/>
+                </a:lnTo>
+                <a:lnTo>
+                  <a:pt x="65483" y="141251"/>
+                </a:lnTo>
+                <a:cubicBezTo>
+                  <a:pt x="65483" y="146931"/>
+                  <a:pt x="70088" y="151536"/>
+                  <a:pt x="75768" y="151536"/>
+                </a:cubicBezTo>
+                <a:cubicBezTo>
+                  <a:pt x="81448" y="151536"/>
+                  <a:pt x="86053" y="146931"/>
+                  <a:pt x="86053" y="141251"/>
+                </a:cubicBezTo>
+                <a:lnTo>
+                  <a:pt x="86053" y="86053"/>
+                </a:lnTo>
+                <a:lnTo>
+                  <a:pt x="141251" y="86053"/>
+                </a:lnTo>
+                <a:cubicBezTo>
+                  <a:pt x="146931" y="86053"/>
+                  <a:pt x="151536" y="81448"/>
+                  <a:pt x="151536" y="75768"/>
+                </a:cubicBezTo>
+                <a:cubicBezTo>
+                  <a:pt x="151536" y="70088"/>
+                  <a:pt x="146931" y="65483"/>
+                  <a:pt x="141251" y="65483"/>
+                </a:cubicBezTo>
+                <a:close/>
+              </a:path>
+            </a:pathLst>
+          </a:custGeom>
+          <a:solidFill>
+            <a:srgbClr val="FFFFFF"/>
+          </a:solidFill>
+          <a:ln w="646" cap="flat">
+            <a:noFill/>
+            <a:prstDash val="solid"/>
+            <a:miter/>
+          </a:ln>
+        </p:spPr>
+        <p:txBody>
+          <a:bodyPr rtlCol="0" anchor="ctr"/>
+          <a:lstStyle/>
+          <a:p>
+            <a:endParaRPr lang="en-US">
+              <a:solidFill>
+                <a:srgbClr val="FFFFFF"/>
+              </a:solidFill>
+            </a:endParaRPr>
+          </a:p>
+        </p:txBody>
+      </p:sp>
+      <p:sp>
+        <p:nvSpPr>
+          <p:cNvPr id="20" name="Graphic 23">
+            <a:extLst>
+              <a:ext uri="{FF2B5EF4-FFF2-40B4-BE49-F238E27FC236}">
+                <a16:creationId xmlns:a16="http://schemas.microsoft.com/office/drawing/2014/main" id="{C12A07A2-6665-B63A-42C0-F041E9D9538A}"/>
+              </a:ext>
+              <a:ext uri="{C183D7F6-B498-43B3-948B-1728B52AA6E4}">
+                <adec:decorative xmlns:adec="http://schemas.microsoft.com/office/drawing/2017/decorative" val="1"/>
+              </a:ext>
+            </a:extLst>
+          </p:cNvPr>
+          <p:cNvSpPr>
+            <a:spLocks noGrp="1" noRot="1" noChangeAspect="1" noMove="1" noResize="1" noEditPoints="1" noAdjustHandles="1" noChangeArrowheads="1" noChangeShapeType="1" noTextEdit="1"/>
+          </p:cNvSpPr>
+          <p:nvPr>
+            <p:extLst>
+              <p:ext uri="{386F3935-93C4-4BCD-93E2-E3B085C9AB24}">
+                <p16:designElem xmlns:p16="http://schemas.microsoft.com/office/powerpoint/2015/main" val="1"/>
+              </p:ext>
+            </p:extLst>
+          </p:nvPr>
+        </p:nvSpPr>
+        <p:spPr>
+          <a:xfrm>
+            <a:off x="11245175" y="6096759"/>
+            <a:ext cx="108625" cy="108625"/>
+          </a:xfrm>
+          <a:custGeom>
+            <a:avLst/>
+            <a:gdLst>
+              <a:gd name="connsiteX0" fmla="*/ 54313 w 108625"/>
+              <a:gd name="connsiteY0" fmla="*/ 16053 h 108625"/>
+              <a:gd name="connsiteX1" fmla="*/ 92572 w 108625"/>
+              <a:gd name="connsiteY1" fmla="*/ 54313 h 108625"/>
+              <a:gd name="connsiteX2" fmla="*/ 54313 w 108625"/>
+              <a:gd name="connsiteY2" fmla="*/ 92572 h 108625"/>
+              <a:gd name="connsiteX3" fmla="*/ 16053 w 108625"/>
+              <a:gd name="connsiteY3" fmla="*/ 54313 h 108625"/>
+              <a:gd name="connsiteX4" fmla="*/ 54313 w 108625"/>
+              <a:gd name="connsiteY4" fmla="*/ 16053 h 108625"/>
+              <a:gd name="connsiteX5" fmla="*/ 54313 w 108625"/>
+              <a:gd name="connsiteY5" fmla="*/ 0 h 108625"/>
+              <a:gd name="connsiteX6" fmla="*/ 0 w 108625"/>
+              <a:gd name="connsiteY6" fmla="*/ 54313 h 108625"/>
+              <a:gd name="connsiteX7" fmla="*/ 54313 w 108625"/>
+              <a:gd name="connsiteY7" fmla="*/ 108625 h 108625"/>
+              <a:gd name="connsiteX8" fmla="*/ 108625 w 108625"/>
+              <a:gd name="connsiteY8" fmla="*/ 54313 h 108625"/>
+              <a:gd name="connsiteX9" fmla="*/ 54313 w 108625"/>
+              <a:gd name="connsiteY9" fmla="*/ 0 h 108625"/>
+            </a:gdLst>
+            <a:ahLst/>
+            <a:cxnLst>
+              <a:cxn ang="0">
+                <a:pos x="connsiteX0" y="connsiteY0"/>
+              </a:cxn>
+              <a:cxn ang="0">
+                <a:pos x="connsiteX1" y="connsiteY1"/>
+              </a:cxn>
+              <a:cxn ang="0">
+                <a:pos x="connsiteX2" y="connsiteY2"/>
+              </a:cxn>
+              <a:cxn ang="0">
+                <a:pos x="connsiteX3" y="connsiteY3"/>
+              </a:cxn>
+              <a:cxn ang="0">
+                <a:pos x="connsiteX4" y="connsiteY4"/>
+              </a:cxn>
+              <a:cxn ang="0">
+                <a:pos x="connsiteX5" y="connsiteY5"/>
+              </a:cxn>
+              <a:cxn ang="0">
+                <a:pos x="connsiteX6" y="connsiteY6"/>
+              </a:cxn>
+              <a:cxn ang="0">
+                <a:pos x="connsiteX7" y="connsiteY7"/>
+              </a:cxn>
+              <a:cxn ang="0">
+                <a:pos x="connsiteX8" y="connsiteY8"/>
+              </a:cxn>
+              <a:cxn ang="0">
+                <a:pos x="connsiteX9" y="connsiteY9"/>
+              </a:cxn>
+            </a:cxnLst>
+            <a:rect l="l" t="t" r="r" b="b"/>
+            <a:pathLst>
+              <a:path w="108625" h="108625">
+                <a:moveTo>
+                  <a:pt x="54313" y="16053"/>
+                </a:moveTo>
+                <a:cubicBezTo>
+                  <a:pt x="75442" y="16053"/>
+                  <a:pt x="92572" y="33182"/>
+                  <a:pt x="92572" y="54313"/>
+                </a:cubicBezTo>
+                <a:cubicBezTo>
+                  <a:pt x="92572" y="75442"/>
+                  <a:pt x="75442" y="92572"/>
+                  <a:pt x="54313" y="92572"/>
+                </a:cubicBezTo>
+                <a:cubicBezTo>
+                  <a:pt x="33182" y="92572"/>
+                  <a:pt x="16053" y="75442"/>
+                  <a:pt x="16053" y="54313"/>
+                </a:cubicBezTo>
+                <a:cubicBezTo>
+                  <a:pt x="16074" y="33191"/>
+                  <a:pt x="33191" y="16074"/>
+                  <a:pt x="54313" y="16053"/>
+                </a:cubicBezTo>
+                <a:moveTo>
+                  <a:pt x="54313" y="0"/>
+                </a:moveTo>
+                <a:cubicBezTo>
+                  <a:pt x="24317" y="0"/>
+                  <a:pt x="0" y="24317"/>
+                  <a:pt x="0" y="54313"/>
+                </a:cubicBezTo>
+                <a:cubicBezTo>
+                  <a:pt x="0" y="84309"/>
+                  <a:pt x="24317" y="108625"/>
+                  <a:pt x="54313" y="108625"/>
+                </a:cubicBezTo>
+                <a:cubicBezTo>
+                  <a:pt x="84309" y="108625"/>
+                  <a:pt x="108625" y="84309"/>
+                  <a:pt x="108625" y="54313"/>
+                </a:cubicBezTo>
+                <a:cubicBezTo>
+                  <a:pt x="108625" y="24317"/>
+                  <a:pt x="84309" y="0"/>
+                  <a:pt x="54313" y="0"/>
+                </a:cubicBezTo>
+                <a:close/>
+              </a:path>
+            </a:pathLst>
+          </a:custGeom>
+          <a:solidFill>
+            <a:srgbClr val="FFFFFF"/>
+          </a:solidFill>
+          <a:ln w="516" cap="flat">
+            <a:noFill/>
+            <a:prstDash val="solid"/>
+            <a:miter/>
+          </a:ln>
+        </p:spPr>
+        <p:txBody>
+          <a:bodyPr rtlCol="0" anchor="ctr"/>
+          <a:lstStyle/>
+          <a:p>
+            <a:endParaRPr lang="en-US">
+              <a:solidFill>
+                <a:srgbClr val="FFFFFF"/>
+              </a:solidFill>
+            </a:endParaRPr>
+          </a:p>
+        </p:txBody>
+      </p:sp>
+      <p:sp>
+        <p:nvSpPr>
+          <p:cNvPr id="22" name="Graphic 21">
+            <a:extLst>
+              <a:ext uri="{FF2B5EF4-FFF2-40B4-BE49-F238E27FC236}">
+                <a16:creationId xmlns:a16="http://schemas.microsoft.com/office/drawing/2014/main" id="{CF6810E2-9552-D513-D4B1-2E8AFD3A114D}"/>
+              </a:ext>
+              <a:ext uri="{C183D7F6-B498-43B3-948B-1728B52AA6E4}">
+                <adec:decorative xmlns:adec="http://schemas.microsoft.com/office/drawing/2017/decorative" val="1"/>
+              </a:ext>
+            </a:extLst>
+          </p:cNvPr>
+          <p:cNvSpPr>
+            <a:spLocks noGrp="1" noRot="1" noChangeAspect="1" noMove="1" noResize="1" noEditPoints="1" noAdjustHandles="1" noChangeArrowheads="1" noChangeShapeType="1" noTextEdit="1"/>
+          </p:cNvSpPr>
+          <p:nvPr>
+            <p:extLst>
+              <p:ext uri="{386F3935-93C4-4BCD-93E2-E3B085C9AB24}">
+                <p16:designElem xmlns:p16="http://schemas.microsoft.com/office/powerpoint/2015/main" val="1"/>
+              </p:ext>
+            </p:extLst>
+          </p:nvPr>
+        </p:nvSpPr>
+        <p:spPr>
+          <a:xfrm>
+            <a:off x="10554288" y="6238029"/>
+            <a:ext cx="95759" cy="95759"/>
+          </a:xfrm>
+          <a:custGeom>
+            <a:avLst/>
+            <a:gdLst>
+              <a:gd name="connsiteX0" fmla="*/ 95759 w 95759"/>
+              <a:gd name="connsiteY0" fmla="*/ 47880 h 95759"/>
+              <a:gd name="connsiteX1" fmla="*/ 47880 w 95759"/>
+              <a:gd name="connsiteY1" fmla="*/ 95759 h 95759"/>
+              <a:gd name="connsiteX2" fmla="*/ 0 w 95759"/>
+              <a:gd name="connsiteY2" fmla="*/ 47880 h 95759"/>
+              <a:gd name="connsiteX3" fmla="*/ 47880 w 95759"/>
+              <a:gd name="connsiteY3" fmla="*/ 0 h 95759"/>
+              <a:gd name="connsiteX4" fmla="*/ 95759 w 95759"/>
+              <a:gd name="connsiteY4" fmla="*/ 47880 h 95759"/>
+            </a:gdLst>
+            <a:ahLst/>
+            <a:cxnLst>
+              <a:cxn ang="0">
+                <a:pos x="connsiteX0" y="connsiteY0"/>
+              </a:cxn>
+              <a:cxn ang="0">
+                <a:pos x="connsiteX1" y="connsiteY1"/>
+              </a:cxn>
+              <a:cxn ang="0">
+                <a:pos x="connsiteX2" y="connsiteY2"/>
+              </a:cxn>
+              <a:cxn ang="0">
+                <a:pos x="connsiteX3" y="connsiteY3"/>
+              </a:cxn>
+              <a:cxn ang="0">
+                <a:pos x="connsiteX4" y="connsiteY4"/>
+              </a:cxn>
+            </a:cxnLst>
+            <a:rect l="l" t="t" r="r" b="b"/>
+            <a:pathLst>
+              <a:path w="95759" h="95759">
+                <a:moveTo>
+                  <a:pt x="95759" y="47880"/>
+                </a:moveTo>
+                <a:cubicBezTo>
+                  <a:pt x="95759" y="74323"/>
+                  <a:pt x="74323" y="95759"/>
+                  <a:pt x="47880" y="95759"/>
+                </a:cubicBezTo>
+                <a:cubicBezTo>
+                  <a:pt x="21436" y="95759"/>
+                  <a:pt x="0" y="74323"/>
+                  <a:pt x="0" y="47880"/>
+                </a:cubicBezTo>
+                <a:cubicBezTo>
+                  <a:pt x="0" y="21436"/>
+                  <a:pt x="21436" y="0"/>
+                  <a:pt x="47880" y="0"/>
+                </a:cubicBezTo>
+                <a:cubicBezTo>
+                  <a:pt x="74323" y="0"/>
+                  <a:pt x="95759" y="21436"/>
+                  <a:pt x="95759" y="47880"/>
+                </a:cubicBezTo>
+                <a:close/>
+              </a:path>
+            </a:pathLst>
+          </a:custGeom>
+          <a:solidFill>
+            <a:srgbClr val="FFFFFF"/>
+          </a:solidFill>
+          <a:ln w="469" cap="flat">
+            <a:noFill/>
+            <a:prstDash val="solid"/>
+            <a:miter/>
+          </a:ln>
+        </p:spPr>
+        <p:txBody>
+          <a:bodyPr rtlCol="0" anchor="ctr"/>
+          <a:lstStyle/>
+          <a:p>
+            <a:endParaRPr lang="en-US">
+              <a:solidFill>
+                <a:srgbClr val="FFFFFF"/>
+              </a:solidFill>
+            </a:endParaRPr>
+          </a:p>
+        </p:txBody>
+      </p:sp>
+      <p:sp>
+        <p:nvSpPr>
+          <p:cNvPr id="2" name="Título 1">
+            <a:extLst>
+              <a:ext uri="{FF2B5EF4-FFF2-40B4-BE49-F238E27FC236}">
+                <a16:creationId xmlns:a16="http://schemas.microsoft.com/office/drawing/2014/main" id="{C99A7190-5522-3ABD-2509-76C62CB7EF04}"/>
+              </a:ext>
+            </a:extLst>
+          </p:cNvPr>
+          <p:cNvSpPr>
+            <a:spLocks noGrp="1"/>
+          </p:cNvSpPr>
+          <p:nvPr>
+            <p:ph type="title"/>
+          </p:nvPr>
+        </p:nvSpPr>
+        <p:spPr>
+          <a:xfrm>
+            <a:off x="3880430" y="583345"/>
+            <a:ext cx="7160357" cy="4164820"/>
+          </a:xfrm>
+        </p:spPr>
+        <p:txBody>
+          <a:bodyPr vert="horz" lIns="91440" tIns="45720" rIns="91440" bIns="45720" rtlCol="0" anchor="t">
+            <a:normAutofit/>
+          </a:bodyPr>
+          <a:lstStyle/>
+          <a:p>
+            <a:pPr algn="r"/>
+            <a:r>
+              <a:rPr lang="en-US" sz="4000" kern="1200" dirty="0">
+                <a:solidFill>
+                  <a:srgbClr val="000000"/>
+                </a:solidFill>
+                <a:latin typeface="Verdana" panose="020B0604030504040204" pitchFamily="34" charset="0"/>
+                <a:ea typeface="+mj-ea"/>
+                <a:cs typeface="+mj-cs"/>
+              </a:rPr>
+              <a:t>Ajax with jQuery AJAX</a:t>
+            </a:r>
+            <a:br>
+              <a:rPr lang="en-US" sz="4000" kern="1200" dirty="0">
+                <a:solidFill>
+                  <a:srgbClr val="000000"/>
+                </a:solidFill>
+                <a:latin typeface="Verdana" panose="020B0604030504040204" pitchFamily="34" charset="0"/>
+                <a:ea typeface="+mj-ea"/>
+                <a:cs typeface="+mj-cs"/>
+              </a:rPr>
+            </a:br>
+            <a:r>
+              <a:rPr lang="en-US" sz="4000" kern="1200" dirty="0">
+                <a:solidFill>
+                  <a:srgbClr val="000000"/>
+                </a:solidFill>
+                <a:latin typeface="Verdana" panose="020B0604030504040204" pitchFamily="34" charset="0"/>
+                <a:ea typeface="+mj-ea"/>
+                <a:cs typeface="+mj-cs"/>
+              </a:rPr>
+              <a:t>post() method</a:t>
+            </a:r>
+            <a:endParaRPr lang="en-US" sz="8000" kern="1200" dirty="0">
+              <a:solidFill>
+                <a:srgbClr val="FFFFFF"/>
+              </a:solidFill>
+              <a:latin typeface="+mj-lt"/>
+              <a:ea typeface="+mj-ea"/>
+              <a:cs typeface="+mj-cs"/>
+            </a:endParaRPr>
+          </a:p>
+        </p:txBody>
+      </p:sp>
+      <p:pic>
+        <p:nvPicPr>
+          <p:cNvPr id="5" name="Imagem 4">
+            <a:extLst>
+              <a:ext uri="{FF2B5EF4-FFF2-40B4-BE49-F238E27FC236}">
+                <a16:creationId xmlns:a16="http://schemas.microsoft.com/office/drawing/2014/main" id="{7511116F-EAD5-F926-66AC-E0F2DAD6828C}"/>
+              </a:ext>
+            </a:extLst>
+          </p:cNvPr>
+          <p:cNvPicPr>
+            <a:picLocks noChangeAspect="1"/>
+          </p:cNvPicPr>
+          <p:nvPr/>
+        </p:nvPicPr>
+        <p:blipFill>
+          <a:blip r:embed="rId2"/>
+          <a:stretch>
+            <a:fillRect/>
+          </a:stretch>
+        </p:blipFill>
+        <p:spPr>
+          <a:xfrm>
+            <a:off x="957464" y="1607050"/>
+            <a:ext cx="5933625" cy="5098550"/>
+          </a:xfrm>
+          <a:prstGeom prst="rect">
+            <a:avLst/>
+          </a:prstGeom>
+        </p:spPr>
+      </p:pic>
+    </p:spTree>
+    <p:extLst>
+      <p:ext uri="{BB962C8B-B14F-4D97-AF65-F5344CB8AC3E}">
+        <p14:creationId xmlns:p14="http://schemas.microsoft.com/office/powerpoint/2010/main" val="1604354381"/>
+      </p:ext>
+    </p:extLst>
+  </p:cSld>
+  <p:clrMapOvr>
+    <a:masterClrMapping/>
+  </p:clrMapOvr>
+</p:sld>
+</file>
+
+<file path=ppt/slides/slide13.xml><?xml version="1.0" encoding="utf-8"?>
+<p:sld xmlns:a="http://schemas.openxmlformats.org/drawingml/2006/main" xmlns:r="http://schemas.openxmlformats.org/officeDocument/2006/relationships" xmlns:p="http://schemas.openxmlformats.org/presentationml/2006/main">
+  <p:cSld>
+    <p:bg>
+      <p:bgPr>
+        <a:solidFill>
+          <a:schemeClr val="bg1"/>
+        </a:solidFill>
+        <a:effectLst/>
+      </p:bgPr>
+    </p:bg>
+    <p:spTree>
+      <p:nvGrpSpPr>
+        <p:cNvPr id="1" name="">
+          <a:extLst>
+            <a:ext uri="{FF2B5EF4-FFF2-40B4-BE49-F238E27FC236}">
+              <a16:creationId xmlns:a16="http://schemas.microsoft.com/office/drawing/2014/main" id="{8D9ED136-A85B-0824-E4F8-21B9CD5512C6}"/>
+            </a:ext>
+          </a:extLst>
+        </p:cNvPr>
+        <p:cNvGrpSpPr/>
+        <p:nvPr/>
+      </p:nvGrpSpPr>
+      <p:grpSpPr>
+        <a:xfrm>
+          <a:off x="0" y="0"/>
+          <a:ext cx="0" cy="0"/>
+          <a:chOff x="0" y="0"/>
+          <a:chExt cx="0" cy="0"/>
+        </a:xfrm>
+      </p:grpSpPr>
+      <p:sp>
+        <p:nvSpPr>
+          <p:cNvPr id="8" name="Rectangle 7">
+            <a:extLst>
+              <a:ext uri="{FF2B5EF4-FFF2-40B4-BE49-F238E27FC236}">
+                <a16:creationId xmlns:a16="http://schemas.microsoft.com/office/drawing/2014/main" id="{7A7BBAEB-F62F-C53A-3915-9A6E8C59B122}"/>
+              </a:ext>
+              <a:ext uri="{C183D7F6-B498-43B3-948B-1728B52AA6E4}">
+                <adec:decorative xmlns:adec="http://schemas.microsoft.com/office/drawing/2017/decorative" val="1"/>
+              </a:ext>
+            </a:extLst>
+          </p:cNvPr>
+          <p:cNvSpPr>
+            <a:spLocks noGrp="1" noRot="1" noChangeAspect="1" noMove="1" noResize="1" noEditPoints="1" noAdjustHandles="1" noChangeArrowheads="1" noChangeShapeType="1" noTextEdit="1"/>
+          </p:cNvSpPr>
+          <p:nvPr>
+            <p:extLst>
+              <p:ext uri="{386F3935-93C4-4BCD-93E2-E3B085C9AB24}">
+                <p16:designElem xmlns:p16="http://schemas.microsoft.com/office/powerpoint/2015/main" val="1"/>
+              </p:ext>
+            </p:extLst>
+          </p:nvPr>
+        </p:nvSpPr>
+        <p:spPr>
+          <a:xfrm>
+            <a:off x="0" y="0"/>
+            <a:ext cx="12192000" cy="6858000"/>
+          </a:xfrm>
+          <a:prstGeom prst="rect">
+            <a:avLst/>
+          </a:prstGeom>
+          <a:gradFill flip="none" rotWithShape="1">
+            <a:gsLst>
+              <a:gs pos="0">
+                <a:schemeClr val="accent1"/>
+              </a:gs>
+              <a:gs pos="100000">
+                <a:schemeClr val="accent2"/>
+              </a:gs>
+            </a:gsLst>
+            <a:lin ang="8100000" scaled="0"/>
+            <a:tileRect/>
+          </a:gradFill>
+          <a:ln>
+            <a:noFill/>
+          </a:ln>
+        </p:spPr>
+        <p:style>
+          <a:lnRef idx="2">
+            <a:schemeClr val="accent1">
+              <a:shade val="50000"/>
+            </a:schemeClr>
+          </a:lnRef>
+          <a:fillRef idx="1">
+            <a:schemeClr val="accent1"/>
+          </a:fillRef>
+          <a:effectRef idx="0">
+            <a:schemeClr val="accent1"/>
+          </a:effectRef>
+          <a:fontRef idx="minor">
+            <a:schemeClr val="lt1"/>
+          </a:fontRef>
+        </p:style>
+        <p:txBody>
+          <a:bodyPr rtlCol="0" anchor="ctr"/>
+          <a:lstStyle/>
+          <a:p>
+            <a:pPr algn="ctr"/>
+            <a:endParaRPr lang="en-US">
+              <a:solidFill>
+                <a:srgbClr val="FFFFFF"/>
+              </a:solidFill>
+            </a:endParaRPr>
+          </a:p>
+        </p:txBody>
+      </p:sp>
+      <p:sp>
+        <p:nvSpPr>
+          <p:cNvPr id="10" name="Graphic 13">
+            <a:extLst>
+              <a:ext uri="{FF2B5EF4-FFF2-40B4-BE49-F238E27FC236}">
+                <a16:creationId xmlns:a16="http://schemas.microsoft.com/office/drawing/2014/main" id="{868AB097-9B50-E9D7-894C-14C5BE66378A}"/>
+              </a:ext>
+              <a:ext uri="{C183D7F6-B498-43B3-948B-1728B52AA6E4}">
+                <adec:decorative xmlns:adec="http://schemas.microsoft.com/office/drawing/2017/decorative" val="1"/>
+              </a:ext>
+            </a:extLst>
+          </p:cNvPr>
+          <p:cNvSpPr>
+            <a:spLocks noGrp="1" noRot="1" noChangeAspect="1" noMove="1" noResize="1" noEditPoints="1" noAdjustHandles="1" noChangeArrowheads="1" noChangeShapeType="1" noTextEdit="1"/>
+          </p:cNvSpPr>
+          <p:nvPr>
+            <p:extLst>
+              <p:ext uri="{386F3935-93C4-4BCD-93E2-E3B085C9AB24}">
+                <p16:designElem xmlns:p16="http://schemas.microsoft.com/office/powerpoint/2015/main" val="1"/>
+              </p:ext>
+            </p:extLst>
+          </p:nvPr>
+        </p:nvSpPr>
+        <p:spPr>
+          <a:xfrm>
+            <a:off x="3474359" y="583345"/>
+            <a:ext cx="139039" cy="139039"/>
+          </a:xfrm>
+          <a:custGeom>
+            <a:avLst/>
+            <a:gdLst>
+              <a:gd name="connsiteX0" fmla="*/ 129602 w 139039"/>
+              <a:gd name="connsiteY0" fmla="*/ 60082 h 139039"/>
+              <a:gd name="connsiteX1" fmla="*/ 78957 w 139039"/>
+              <a:gd name="connsiteY1" fmla="*/ 60082 h 139039"/>
+              <a:gd name="connsiteX2" fmla="*/ 78957 w 139039"/>
+              <a:gd name="connsiteY2" fmla="*/ 9437 h 139039"/>
+              <a:gd name="connsiteX3" fmla="*/ 69520 w 139039"/>
+              <a:gd name="connsiteY3" fmla="*/ 0 h 139039"/>
+              <a:gd name="connsiteX4" fmla="*/ 60082 w 139039"/>
+              <a:gd name="connsiteY4" fmla="*/ 9437 h 139039"/>
+              <a:gd name="connsiteX5" fmla="*/ 60082 w 139039"/>
+              <a:gd name="connsiteY5" fmla="*/ 60082 h 139039"/>
+              <a:gd name="connsiteX6" fmla="*/ 9437 w 139039"/>
+              <a:gd name="connsiteY6" fmla="*/ 60082 h 139039"/>
+              <a:gd name="connsiteX7" fmla="*/ 0 w 139039"/>
+              <a:gd name="connsiteY7" fmla="*/ 69520 h 139039"/>
+              <a:gd name="connsiteX8" fmla="*/ 9437 w 139039"/>
+              <a:gd name="connsiteY8" fmla="*/ 78957 h 139039"/>
+              <a:gd name="connsiteX9" fmla="*/ 60082 w 139039"/>
+              <a:gd name="connsiteY9" fmla="*/ 78957 h 139039"/>
+              <a:gd name="connsiteX10" fmla="*/ 60082 w 139039"/>
+              <a:gd name="connsiteY10" fmla="*/ 129602 h 139039"/>
+              <a:gd name="connsiteX11" fmla="*/ 69520 w 139039"/>
+              <a:gd name="connsiteY11" fmla="*/ 139039 h 139039"/>
+              <a:gd name="connsiteX12" fmla="*/ 78957 w 139039"/>
+              <a:gd name="connsiteY12" fmla="*/ 129602 h 139039"/>
+              <a:gd name="connsiteX13" fmla="*/ 78957 w 139039"/>
+              <a:gd name="connsiteY13" fmla="*/ 78957 h 139039"/>
+              <a:gd name="connsiteX14" fmla="*/ 129602 w 139039"/>
+              <a:gd name="connsiteY14" fmla="*/ 78957 h 139039"/>
+              <a:gd name="connsiteX15" fmla="*/ 139039 w 139039"/>
+              <a:gd name="connsiteY15" fmla="*/ 69520 h 139039"/>
+              <a:gd name="connsiteX16" fmla="*/ 129602 w 139039"/>
+              <a:gd name="connsiteY16" fmla="*/ 60082 h 139039"/>
+            </a:gdLst>
+            <a:ahLst/>
+            <a:cxnLst>
+              <a:cxn ang="0">
+                <a:pos x="connsiteX0" y="connsiteY0"/>
+              </a:cxn>
+              <a:cxn ang="0">
+                <a:pos x="connsiteX1" y="connsiteY1"/>
+              </a:cxn>
+              <a:cxn ang="0">
+                <a:pos x="connsiteX2" y="connsiteY2"/>
+              </a:cxn>
+              <a:cxn ang="0">
+                <a:pos x="connsiteX3" y="connsiteY3"/>
+              </a:cxn>
+              <a:cxn ang="0">
+                <a:pos x="connsiteX4" y="connsiteY4"/>
+              </a:cxn>
+              <a:cxn ang="0">
+                <a:pos x="connsiteX5" y="connsiteY5"/>
+              </a:cxn>
+              <a:cxn ang="0">
+                <a:pos x="connsiteX6" y="connsiteY6"/>
+              </a:cxn>
+              <a:cxn ang="0">
+                <a:pos x="connsiteX7" y="connsiteY7"/>
+              </a:cxn>
+              <a:cxn ang="0">
+                <a:pos x="connsiteX8" y="connsiteY8"/>
+              </a:cxn>
+              <a:cxn ang="0">
+                <a:pos x="connsiteX9" y="connsiteY9"/>
+              </a:cxn>
+              <a:cxn ang="0">
+                <a:pos x="connsiteX10" y="connsiteY10"/>
+              </a:cxn>
+              <a:cxn ang="0">
+                <a:pos x="connsiteX11" y="connsiteY11"/>
+              </a:cxn>
+              <a:cxn ang="0">
+                <a:pos x="connsiteX12" y="connsiteY12"/>
+              </a:cxn>
+              <a:cxn ang="0">
+                <a:pos x="connsiteX13" y="connsiteY13"/>
+              </a:cxn>
+              <a:cxn ang="0">
+                <a:pos x="connsiteX14" y="connsiteY14"/>
+              </a:cxn>
+              <a:cxn ang="0">
+                <a:pos x="connsiteX15" y="connsiteY15"/>
+              </a:cxn>
+              <a:cxn ang="0">
+                <a:pos x="connsiteX16" y="connsiteY16"/>
+              </a:cxn>
+            </a:cxnLst>
+            <a:rect l="l" t="t" r="r" b="b"/>
+            <a:pathLst>
+              <a:path w="139039" h="139039">
+                <a:moveTo>
+                  <a:pt x="129602" y="60082"/>
+                </a:moveTo>
+                <a:lnTo>
+                  <a:pt x="78957" y="60082"/>
+                </a:lnTo>
+                <a:lnTo>
+                  <a:pt x="78957" y="9437"/>
+                </a:lnTo>
+                <a:cubicBezTo>
+                  <a:pt x="78957" y="4225"/>
+                  <a:pt x="74731" y="0"/>
+                  <a:pt x="69520" y="0"/>
+                </a:cubicBezTo>
+                <a:cubicBezTo>
+                  <a:pt x="64308" y="0"/>
+                  <a:pt x="60082" y="4225"/>
+                  <a:pt x="60082" y="9437"/>
+                </a:cubicBezTo>
+                <a:lnTo>
+                  <a:pt x="60082" y="60082"/>
+                </a:lnTo>
+                <a:lnTo>
+                  <a:pt x="9437" y="60082"/>
+                </a:lnTo>
+                <a:cubicBezTo>
+                  <a:pt x="4225" y="60082"/>
+                  <a:pt x="0" y="64308"/>
+                  <a:pt x="0" y="69520"/>
+                </a:cubicBezTo>
+                <a:cubicBezTo>
+                  <a:pt x="0" y="74731"/>
+                  <a:pt x="4225" y="78957"/>
+                  <a:pt x="9437" y="78957"/>
+                </a:cubicBezTo>
+                <a:lnTo>
+                  <a:pt x="60082" y="78957"/>
+                </a:lnTo>
+                <a:lnTo>
+                  <a:pt x="60082" y="129602"/>
+                </a:lnTo>
+                <a:cubicBezTo>
+                  <a:pt x="60082" y="134814"/>
+                  <a:pt x="64308" y="139039"/>
+                  <a:pt x="69520" y="139039"/>
+                </a:cubicBezTo>
+                <a:cubicBezTo>
+                  <a:pt x="74731" y="139039"/>
+                  <a:pt x="78957" y="134814"/>
+                  <a:pt x="78957" y="129602"/>
+                </a:cubicBezTo>
+                <a:lnTo>
+                  <a:pt x="78957" y="78957"/>
+                </a:lnTo>
+                <a:lnTo>
+                  <a:pt x="129602" y="78957"/>
+                </a:lnTo>
+                <a:cubicBezTo>
+                  <a:pt x="134814" y="78957"/>
+                  <a:pt x="139039" y="74731"/>
+                  <a:pt x="139039" y="69520"/>
+                </a:cubicBezTo>
+                <a:cubicBezTo>
+                  <a:pt x="139039" y="64308"/>
+                  <a:pt x="134814" y="60082"/>
+                  <a:pt x="129602" y="60082"/>
+                </a:cubicBezTo>
+                <a:close/>
+              </a:path>
+            </a:pathLst>
+          </a:custGeom>
+          <a:solidFill>
+            <a:srgbClr val="FFFFFF"/>
+          </a:solidFill>
+          <a:ln w="603" cap="flat">
+            <a:noFill/>
+            <a:prstDash val="solid"/>
+            <a:miter/>
+          </a:ln>
+        </p:spPr>
+        <p:txBody>
+          <a:bodyPr rtlCol="0" anchor="ctr"/>
+          <a:lstStyle/>
+          <a:p>
+            <a:endParaRPr lang="en-US">
+              <a:solidFill>
+                <a:srgbClr val="FFFFFF"/>
+              </a:solidFill>
+            </a:endParaRPr>
+          </a:p>
+        </p:txBody>
+      </p:sp>
+      <p:sp>
+        <p:nvSpPr>
+          <p:cNvPr id="12" name="Graphic 12">
+            <a:extLst>
+              <a:ext uri="{FF2B5EF4-FFF2-40B4-BE49-F238E27FC236}">
+                <a16:creationId xmlns:a16="http://schemas.microsoft.com/office/drawing/2014/main" id="{35B8CC1F-7F92-E423-F415-5049FAD744EE}"/>
+              </a:ext>
+              <a:ext uri="{C183D7F6-B498-43B3-948B-1728B52AA6E4}">
+                <adec:decorative xmlns:adec="http://schemas.microsoft.com/office/drawing/2017/decorative" val="1"/>
+              </a:ext>
+            </a:extLst>
+          </p:cNvPr>
+          <p:cNvSpPr>
+            <a:spLocks noGrp="1" noRot="1" noChangeAspect="1" noMove="1" noResize="1" noEditPoints="1" noAdjustHandles="1" noChangeArrowheads="1" noChangeShapeType="1" noTextEdit="1"/>
+          </p:cNvSpPr>
+          <p:nvPr>
+            <p:extLst>
+              <p:ext uri="{386F3935-93C4-4BCD-93E2-E3B085C9AB24}">
+                <p16:designElem xmlns:p16="http://schemas.microsoft.com/office/powerpoint/2015/main" val="1"/>
+              </p:ext>
+            </p:extLst>
+          </p:nvPr>
+        </p:nvSpPr>
+        <p:spPr>
+          <a:xfrm>
+            <a:off x="3833139" y="812640"/>
+            <a:ext cx="91138" cy="91138"/>
+          </a:xfrm>
+          <a:custGeom>
+            <a:avLst/>
+            <a:gdLst>
+              <a:gd name="connsiteX0" fmla="*/ 91138 w 91138"/>
+              <a:gd name="connsiteY0" fmla="*/ 45569 h 91138"/>
+              <a:gd name="connsiteX1" fmla="*/ 45569 w 91138"/>
+              <a:gd name="connsiteY1" fmla="*/ 91138 h 91138"/>
+              <a:gd name="connsiteX2" fmla="*/ 0 w 91138"/>
+              <a:gd name="connsiteY2" fmla="*/ 45569 h 91138"/>
+              <a:gd name="connsiteX3" fmla="*/ 45569 w 91138"/>
+              <a:gd name="connsiteY3" fmla="*/ 0 h 91138"/>
+              <a:gd name="connsiteX4" fmla="*/ 91138 w 91138"/>
+              <a:gd name="connsiteY4" fmla="*/ 45569 h 91138"/>
+            </a:gdLst>
+            <a:ahLst/>
+            <a:cxnLst>
+              <a:cxn ang="0">
+                <a:pos x="connsiteX0" y="connsiteY0"/>
+              </a:cxn>
+              <a:cxn ang="0">
+                <a:pos x="connsiteX1" y="connsiteY1"/>
+              </a:cxn>
+              <a:cxn ang="0">
+                <a:pos x="connsiteX2" y="connsiteY2"/>
+              </a:cxn>
+              <a:cxn ang="0">
+                <a:pos x="connsiteX3" y="connsiteY3"/>
+              </a:cxn>
+              <a:cxn ang="0">
+                <a:pos x="connsiteX4" y="connsiteY4"/>
+              </a:cxn>
+            </a:cxnLst>
+            <a:rect l="l" t="t" r="r" b="b"/>
+            <a:pathLst>
+              <a:path w="91138" h="91138">
+                <a:moveTo>
+                  <a:pt x="91138" y="45569"/>
+                </a:moveTo>
+                <a:cubicBezTo>
+                  <a:pt x="91138" y="70736"/>
+                  <a:pt x="70736" y="91138"/>
+                  <a:pt x="45569" y="91138"/>
+                </a:cubicBezTo>
+                <a:cubicBezTo>
+                  <a:pt x="20402" y="91138"/>
+                  <a:pt x="0" y="70736"/>
+                  <a:pt x="0" y="45569"/>
+                </a:cubicBezTo>
+                <a:cubicBezTo>
+                  <a:pt x="0" y="20402"/>
+                  <a:pt x="20402" y="0"/>
+                  <a:pt x="45569" y="0"/>
+                </a:cubicBezTo>
+                <a:cubicBezTo>
+                  <a:pt x="70736" y="0"/>
+                  <a:pt x="91138" y="20402"/>
+                  <a:pt x="91138" y="45569"/>
+                </a:cubicBezTo>
+                <a:close/>
+              </a:path>
+            </a:pathLst>
+          </a:custGeom>
+          <a:solidFill>
+            <a:srgbClr val="FFFFFF"/>
+          </a:solidFill>
+          <a:ln w="422" cap="flat">
+            <a:noFill/>
+            <a:prstDash val="solid"/>
+            <a:miter/>
+          </a:ln>
+        </p:spPr>
+        <p:txBody>
+          <a:bodyPr rtlCol="0" anchor="ctr"/>
+          <a:lstStyle/>
+          <a:p>
+            <a:endParaRPr lang="en-US">
+              <a:solidFill>
+                <a:srgbClr val="FFFFFF"/>
+              </a:solidFill>
+            </a:endParaRPr>
+          </a:p>
+        </p:txBody>
+      </p:sp>
+      <p:sp>
+        <p:nvSpPr>
+          <p:cNvPr id="14" name="Graphic 15">
+            <a:extLst>
+              <a:ext uri="{FF2B5EF4-FFF2-40B4-BE49-F238E27FC236}">
+                <a16:creationId xmlns:a16="http://schemas.microsoft.com/office/drawing/2014/main" id="{9A27BEF1-C8D9-FF49-DAB9-172EB1C69B60}"/>
+              </a:ext>
+              <a:ext uri="{C183D7F6-B498-43B3-948B-1728B52AA6E4}">
+                <adec:decorative xmlns:adec="http://schemas.microsoft.com/office/drawing/2017/decorative" val="1"/>
+              </a:ext>
+            </a:extLst>
+          </p:cNvPr>
+          <p:cNvSpPr>
+            <a:spLocks noGrp="1" noRot="1" noChangeAspect="1" noMove="1" noResize="1" noEditPoints="1" noAdjustHandles="1" noChangeArrowheads="1" noChangeShapeType="1" noTextEdit="1"/>
+          </p:cNvSpPr>
+          <p:nvPr>
+            <p:extLst>
+              <p:ext uri="{386F3935-93C4-4BCD-93E2-E3B085C9AB24}">
+                <p16:designElem xmlns:p16="http://schemas.microsoft.com/office/powerpoint/2015/main" val="1"/>
+              </p:ext>
+            </p:extLst>
+          </p:nvPr>
+        </p:nvSpPr>
+        <p:spPr>
+          <a:xfrm>
+            <a:off x="3458819" y="1037066"/>
+            <a:ext cx="127714" cy="127714"/>
+          </a:xfrm>
+          <a:custGeom>
+            <a:avLst/>
+            <a:gdLst>
+              <a:gd name="connsiteX0" fmla="*/ 63857 w 127714"/>
+              <a:gd name="connsiteY0" fmla="*/ 18874 h 127714"/>
+              <a:gd name="connsiteX1" fmla="*/ 108840 w 127714"/>
+              <a:gd name="connsiteY1" fmla="*/ 63857 h 127714"/>
+              <a:gd name="connsiteX2" fmla="*/ 63857 w 127714"/>
+              <a:gd name="connsiteY2" fmla="*/ 108840 h 127714"/>
+              <a:gd name="connsiteX3" fmla="*/ 18874 w 127714"/>
+              <a:gd name="connsiteY3" fmla="*/ 63857 h 127714"/>
+              <a:gd name="connsiteX4" fmla="*/ 63857 w 127714"/>
+              <a:gd name="connsiteY4" fmla="*/ 18874 h 127714"/>
+              <a:gd name="connsiteX5" fmla="*/ 63857 w 127714"/>
+              <a:gd name="connsiteY5" fmla="*/ 0 h 127714"/>
+              <a:gd name="connsiteX6" fmla="*/ 0 w 127714"/>
+              <a:gd name="connsiteY6" fmla="*/ 63857 h 127714"/>
+              <a:gd name="connsiteX7" fmla="*/ 63857 w 127714"/>
+              <a:gd name="connsiteY7" fmla="*/ 127714 h 127714"/>
+              <a:gd name="connsiteX8" fmla="*/ 127714 w 127714"/>
+              <a:gd name="connsiteY8" fmla="*/ 63857 h 127714"/>
+              <a:gd name="connsiteX9" fmla="*/ 63857 w 127714"/>
+              <a:gd name="connsiteY9" fmla="*/ 0 h 127714"/>
+            </a:gdLst>
+            <a:ahLst/>
+            <a:cxnLst>
+              <a:cxn ang="0">
+                <a:pos x="connsiteX0" y="connsiteY0"/>
+              </a:cxn>
+              <a:cxn ang="0">
+                <a:pos x="connsiteX1" y="connsiteY1"/>
+              </a:cxn>
+              <a:cxn ang="0">
+                <a:pos x="connsiteX2" y="connsiteY2"/>
+              </a:cxn>
+              <a:cxn ang="0">
+                <a:pos x="connsiteX3" y="connsiteY3"/>
+              </a:cxn>
+              <a:cxn ang="0">
+                <a:pos x="connsiteX4" y="connsiteY4"/>
+              </a:cxn>
+              <a:cxn ang="0">
+                <a:pos x="connsiteX5" y="connsiteY5"/>
+              </a:cxn>
+              <a:cxn ang="0">
+                <a:pos x="connsiteX6" y="connsiteY6"/>
+              </a:cxn>
+              <a:cxn ang="0">
+                <a:pos x="connsiteX7" y="connsiteY7"/>
+              </a:cxn>
+              <a:cxn ang="0">
+                <a:pos x="connsiteX8" y="connsiteY8"/>
+              </a:cxn>
+              <a:cxn ang="0">
+                <a:pos x="connsiteX9" y="connsiteY9"/>
+              </a:cxn>
+            </a:cxnLst>
+            <a:rect l="l" t="t" r="r" b="b"/>
+            <a:pathLst>
+              <a:path w="127714" h="127714">
+                <a:moveTo>
+                  <a:pt x="63857" y="18874"/>
+                </a:moveTo>
+                <a:cubicBezTo>
+                  <a:pt x="88700" y="18874"/>
+                  <a:pt x="108840" y="39014"/>
+                  <a:pt x="108840" y="63857"/>
+                </a:cubicBezTo>
+                <a:cubicBezTo>
+                  <a:pt x="108840" y="88700"/>
+                  <a:pt x="88700" y="108840"/>
+                  <a:pt x="63857" y="108840"/>
+                </a:cubicBezTo>
+                <a:cubicBezTo>
+                  <a:pt x="39014" y="108840"/>
+                  <a:pt x="18874" y="88700"/>
+                  <a:pt x="18874" y="63857"/>
+                </a:cubicBezTo>
+                <a:cubicBezTo>
+                  <a:pt x="18898" y="39024"/>
+                  <a:pt x="39024" y="18898"/>
+                  <a:pt x="63857" y="18874"/>
+                </a:cubicBezTo>
+                <a:moveTo>
+                  <a:pt x="63857" y="0"/>
+                </a:moveTo>
+                <a:cubicBezTo>
+                  <a:pt x="28590" y="0"/>
+                  <a:pt x="0" y="28590"/>
+                  <a:pt x="0" y="63857"/>
+                </a:cubicBezTo>
+                <a:cubicBezTo>
+                  <a:pt x="0" y="99124"/>
+                  <a:pt x="28590" y="127714"/>
+                  <a:pt x="63857" y="127714"/>
+                </a:cubicBezTo>
+                <a:cubicBezTo>
+                  <a:pt x="99124" y="127714"/>
+                  <a:pt x="127714" y="99124"/>
+                  <a:pt x="127714" y="63857"/>
+                </a:cubicBezTo>
+                <a:cubicBezTo>
+                  <a:pt x="127714" y="28590"/>
+                  <a:pt x="99124" y="0"/>
+                  <a:pt x="63857" y="0"/>
+                </a:cubicBezTo>
+                <a:close/>
+              </a:path>
+            </a:pathLst>
+          </a:custGeom>
+          <a:solidFill>
+            <a:srgbClr val="FFFFFF"/>
+          </a:solidFill>
+          <a:ln w="610" cap="flat">
+            <a:noFill/>
+            <a:prstDash val="solid"/>
+            <a:miter/>
+          </a:ln>
+        </p:spPr>
+        <p:txBody>
+          <a:bodyPr rtlCol="0" anchor="ctr"/>
+          <a:lstStyle/>
+          <a:p>
+            <a:endParaRPr lang="en-US">
+              <a:solidFill>
+                <a:srgbClr val="FFFFFF"/>
+              </a:solidFill>
+            </a:endParaRPr>
+          </a:p>
+        </p:txBody>
+      </p:sp>
+      <p:cxnSp>
+        <p:nvCxnSpPr>
+          <p:cNvPr id="16" name="Straight Connector 15">
+            <a:extLst>
+              <a:ext uri="{FF2B5EF4-FFF2-40B4-BE49-F238E27FC236}">
+                <a16:creationId xmlns:a16="http://schemas.microsoft.com/office/drawing/2014/main" id="{30F14A8A-C702-637D-04E2-BF16E7D543F5}"/>
+              </a:ext>
+              <a:ext uri="{C183D7F6-B498-43B3-948B-1728B52AA6E4}">
+                <adec:decorative xmlns:adec="http://schemas.microsoft.com/office/drawing/2017/decorative" val="1"/>
+              </a:ext>
+            </a:extLst>
+          </p:cNvPr>
+          <p:cNvCxnSpPr>
+            <a:cxnSpLocks noGrp="1" noRot="1" noChangeAspect="1" noMove="1" noResize="1" noEditPoints="1" noAdjustHandles="1" noChangeArrowheads="1" noChangeShapeType="1"/>
+          </p:cNvCxnSpPr>
+          <p:nvPr>
+            <p:extLst>
+              <p:ext uri="{386F3935-93C4-4BCD-93E2-E3B085C9AB24}">
+                <p16:designElem xmlns:p16="http://schemas.microsoft.com/office/powerpoint/2015/main" val="1"/>
+              </p:ext>
+            </p:extLst>
+          </p:nvPr>
+        </p:nvCxnSpPr>
+        <p:spPr>
+          <a:xfrm>
+            <a:off x="856114" y="3503032"/>
+            <a:ext cx="0" cy="3346090"/>
+          </a:xfrm>
+          <a:prstGeom prst="line">
+            <a:avLst/>
+          </a:prstGeom>
+          <a:ln w="25400" cap="sq">
+            <a:solidFill>
+              <a:srgbClr val="FFFFFF"/>
+            </a:solidFill>
+            <a:bevel/>
+          </a:ln>
+        </p:spPr>
+        <p:style>
+          <a:lnRef idx="1">
+            <a:schemeClr val="accent1"/>
+          </a:lnRef>
+          <a:fillRef idx="0">
+            <a:schemeClr val="accent1"/>
+          </a:fillRef>
+          <a:effectRef idx="0">
+            <a:schemeClr val="accent1"/>
+          </a:effectRef>
+          <a:fontRef idx="minor">
+            <a:schemeClr val="tx1"/>
+          </a:fontRef>
+        </p:style>
+      </p:cxnSp>
+      <p:sp>
+        <p:nvSpPr>
+          <p:cNvPr id="18" name="Graphic 22">
+            <a:extLst>
+              <a:ext uri="{FF2B5EF4-FFF2-40B4-BE49-F238E27FC236}">
+                <a16:creationId xmlns:a16="http://schemas.microsoft.com/office/drawing/2014/main" id="{9407BDFD-CB3E-496A-7D73-5C25AE8DF4D5}"/>
+              </a:ext>
+              <a:ext uri="{C183D7F6-B498-43B3-948B-1728B52AA6E4}">
+                <adec:decorative xmlns:adec="http://schemas.microsoft.com/office/drawing/2017/decorative" val="1"/>
+              </a:ext>
+            </a:extLst>
+          </p:cNvPr>
+          <p:cNvSpPr>
+            <a:spLocks noGrp="1" noRot="1" noChangeAspect="1" noMove="1" noResize="1" noEditPoints="1" noAdjustHandles="1" noChangeArrowheads="1" noChangeShapeType="1" noTextEdit="1"/>
+          </p:cNvSpPr>
+          <p:nvPr>
+            <p:extLst>
+              <p:ext uri="{386F3935-93C4-4BCD-93E2-E3B085C9AB24}">
+                <p16:designElem xmlns:p16="http://schemas.microsoft.com/office/powerpoint/2015/main" val="1"/>
+              </p:ext>
+            </p:extLst>
+          </p:nvPr>
+        </p:nvSpPr>
+        <p:spPr>
+          <a:xfrm>
+            <a:off x="10836425" y="5636680"/>
+            <a:ext cx="151536" cy="151536"/>
+          </a:xfrm>
+          <a:custGeom>
+            <a:avLst/>
+            <a:gdLst>
+              <a:gd name="connsiteX0" fmla="*/ 141251 w 151536"/>
+              <a:gd name="connsiteY0" fmla="*/ 65483 h 151536"/>
+              <a:gd name="connsiteX1" fmla="*/ 86053 w 151536"/>
+              <a:gd name="connsiteY1" fmla="*/ 65483 h 151536"/>
+              <a:gd name="connsiteX2" fmla="*/ 86053 w 151536"/>
+              <a:gd name="connsiteY2" fmla="*/ 10285 h 151536"/>
+              <a:gd name="connsiteX3" fmla="*/ 75768 w 151536"/>
+              <a:gd name="connsiteY3" fmla="*/ 0 h 151536"/>
+              <a:gd name="connsiteX4" fmla="*/ 65483 w 151536"/>
+              <a:gd name="connsiteY4" fmla="*/ 10285 h 151536"/>
+              <a:gd name="connsiteX5" fmla="*/ 65483 w 151536"/>
+              <a:gd name="connsiteY5" fmla="*/ 65483 h 151536"/>
+              <a:gd name="connsiteX6" fmla="*/ 10285 w 151536"/>
+              <a:gd name="connsiteY6" fmla="*/ 65483 h 151536"/>
+              <a:gd name="connsiteX7" fmla="*/ 0 w 151536"/>
+              <a:gd name="connsiteY7" fmla="*/ 75768 h 151536"/>
+              <a:gd name="connsiteX8" fmla="*/ 10285 w 151536"/>
+              <a:gd name="connsiteY8" fmla="*/ 86053 h 151536"/>
+              <a:gd name="connsiteX9" fmla="*/ 65483 w 151536"/>
+              <a:gd name="connsiteY9" fmla="*/ 86053 h 151536"/>
+              <a:gd name="connsiteX10" fmla="*/ 65483 w 151536"/>
+              <a:gd name="connsiteY10" fmla="*/ 141251 h 151536"/>
+              <a:gd name="connsiteX11" fmla="*/ 75768 w 151536"/>
+              <a:gd name="connsiteY11" fmla="*/ 151536 h 151536"/>
+              <a:gd name="connsiteX12" fmla="*/ 86053 w 151536"/>
+              <a:gd name="connsiteY12" fmla="*/ 141251 h 151536"/>
+              <a:gd name="connsiteX13" fmla="*/ 86053 w 151536"/>
+              <a:gd name="connsiteY13" fmla="*/ 86053 h 151536"/>
+              <a:gd name="connsiteX14" fmla="*/ 141251 w 151536"/>
+              <a:gd name="connsiteY14" fmla="*/ 86053 h 151536"/>
+              <a:gd name="connsiteX15" fmla="*/ 151536 w 151536"/>
+              <a:gd name="connsiteY15" fmla="*/ 75768 h 151536"/>
+              <a:gd name="connsiteX16" fmla="*/ 141251 w 151536"/>
+              <a:gd name="connsiteY16" fmla="*/ 65483 h 151536"/>
+            </a:gdLst>
+            <a:ahLst/>
+            <a:cxnLst>
+              <a:cxn ang="0">
+                <a:pos x="connsiteX0" y="connsiteY0"/>
+              </a:cxn>
+              <a:cxn ang="0">
+                <a:pos x="connsiteX1" y="connsiteY1"/>
+              </a:cxn>
+              <a:cxn ang="0">
+                <a:pos x="connsiteX2" y="connsiteY2"/>
+              </a:cxn>
+              <a:cxn ang="0">
+                <a:pos x="connsiteX3" y="connsiteY3"/>
+              </a:cxn>
+              <a:cxn ang="0">
+                <a:pos x="connsiteX4" y="connsiteY4"/>
+              </a:cxn>
+              <a:cxn ang="0">
+                <a:pos x="connsiteX5" y="connsiteY5"/>
+              </a:cxn>
+              <a:cxn ang="0">
+                <a:pos x="connsiteX6" y="connsiteY6"/>
+              </a:cxn>
+              <a:cxn ang="0">
+                <a:pos x="connsiteX7" y="connsiteY7"/>
+              </a:cxn>
+              <a:cxn ang="0">
+                <a:pos x="connsiteX8" y="connsiteY8"/>
+              </a:cxn>
+              <a:cxn ang="0">
+                <a:pos x="connsiteX9" y="connsiteY9"/>
+              </a:cxn>
+              <a:cxn ang="0">
+                <a:pos x="connsiteX10" y="connsiteY10"/>
+              </a:cxn>
+              <a:cxn ang="0">
+                <a:pos x="connsiteX11" y="connsiteY11"/>
+              </a:cxn>
+              <a:cxn ang="0">
+                <a:pos x="connsiteX12" y="connsiteY12"/>
+              </a:cxn>
+              <a:cxn ang="0">
+                <a:pos x="connsiteX13" y="connsiteY13"/>
+              </a:cxn>
+              <a:cxn ang="0">
+                <a:pos x="connsiteX14" y="connsiteY14"/>
+              </a:cxn>
+              <a:cxn ang="0">
+                <a:pos x="connsiteX15" y="connsiteY15"/>
+              </a:cxn>
+              <a:cxn ang="0">
+                <a:pos x="connsiteX16" y="connsiteY16"/>
+              </a:cxn>
+            </a:cxnLst>
+            <a:rect l="l" t="t" r="r" b="b"/>
+            <a:pathLst>
+              <a:path w="151536" h="151536">
+                <a:moveTo>
+                  <a:pt x="141251" y="65483"/>
+                </a:moveTo>
+                <a:lnTo>
+                  <a:pt x="86053" y="65483"/>
+                </a:lnTo>
+                <a:lnTo>
+                  <a:pt x="86053" y="10285"/>
+                </a:lnTo>
+                <a:cubicBezTo>
+                  <a:pt x="86053" y="4605"/>
+                  <a:pt x="81448" y="0"/>
+                  <a:pt x="75768" y="0"/>
+                </a:cubicBezTo>
+                <a:cubicBezTo>
+                  <a:pt x="70088" y="0"/>
+                  <a:pt x="65483" y="4605"/>
+                  <a:pt x="65483" y="10285"/>
+                </a:cubicBezTo>
+                <a:lnTo>
+                  <a:pt x="65483" y="65483"/>
+                </a:lnTo>
+                <a:lnTo>
+                  <a:pt x="10285" y="65483"/>
+                </a:lnTo>
+                <a:cubicBezTo>
+                  <a:pt x="4605" y="65483"/>
+                  <a:pt x="0" y="70088"/>
+                  <a:pt x="0" y="75768"/>
+                </a:cubicBezTo>
+                <a:cubicBezTo>
+                  <a:pt x="0" y="81448"/>
+                  <a:pt x="4605" y="86053"/>
+                  <a:pt x="10285" y="86053"/>
+                </a:cubicBezTo>
+                <a:lnTo>
+                  <a:pt x="65483" y="86053"/>
+                </a:lnTo>
+                <a:lnTo>
+                  <a:pt x="65483" y="141251"/>
+                </a:lnTo>
+                <a:cubicBezTo>
+                  <a:pt x="65483" y="146931"/>
+                  <a:pt x="70088" y="151536"/>
+                  <a:pt x="75768" y="151536"/>
+                </a:cubicBezTo>
+                <a:cubicBezTo>
+                  <a:pt x="81448" y="151536"/>
+                  <a:pt x="86053" y="146931"/>
+                  <a:pt x="86053" y="141251"/>
+                </a:cubicBezTo>
+                <a:lnTo>
+                  <a:pt x="86053" y="86053"/>
+                </a:lnTo>
+                <a:lnTo>
+                  <a:pt x="141251" y="86053"/>
+                </a:lnTo>
+                <a:cubicBezTo>
+                  <a:pt x="146931" y="86053"/>
+                  <a:pt x="151536" y="81448"/>
+                  <a:pt x="151536" y="75768"/>
+                </a:cubicBezTo>
+                <a:cubicBezTo>
+                  <a:pt x="151536" y="70088"/>
+                  <a:pt x="146931" y="65483"/>
+                  <a:pt x="141251" y="65483"/>
+                </a:cubicBezTo>
+                <a:close/>
+              </a:path>
+            </a:pathLst>
+          </a:custGeom>
+          <a:solidFill>
+            <a:srgbClr val="FFFFFF"/>
+          </a:solidFill>
+          <a:ln w="646" cap="flat">
+            <a:noFill/>
+            <a:prstDash val="solid"/>
+            <a:miter/>
+          </a:ln>
+        </p:spPr>
+        <p:txBody>
+          <a:bodyPr rtlCol="0" anchor="ctr"/>
+          <a:lstStyle/>
+          <a:p>
+            <a:endParaRPr lang="en-US">
+              <a:solidFill>
+                <a:srgbClr val="FFFFFF"/>
+              </a:solidFill>
+            </a:endParaRPr>
+          </a:p>
+        </p:txBody>
+      </p:sp>
+      <p:sp>
+        <p:nvSpPr>
+          <p:cNvPr id="20" name="Graphic 23">
+            <a:extLst>
+              <a:ext uri="{FF2B5EF4-FFF2-40B4-BE49-F238E27FC236}">
+                <a16:creationId xmlns:a16="http://schemas.microsoft.com/office/drawing/2014/main" id="{38E4681C-0B34-C501-ABA3-B50B95F9559F}"/>
+              </a:ext>
+              <a:ext uri="{C183D7F6-B498-43B3-948B-1728B52AA6E4}">
+                <adec:decorative xmlns:adec="http://schemas.microsoft.com/office/drawing/2017/decorative" val="1"/>
+              </a:ext>
+            </a:extLst>
+          </p:cNvPr>
+          <p:cNvSpPr>
+            <a:spLocks noGrp="1" noRot="1" noChangeAspect="1" noMove="1" noResize="1" noEditPoints="1" noAdjustHandles="1" noChangeArrowheads="1" noChangeShapeType="1" noTextEdit="1"/>
+          </p:cNvSpPr>
+          <p:nvPr>
+            <p:extLst>
+              <p:ext uri="{386F3935-93C4-4BCD-93E2-E3B085C9AB24}">
+                <p16:designElem xmlns:p16="http://schemas.microsoft.com/office/powerpoint/2015/main" val="1"/>
+              </p:ext>
+            </p:extLst>
+          </p:nvPr>
+        </p:nvSpPr>
+        <p:spPr>
+          <a:xfrm>
+            <a:off x="11245175" y="6096759"/>
+            <a:ext cx="108625" cy="108625"/>
+          </a:xfrm>
+          <a:custGeom>
+            <a:avLst/>
+            <a:gdLst>
+              <a:gd name="connsiteX0" fmla="*/ 54313 w 108625"/>
+              <a:gd name="connsiteY0" fmla="*/ 16053 h 108625"/>
+              <a:gd name="connsiteX1" fmla="*/ 92572 w 108625"/>
+              <a:gd name="connsiteY1" fmla="*/ 54313 h 108625"/>
+              <a:gd name="connsiteX2" fmla="*/ 54313 w 108625"/>
+              <a:gd name="connsiteY2" fmla="*/ 92572 h 108625"/>
+              <a:gd name="connsiteX3" fmla="*/ 16053 w 108625"/>
+              <a:gd name="connsiteY3" fmla="*/ 54313 h 108625"/>
+              <a:gd name="connsiteX4" fmla="*/ 54313 w 108625"/>
+              <a:gd name="connsiteY4" fmla="*/ 16053 h 108625"/>
+              <a:gd name="connsiteX5" fmla="*/ 54313 w 108625"/>
+              <a:gd name="connsiteY5" fmla="*/ 0 h 108625"/>
+              <a:gd name="connsiteX6" fmla="*/ 0 w 108625"/>
+              <a:gd name="connsiteY6" fmla="*/ 54313 h 108625"/>
+              <a:gd name="connsiteX7" fmla="*/ 54313 w 108625"/>
+              <a:gd name="connsiteY7" fmla="*/ 108625 h 108625"/>
+              <a:gd name="connsiteX8" fmla="*/ 108625 w 108625"/>
+              <a:gd name="connsiteY8" fmla="*/ 54313 h 108625"/>
+              <a:gd name="connsiteX9" fmla="*/ 54313 w 108625"/>
+              <a:gd name="connsiteY9" fmla="*/ 0 h 108625"/>
+            </a:gdLst>
+            <a:ahLst/>
+            <a:cxnLst>
+              <a:cxn ang="0">
+                <a:pos x="connsiteX0" y="connsiteY0"/>
+              </a:cxn>
+              <a:cxn ang="0">
+                <a:pos x="connsiteX1" y="connsiteY1"/>
+              </a:cxn>
+              <a:cxn ang="0">
+                <a:pos x="connsiteX2" y="connsiteY2"/>
+              </a:cxn>
+              <a:cxn ang="0">
+                <a:pos x="connsiteX3" y="connsiteY3"/>
+              </a:cxn>
+              <a:cxn ang="0">
+                <a:pos x="connsiteX4" y="connsiteY4"/>
+              </a:cxn>
+              <a:cxn ang="0">
+                <a:pos x="connsiteX5" y="connsiteY5"/>
+              </a:cxn>
+              <a:cxn ang="0">
+                <a:pos x="connsiteX6" y="connsiteY6"/>
+              </a:cxn>
+              <a:cxn ang="0">
+                <a:pos x="connsiteX7" y="connsiteY7"/>
+              </a:cxn>
+              <a:cxn ang="0">
+                <a:pos x="connsiteX8" y="connsiteY8"/>
+              </a:cxn>
+              <a:cxn ang="0">
+                <a:pos x="connsiteX9" y="connsiteY9"/>
+              </a:cxn>
+            </a:cxnLst>
+            <a:rect l="l" t="t" r="r" b="b"/>
+            <a:pathLst>
+              <a:path w="108625" h="108625">
+                <a:moveTo>
+                  <a:pt x="54313" y="16053"/>
+                </a:moveTo>
+                <a:cubicBezTo>
+                  <a:pt x="75442" y="16053"/>
+                  <a:pt x="92572" y="33182"/>
+                  <a:pt x="92572" y="54313"/>
+                </a:cubicBezTo>
+                <a:cubicBezTo>
+                  <a:pt x="92572" y="75442"/>
+                  <a:pt x="75442" y="92572"/>
+                  <a:pt x="54313" y="92572"/>
+                </a:cubicBezTo>
+                <a:cubicBezTo>
+                  <a:pt x="33182" y="92572"/>
+                  <a:pt x="16053" y="75442"/>
+                  <a:pt x="16053" y="54313"/>
+                </a:cubicBezTo>
+                <a:cubicBezTo>
+                  <a:pt x="16074" y="33191"/>
+                  <a:pt x="33191" y="16074"/>
+                  <a:pt x="54313" y="16053"/>
+                </a:cubicBezTo>
+                <a:moveTo>
+                  <a:pt x="54313" y="0"/>
+                </a:moveTo>
+                <a:cubicBezTo>
+                  <a:pt x="24317" y="0"/>
+                  <a:pt x="0" y="24317"/>
+                  <a:pt x="0" y="54313"/>
+                </a:cubicBezTo>
+                <a:cubicBezTo>
+                  <a:pt x="0" y="84309"/>
+                  <a:pt x="24317" y="108625"/>
+                  <a:pt x="54313" y="108625"/>
+                </a:cubicBezTo>
+                <a:cubicBezTo>
+                  <a:pt x="84309" y="108625"/>
+                  <a:pt x="108625" y="84309"/>
+                  <a:pt x="108625" y="54313"/>
+                </a:cubicBezTo>
+                <a:cubicBezTo>
+                  <a:pt x="108625" y="24317"/>
+                  <a:pt x="84309" y="0"/>
+                  <a:pt x="54313" y="0"/>
+                </a:cubicBezTo>
+                <a:close/>
+              </a:path>
+            </a:pathLst>
+          </a:custGeom>
+          <a:solidFill>
+            <a:srgbClr val="FFFFFF"/>
+          </a:solidFill>
+          <a:ln w="516" cap="flat">
+            <a:noFill/>
+            <a:prstDash val="solid"/>
+            <a:miter/>
+          </a:ln>
+        </p:spPr>
+        <p:txBody>
+          <a:bodyPr rtlCol="0" anchor="ctr"/>
+          <a:lstStyle/>
+          <a:p>
+            <a:endParaRPr lang="en-US">
+              <a:solidFill>
+                <a:srgbClr val="FFFFFF"/>
+              </a:solidFill>
+            </a:endParaRPr>
+          </a:p>
+        </p:txBody>
+      </p:sp>
+      <p:sp>
+        <p:nvSpPr>
+          <p:cNvPr id="22" name="Graphic 21">
+            <a:extLst>
+              <a:ext uri="{FF2B5EF4-FFF2-40B4-BE49-F238E27FC236}">
+                <a16:creationId xmlns:a16="http://schemas.microsoft.com/office/drawing/2014/main" id="{354BE576-1827-07ED-BA16-6207C030DB77}"/>
+              </a:ext>
+              <a:ext uri="{C183D7F6-B498-43B3-948B-1728B52AA6E4}">
+                <adec:decorative xmlns:adec="http://schemas.microsoft.com/office/drawing/2017/decorative" val="1"/>
+              </a:ext>
+            </a:extLst>
+          </p:cNvPr>
+          <p:cNvSpPr>
+            <a:spLocks noGrp="1" noRot="1" noChangeAspect="1" noMove="1" noResize="1" noEditPoints="1" noAdjustHandles="1" noChangeArrowheads="1" noChangeShapeType="1" noTextEdit="1"/>
+          </p:cNvSpPr>
+          <p:nvPr>
+            <p:extLst>
+              <p:ext uri="{386F3935-93C4-4BCD-93E2-E3B085C9AB24}">
+                <p16:designElem xmlns:p16="http://schemas.microsoft.com/office/powerpoint/2015/main" val="1"/>
+              </p:ext>
+            </p:extLst>
+          </p:nvPr>
+        </p:nvSpPr>
+        <p:spPr>
+          <a:xfrm>
+            <a:off x="10554288" y="6238029"/>
+            <a:ext cx="95759" cy="95759"/>
+          </a:xfrm>
+          <a:custGeom>
+            <a:avLst/>
+            <a:gdLst>
+              <a:gd name="connsiteX0" fmla="*/ 95759 w 95759"/>
+              <a:gd name="connsiteY0" fmla="*/ 47880 h 95759"/>
+              <a:gd name="connsiteX1" fmla="*/ 47880 w 95759"/>
+              <a:gd name="connsiteY1" fmla="*/ 95759 h 95759"/>
+              <a:gd name="connsiteX2" fmla="*/ 0 w 95759"/>
+              <a:gd name="connsiteY2" fmla="*/ 47880 h 95759"/>
+              <a:gd name="connsiteX3" fmla="*/ 47880 w 95759"/>
+              <a:gd name="connsiteY3" fmla="*/ 0 h 95759"/>
+              <a:gd name="connsiteX4" fmla="*/ 95759 w 95759"/>
+              <a:gd name="connsiteY4" fmla="*/ 47880 h 95759"/>
+            </a:gdLst>
+            <a:ahLst/>
+            <a:cxnLst>
+              <a:cxn ang="0">
+                <a:pos x="connsiteX0" y="connsiteY0"/>
+              </a:cxn>
+              <a:cxn ang="0">
+                <a:pos x="connsiteX1" y="connsiteY1"/>
+              </a:cxn>
+              <a:cxn ang="0">
+                <a:pos x="connsiteX2" y="connsiteY2"/>
+              </a:cxn>
+              <a:cxn ang="0">
+                <a:pos x="connsiteX3" y="connsiteY3"/>
+              </a:cxn>
+              <a:cxn ang="0">
+                <a:pos x="connsiteX4" y="connsiteY4"/>
+              </a:cxn>
+            </a:cxnLst>
+            <a:rect l="l" t="t" r="r" b="b"/>
+            <a:pathLst>
+              <a:path w="95759" h="95759">
+                <a:moveTo>
+                  <a:pt x="95759" y="47880"/>
+                </a:moveTo>
+                <a:cubicBezTo>
+                  <a:pt x="95759" y="74323"/>
+                  <a:pt x="74323" y="95759"/>
+                  <a:pt x="47880" y="95759"/>
+                </a:cubicBezTo>
+                <a:cubicBezTo>
+                  <a:pt x="21436" y="95759"/>
+                  <a:pt x="0" y="74323"/>
+                  <a:pt x="0" y="47880"/>
+                </a:cubicBezTo>
+                <a:cubicBezTo>
+                  <a:pt x="0" y="21436"/>
+                  <a:pt x="21436" y="0"/>
+                  <a:pt x="47880" y="0"/>
+                </a:cubicBezTo>
+                <a:cubicBezTo>
+                  <a:pt x="74323" y="0"/>
+                  <a:pt x="95759" y="21436"/>
+                  <a:pt x="95759" y="47880"/>
+                </a:cubicBezTo>
+                <a:close/>
+              </a:path>
+            </a:pathLst>
+          </a:custGeom>
+          <a:solidFill>
+            <a:srgbClr val="FFFFFF"/>
+          </a:solidFill>
+          <a:ln w="469" cap="flat">
+            <a:noFill/>
+            <a:prstDash val="solid"/>
+            <a:miter/>
+          </a:ln>
+        </p:spPr>
+        <p:txBody>
+          <a:bodyPr rtlCol="0" anchor="ctr"/>
+          <a:lstStyle/>
+          <a:p>
+            <a:endParaRPr lang="en-US">
+              <a:solidFill>
+                <a:srgbClr val="FFFFFF"/>
+              </a:solidFill>
+            </a:endParaRPr>
+          </a:p>
+        </p:txBody>
+      </p:sp>
+      <p:sp>
+        <p:nvSpPr>
+          <p:cNvPr id="2" name="Título 1">
+            <a:extLst>
+              <a:ext uri="{FF2B5EF4-FFF2-40B4-BE49-F238E27FC236}">
+                <a16:creationId xmlns:a16="http://schemas.microsoft.com/office/drawing/2014/main" id="{98CD7A3D-8340-6E7F-FEEC-E0FB87032817}"/>
+              </a:ext>
+            </a:extLst>
+          </p:cNvPr>
+          <p:cNvSpPr>
+            <a:spLocks noGrp="1"/>
+          </p:cNvSpPr>
+          <p:nvPr>
+            <p:ph type="title"/>
+          </p:nvPr>
+        </p:nvSpPr>
+        <p:spPr>
+          <a:xfrm>
+            <a:off x="3880430" y="583345"/>
+            <a:ext cx="7160357" cy="4164820"/>
+          </a:xfrm>
+        </p:spPr>
+        <p:txBody>
+          <a:bodyPr vert="horz" lIns="91440" tIns="45720" rIns="91440" bIns="45720" rtlCol="0" anchor="t">
+            <a:normAutofit/>
+          </a:bodyPr>
+          <a:lstStyle/>
+          <a:p>
+            <a:pPr algn="r"/>
+            <a:r>
+              <a:rPr lang="en-US" sz="4000" kern="1200" dirty="0">
+                <a:solidFill>
+                  <a:srgbClr val="000000"/>
+                </a:solidFill>
+                <a:latin typeface="Verdana" panose="020B0604030504040204" pitchFamily="34" charset="0"/>
+                <a:ea typeface="+mj-ea"/>
+                <a:cs typeface="+mj-cs"/>
+              </a:rPr>
+              <a:t>Thank you</a:t>
+            </a:r>
+            <a:endParaRPr lang="en-US" sz="8000" kern="1200" dirty="0">
+              <a:solidFill>
+                <a:srgbClr val="FFFFFF"/>
+              </a:solidFill>
+              <a:latin typeface="+mj-lt"/>
+              <a:ea typeface="+mj-ea"/>
+              <a:cs typeface="+mj-cs"/>
+            </a:endParaRPr>
+          </a:p>
+        </p:txBody>
+      </p:sp>
+    </p:spTree>
+    <p:extLst>
+      <p:ext uri="{BB962C8B-B14F-4D97-AF65-F5344CB8AC3E}">
+        <p14:creationId xmlns:p14="http://schemas.microsoft.com/office/powerpoint/2010/main" val="2845074718"/>
+      </p:ext>
+    </p:extLst>
+  </p:cSld>
+  <p:clrMapOvr>
+    <a:masterClrMapping/>
+  </p:clrMapOvr>
+</p:sld>
+</file>
+
 <file path=ppt/slides/slide2.xml><?xml version="1.0" encoding="utf-8"?>
 <p:sld xmlns:a="http://schemas.openxmlformats.org/drawingml/2006/main" xmlns:r="http://schemas.openxmlformats.org/officeDocument/2006/relationships" xmlns:p="http://schemas.openxmlformats.org/presentationml/2006/main">
   <p:cSld>
@@ -8278,6 +13233,78 @@
           </a:prstGeom>
         </p:spPr>
       </p:pic>
+      <p:cxnSp>
+        <p:nvCxnSpPr>
+          <p:cNvPr id="6" name="Conector reto 5">
+            <a:extLst>
+              <a:ext uri="{FF2B5EF4-FFF2-40B4-BE49-F238E27FC236}">
+                <a16:creationId xmlns:a16="http://schemas.microsoft.com/office/drawing/2014/main" id="{5E9E6600-6C4F-B1E9-BF52-E6E1A9AD5B13}"/>
+              </a:ext>
+            </a:extLst>
+          </p:cNvPr>
+          <p:cNvCxnSpPr/>
+          <p:nvPr/>
+        </p:nvCxnSpPr>
+        <p:spPr>
+          <a:xfrm>
+            <a:off x="699247" y="667871"/>
+            <a:ext cx="9435353" cy="5939117"/>
+          </a:xfrm>
+          <a:prstGeom prst="line">
+            <a:avLst/>
+          </a:prstGeom>
+        </p:spPr>
+        <p:style>
+          <a:lnRef idx="2">
+            <a:schemeClr val="accent3"/>
+          </a:lnRef>
+          <a:fillRef idx="0">
+            <a:schemeClr val="accent3"/>
+          </a:fillRef>
+          <a:effectRef idx="1">
+            <a:schemeClr val="accent3"/>
+          </a:effectRef>
+          <a:fontRef idx="minor">
+            <a:schemeClr val="tx1"/>
+          </a:fontRef>
+        </p:style>
+      </p:cxnSp>
+      <p:cxnSp>
+        <p:nvCxnSpPr>
+          <p:cNvPr id="9" name="Conector reto 8">
+            <a:extLst>
+              <a:ext uri="{FF2B5EF4-FFF2-40B4-BE49-F238E27FC236}">
+                <a16:creationId xmlns:a16="http://schemas.microsoft.com/office/drawing/2014/main" id="{5E0BE1EF-E078-AA7D-6A75-7B3BDE9CC4BD}"/>
+              </a:ext>
+            </a:extLst>
+          </p:cNvPr>
+          <p:cNvCxnSpPr/>
+          <p:nvPr/>
+        </p:nvCxnSpPr>
+        <p:spPr>
+          <a:xfrm flipV="1">
+            <a:off x="319835" y="467451"/>
+            <a:ext cx="10330212" cy="5998956"/>
+          </a:xfrm>
+          <a:prstGeom prst="line">
+            <a:avLst/>
+          </a:prstGeom>
+        </p:spPr>
+        <p:style>
+          <a:lnRef idx="3">
+            <a:schemeClr val="accent3"/>
+          </a:lnRef>
+          <a:fillRef idx="0">
+            <a:schemeClr val="accent3"/>
+          </a:fillRef>
+          <a:effectRef idx="2">
+            <a:schemeClr val="accent3"/>
+          </a:effectRef>
+          <a:fontRef idx="minor">
+            <a:schemeClr val="tx1"/>
+          </a:fontRef>
+        </p:style>
+      </p:cxnSp>
     </p:spTree>
     <p:extLst>
       <p:ext uri="{BB962C8B-B14F-4D97-AF65-F5344CB8AC3E}">
@@ -10808,7 +15835,7 @@
         </p:blipFill>
         <p:spPr>
           <a:xfrm>
-            <a:off x="1047724" y="1776004"/>
+            <a:off x="1080528" y="2099939"/>
             <a:ext cx="10561095" cy="4429380"/>
           </a:xfrm>
           <a:prstGeom prst="rect">
@@ -11997,7 +17024,7 @@
                 <a:ea typeface="+mj-ea"/>
                 <a:cs typeface="+mj-cs"/>
               </a:rPr>
-              <a:t>Thank you</a:t>
+              <a:t>A Simple Example</a:t>
             </a:r>
             <a:endParaRPr lang="en-US" sz="8000" kern="1200" dirty="0">
               <a:solidFill>
@@ -12010,10 +17037,2509 @@
           </a:p>
         </p:txBody>
       </p:sp>
+      <p:pic>
+        <p:nvPicPr>
+          <p:cNvPr id="4" name="Imagem 3">
+            <a:extLst>
+              <a:ext uri="{FF2B5EF4-FFF2-40B4-BE49-F238E27FC236}">
+                <a16:creationId xmlns:a16="http://schemas.microsoft.com/office/drawing/2014/main" id="{EF59F8E2-C524-997E-F65C-C2A625791564}"/>
+              </a:ext>
+            </a:extLst>
+          </p:cNvPr>
+          <p:cNvPicPr>
+            <a:picLocks noChangeAspect="1"/>
+          </p:cNvPicPr>
+          <p:nvPr/>
+        </p:nvPicPr>
+        <p:blipFill>
+          <a:blip r:embed="rId2"/>
+          <a:stretch>
+            <a:fillRect/>
+          </a:stretch>
+        </p:blipFill>
+        <p:spPr>
+          <a:xfrm>
+            <a:off x="1039173" y="1218460"/>
+            <a:ext cx="6549451" cy="5529167"/>
+          </a:xfrm>
+          <a:prstGeom prst="rect">
+            <a:avLst/>
+          </a:prstGeom>
+        </p:spPr>
+      </p:pic>
     </p:spTree>
     <p:extLst>
       <p:ext uri="{BB962C8B-B14F-4D97-AF65-F5344CB8AC3E}">
         <p14:creationId xmlns:p14="http://schemas.microsoft.com/office/powerpoint/2010/main" val="877041061"/>
+      </p:ext>
+    </p:extLst>
+  </p:cSld>
+  <p:clrMapOvr>
+    <a:masterClrMapping/>
+  </p:clrMapOvr>
+</p:sld>
+</file>
+
+<file path=ppt/slides/slide8.xml><?xml version="1.0" encoding="utf-8"?>
+<p:sld xmlns:a="http://schemas.openxmlformats.org/drawingml/2006/main" xmlns:r="http://schemas.openxmlformats.org/officeDocument/2006/relationships" xmlns:p="http://schemas.openxmlformats.org/presentationml/2006/main">
+  <p:cSld>
+    <p:bg>
+      <p:bgPr>
+        <a:solidFill>
+          <a:schemeClr val="bg1"/>
+        </a:solidFill>
+        <a:effectLst/>
+      </p:bgPr>
+    </p:bg>
+    <p:spTree>
+      <p:nvGrpSpPr>
+        <p:cNvPr id="1" name="">
+          <a:extLst>
+            <a:ext uri="{FF2B5EF4-FFF2-40B4-BE49-F238E27FC236}">
+              <a16:creationId xmlns:a16="http://schemas.microsoft.com/office/drawing/2014/main" id="{69C22EF9-920D-7F21-CA21-1E1930BDC8A2}"/>
+            </a:ext>
+          </a:extLst>
+        </p:cNvPr>
+        <p:cNvGrpSpPr/>
+        <p:nvPr/>
+      </p:nvGrpSpPr>
+      <p:grpSpPr>
+        <a:xfrm>
+          <a:off x="0" y="0"/>
+          <a:ext cx="0" cy="0"/>
+          <a:chOff x="0" y="0"/>
+          <a:chExt cx="0" cy="0"/>
+        </a:xfrm>
+      </p:grpSpPr>
+      <p:sp>
+        <p:nvSpPr>
+          <p:cNvPr id="8" name="Rectangle 7">
+            <a:extLst>
+              <a:ext uri="{FF2B5EF4-FFF2-40B4-BE49-F238E27FC236}">
+                <a16:creationId xmlns:a16="http://schemas.microsoft.com/office/drawing/2014/main" id="{D2C04EA5-A7C4-6B1E-A62E-A66B7D6457DA}"/>
+              </a:ext>
+              <a:ext uri="{C183D7F6-B498-43B3-948B-1728B52AA6E4}">
+                <adec:decorative xmlns:adec="http://schemas.microsoft.com/office/drawing/2017/decorative" val="1"/>
+              </a:ext>
+            </a:extLst>
+          </p:cNvPr>
+          <p:cNvSpPr>
+            <a:spLocks noGrp="1" noRot="1" noChangeAspect="1" noMove="1" noResize="1" noEditPoints="1" noAdjustHandles="1" noChangeArrowheads="1" noChangeShapeType="1" noTextEdit="1"/>
+          </p:cNvSpPr>
+          <p:nvPr>
+            <p:extLst>
+              <p:ext uri="{386F3935-93C4-4BCD-93E2-E3B085C9AB24}">
+                <p16:designElem xmlns:p16="http://schemas.microsoft.com/office/powerpoint/2015/main" val="1"/>
+              </p:ext>
+            </p:extLst>
+          </p:nvPr>
+        </p:nvSpPr>
+        <p:spPr>
+          <a:xfrm>
+            <a:off x="0" y="0"/>
+            <a:ext cx="12192000" cy="6858000"/>
+          </a:xfrm>
+          <a:prstGeom prst="rect">
+            <a:avLst/>
+          </a:prstGeom>
+          <a:gradFill flip="none" rotWithShape="1">
+            <a:gsLst>
+              <a:gs pos="0">
+                <a:schemeClr val="accent1"/>
+              </a:gs>
+              <a:gs pos="100000">
+                <a:schemeClr val="accent2"/>
+              </a:gs>
+            </a:gsLst>
+            <a:lin ang="8100000" scaled="0"/>
+            <a:tileRect/>
+          </a:gradFill>
+          <a:ln>
+            <a:noFill/>
+          </a:ln>
+        </p:spPr>
+        <p:style>
+          <a:lnRef idx="2">
+            <a:schemeClr val="accent1">
+              <a:shade val="50000"/>
+            </a:schemeClr>
+          </a:lnRef>
+          <a:fillRef idx="1">
+            <a:schemeClr val="accent1"/>
+          </a:fillRef>
+          <a:effectRef idx="0">
+            <a:schemeClr val="accent1"/>
+          </a:effectRef>
+          <a:fontRef idx="minor">
+            <a:schemeClr val="lt1"/>
+          </a:fontRef>
+        </p:style>
+        <p:txBody>
+          <a:bodyPr rtlCol="0" anchor="ctr"/>
+          <a:lstStyle/>
+          <a:p>
+            <a:pPr algn="ctr"/>
+            <a:endParaRPr lang="en-US">
+              <a:solidFill>
+                <a:srgbClr val="FFFFFF"/>
+              </a:solidFill>
+            </a:endParaRPr>
+          </a:p>
+        </p:txBody>
+      </p:sp>
+      <p:sp>
+        <p:nvSpPr>
+          <p:cNvPr id="10" name="Graphic 13">
+            <a:extLst>
+              <a:ext uri="{FF2B5EF4-FFF2-40B4-BE49-F238E27FC236}">
+                <a16:creationId xmlns:a16="http://schemas.microsoft.com/office/drawing/2014/main" id="{AE33A9A7-D2C0-63BE-12F7-C733A2410B99}"/>
+              </a:ext>
+              <a:ext uri="{C183D7F6-B498-43B3-948B-1728B52AA6E4}">
+                <adec:decorative xmlns:adec="http://schemas.microsoft.com/office/drawing/2017/decorative" val="1"/>
+              </a:ext>
+            </a:extLst>
+          </p:cNvPr>
+          <p:cNvSpPr>
+            <a:spLocks noGrp="1" noRot="1" noChangeAspect="1" noMove="1" noResize="1" noEditPoints="1" noAdjustHandles="1" noChangeArrowheads="1" noChangeShapeType="1" noTextEdit="1"/>
+          </p:cNvSpPr>
+          <p:nvPr>
+            <p:extLst>
+              <p:ext uri="{386F3935-93C4-4BCD-93E2-E3B085C9AB24}">
+                <p16:designElem xmlns:p16="http://schemas.microsoft.com/office/powerpoint/2015/main" val="1"/>
+              </p:ext>
+            </p:extLst>
+          </p:nvPr>
+        </p:nvSpPr>
+        <p:spPr>
+          <a:xfrm>
+            <a:off x="3474359" y="583345"/>
+            <a:ext cx="139039" cy="139039"/>
+          </a:xfrm>
+          <a:custGeom>
+            <a:avLst/>
+            <a:gdLst>
+              <a:gd name="connsiteX0" fmla="*/ 129602 w 139039"/>
+              <a:gd name="connsiteY0" fmla="*/ 60082 h 139039"/>
+              <a:gd name="connsiteX1" fmla="*/ 78957 w 139039"/>
+              <a:gd name="connsiteY1" fmla="*/ 60082 h 139039"/>
+              <a:gd name="connsiteX2" fmla="*/ 78957 w 139039"/>
+              <a:gd name="connsiteY2" fmla="*/ 9437 h 139039"/>
+              <a:gd name="connsiteX3" fmla="*/ 69520 w 139039"/>
+              <a:gd name="connsiteY3" fmla="*/ 0 h 139039"/>
+              <a:gd name="connsiteX4" fmla="*/ 60082 w 139039"/>
+              <a:gd name="connsiteY4" fmla="*/ 9437 h 139039"/>
+              <a:gd name="connsiteX5" fmla="*/ 60082 w 139039"/>
+              <a:gd name="connsiteY5" fmla="*/ 60082 h 139039"/>
+              <a:gd name="connsiteX6" fmla="*/ 9437 w 139039"/>
+              <a:gd name="connsiteY6" fmla="*/ 60082 h 139039"/>
+              <a:gd name="connsiteX7" fmla="*/ 0 w 139039"/>
+              <a:gd name="connsiteY7" fmla="*/ 69520 h 139039"/>
+              <a:gd name="connsiteX8" fmla="*/ 9437 w 139039"/>
+              <a:gd name="connsiteY8" fmla="*/ 78957 h 139039"/>
+              <a:gd name="connsiteX9" fmla="*/ 60082 w 139039"/>
+              <a:gd name="connsiteY9" fmla="*/ 78957 h 139039"/>
+              <a:gd name="connsiteX10" fmla="*/ 60082 w 139039"/>
+              <a:gd name="connsiteY10" fmla="*/ 129602 h 139039"/>
+              <a:gd name="connsiteX11" fmla="*/ 69520 w 139039"/>
+              <a:gd name="connsiteY11" fmla="*/ 139039 h 139039"/>
+              <a:gd name="connsiteX12" fmla="*/ 78957 w 139039"/>
+              <a:gd name="connsiteY12" fmla="*/ 129602 h 139039"/>
+              <a:gd name="connsiteX13" fmla="*/ 78957 w 139039"/>
+              <a:gd name="connsiteY13" fmla="*/ 78957 h 139039"/>
+              <a:gd name="connsiteX14" fmla="*/ 129602 w 139039"/>
+              <a:gd name="connsiteY14" fmla="*/ 78957 h 139039"/>
+              <a:gd name="connsiteX15" fmla="*/ 139039 w 139039"/>
+              <a:gd name="connsiteY15" fmla="*/ 69520 h 139039"/>
+              <a:gd name="connsiteX16" fmla="*/ 129602 w 139039"/>
+              <a:gd name="connsiteY16" fmla="*/ 60082 h 139039"/>
+            </a:gdLst>
+            <a:ahLst/>
+            <a:cxnLst>
+              <a:cxn ang="0">
+                <a:pos x="connsiteX0" y="connsiteY0"/>
+              </a:cxn>
+              <a:cxn ang="0">
+                <a:pos x="connsiteX1" y="connsiteY1"/>
+              </a:cxn>
+              <a:cxn ang="0">
+                <a:pos x="connsiteX2" y="connsiteY2"/>
+              </a:cxn>
+              <a:cxn ang="0">
+                <a:pos x="connsiteX3" y="connsiteY3"/>
+              </a:cxn>
+              <a:cxn ang="0">
+                <a:pos x="connsiteX4" y="connsiteY4"/>
+              </a:cxn>
+              <a:cxn ang="0">
+                <a:pos x="connsiteX5" y="connsiteY5"/>
+              </a:cxn>
+              <a:cxn ang="0">
+                <a:pos x="connsiteX6" y="connsiteY6"/>
+              </a:cxn>
+              <a:cxn ang="0">
+                <a:pos x="connsiteX7" y="connsiteY7"/>
+              </a:cxn>
+              <a:cxn ang="0">
+                <a:pos x="connsiteX8" y="connsiteY8"/>
+              </a:cxn>
+              <a:cxn ang="0">
+                <a:pos x="connsiteX9" y="connsiteY9"/>
+              </a:cxn>
+              <a:cxn ang="0">
+                <a:pos x="connsiteX10" y="connsiteY10"/>
+              </a:cxn>
+              <a:cxn ang="0">
+                <a:pos x="connsiteX11" y="connsiteY11"/>
+              </a:cxn>
+              <a:cxn ang="0">
+                <a:pos x="connsiteX12" y="connsiteY12"/>
+              </a:cxn>
+              <a:cxn ang="0">
+                <a:pos x="connsiteX13" y="connsiteY13"/>
+              </a:cxn>
+              <a:cxn ang="0">
+                <a:pos x="connsiteX14" y="connsiteY14"/>
+              </a:cxn>
+              <a:cxn ang="0">
+                <a:pos x="connsiteX15" y="connsiteY15"/>
+              </a:cxn>
+              <a:cxn ang="0">
+                <a:pos x="connsiteX16" y="connsiteY16"/>
+              </a:cxn>
+            </a:cxnLst>
+            <a:rect l="l" t="t" r="r" b="b"/>
+            <a:pathLst>
+              <a:path w="139039" h="139039">
+                <a:moveTo>
+                  <a:pt x="129602" y="60082"/>
+                </a:moveTo>
+                <a:lnTo>
+                  <a:pt x="78957" y="60082"/>
+                </a:lnTo>
+                <a:lnTo>
+                  <a:pt x="78957" y="9437"/>
+                </a:lnTo>
+                <a:cubicBezTo>
+                  <a:pt x="78957" y="4225"/>
+                  <a:pt x="74731" y="0"/>
+                  <a:pt x="69520" y="0"/>
+                </a:cubicBezTo>
+                <a:cubicBezTo>
+                  <a:pt x="64308" y="0"/>
+                  <a:pt x="60082" y="4225"/>
+                  <a:pt x="60082" y="9437"/>
+                </a:cubicBezTo>
+                <a:lnTo>
+                  <a:pt x="60082" y="60082"/>
+                </a:lnTo>
+                <a:lnTo>
+                  <a:pt x="9437" y="60082"/>
+                </a:lnTo>
+                <a:cubicBezTo>
+                  <a:pt x="4225" y="60082"/>
+                  <a:pt x="0" y="64308"/>
+                  <a:pt x="0" y="69520"/>
+                </a:cubicBezTo>
+                <a:cubicBezTo>
+                  <a:pt x="0" y="74731"/>
+                  <a:pt x="4225" y="78957"/>
+                  <a:pt x="9437" y="78957"/>
+                </a:cubicBezTo>
+                <a:lnTo>
+                  <a:pt x="60082" y="78957"/>
+                </a:lnTo>
+                <a:lnTo>
+                  <a:pt x="60082" y="129602"/>
+                </a:lnTo>
+                <a:cubicBezTo>
+                  <a:pt x="60082" y="134814"/>
+                  <a:pt x="64308" y="139039"/>
+                  <a:pt x="69520" y="139039"/>
+                </a:cubicBezTo>
+                <a:cubicBezTo>
+                  <a:pt x="74731" y="139039"/>
+                  <a:pt x="78957" y="134814"/>
+                  <a:pt x="78957" y="129602"/>
+                </a:cubicBezTo>
+                <a:lnTo>
+                  <a:pt x="78957" y="78957"/>
+                </a:lnTo>
+                <a:lnTo>
+                  <a:pt x="129602" y="78957"/>
+                </a:lnTo>
+                <a:cubicBezTo>
+                  <a:pt x="134814" y="78957"/>
+                  <a:pt x="139039" y="74731"/>
+                  <a:pt x="139039" y="69520"/>
+                </a:cubicBezTo>
+                <a:cubicBezTo>
+                  <a:pt x="139039" y="64308"/>
+                  <a:pt x="134814" y="60082"/>
+                  <a:pt x="129602" y="60082"/>
+                </a:cubicBezTo>
+                <a:close/>
+              </a:path>
+            </a:pathLst>
+          </a:custGeom>
+          <a:solidFill>
+            <a:srgbClr val="FFFFFF"/>
+          </a:solidFill>
+          <a:ln w="603" cap="flat">
+            <a:noFill/>
+            <a:prstDash val="solid"/>
+            <a:miter/>
+          </a:ln>
+        </p:spPr>
+        <p:txBody>
+          <a:bodyPr rtlCol="0" anchor="ctr"/>
+          <a:lstStyle/>
+          <a:p>
+            <a:endParaRPr lang="en-US">
+              <a:solidFill>
+                <a:srgbClr val="FFFFFF"/>
+              </a:solidFill>
+            </a:endParaRPr>
+          </a:p>
+        </p:txBody>
+      </p:sp>
+      <p:sp>
+        <p:nvSpPr>
+          <p:cNvPr id="12" name="Graphic 12">
+            <a:extLst>
+              <a:ext uri="{FF2B5EF4-FFF2-40B4-BE49-F238E27FC236}">
+                <a16:creationId xmlns:a16="http://schemas.microsoft.com/office/drawing/2014/main" id="{2A351869-EF4B-D3D5-8237-AF011D832B87}"/>
+              </a:ext>
+              <a:ext uri="{C183D7F6-B498-43B3-948B-1728B52AA6E4}">
+                <adec:decorative xmlns:adec="http://schemas.microsoft.com/office/drawing/2017/decorative" val="1"/>
+              </a:ext>
+            </a:extLst>
+          </p:cNvPr>
+          <p:cNvSpPr>
+            <a:spLocks noGrp="1" noRot="1" noChangeAspect="1" noMove="1" noResize="1" noEditPoints="1" noAdjustHandles="1" noChangeArrowheads="1" noChangeShapeType="1" noTextEdit="1"/>
+          </p:cNvSpPr>
+          <p:nvPr>
+            <p:extLst>
+              <p:ext uri="{386F3935-93C4-4BCD-93E2-E3B085C9AB24}">
+                <p16:designElem xmlns:p16="http://schemas.microsoft.com/office/powerpoint/2015/main" val="1"/>
+              </p:ext>
+            </p:extLst>
+          </p:nvPr>
+        </p:nvSpPr>
+        <p:spPr>
+          <a:xfrm>
+            <a:off x="3833139" y="812640"/>
+            <a:ext cx="91138" cy="91138"/>
+          </a:xfrm>
+          <a:custGeom>
+            <a:avLst/>
+            <a:gdLst>
+              <a:gd name="connsiteX0" fmla="*/ 91138 w 91138"/>
+              <a:gd name="connsiteY0" fmla="*/ 45569 h 91138"/>
+              <a:gd name="connsiteX1" fmla="*/ 45569 w 91138"/>
+              <a:gd name="connsiteY1" fmla="*/ 91138 h 91138"/>
+              <a:gd name="connsiteX2" fmla="*/ 0 w 91138"/>
+              <a:gd name="connsiteY2" fmla="*/ 45569 h 91138"/>
+              <a:gd name="connsiteX3" fmla="*/ 45569 w 91138"/>
+              <a:gd name="connsiteY3" fmla="*/ 0 h 91138"/>
+              <a:gd name="connsiteX4" fmla="*/ 91138 w 91138"/>
+              <a:gd name="connsiteY4" fmla="*/ 45569 h 91138"/>
+            </a:gdLst>
+            <a:ahLst/>
+            <a:cxnLst>
+              <a:cxn ang="0">
+                <a:pos x="connsiteX0" y="connsiteY0"/>
+              </a:cxn>
+              <a:cxn ang="0">
+                <a:pos x="connsiteX1" y="connsiteY1"/>
+              </a:cxn>
+              <a:cxn ang="0">
+                <a:pos x="connsiteX2" y="connsiteY2"/>
+              </a:cxn>
+              <a:cxn ang="0">
+                <a:pos x="connsiteX3" y="connsiteY3"/>
+              </a:cxn>
+              <a:cxn ang="0">
+                <a:pos x="connsiteX4" y="connsiteY4"/>
+              </a:cxn>
+            </a:cxnLst>
+            <a:rect l="l" t="t" r="r" b="b"/>
+            <a:pathLst>
+              <a:path w="91138" h="91138">
+                <a:moveTo>
+                  <a:pt x="91138" y="45569"/>
+                </a:moveTo>
+                <a:cubicBezTo>
+                  <a:pt x="91138" y="70736"/>
+                  <a:pt x="70736" y="91138"/>
+                  <a:pt x="45569" y="91138"/>
+                </a:cubicBezTo>
+                <a:cubicBezTo>
+                  <a:pt x="20402" y="91138"/>
+                  <a:pt x="0" y="70736"/>
+                  <a:pt x="0" y="45569"/>
+                </a:cubicBezTo>
+                <a:cubicBezTo>
+                  <a:pt x="0" y="20402"/>
+                  <a:pt x="20402" y="0"/>
+                  <a:pt x="45569" y="0"/>
+                </a:cubicBezTo>
+                <a:cubicBezTo>
+                  <a:pt x="70736" y="0"/>
+                  <a:pt x="91138" y="20402"/>
+                  <a:pt x="91138" y="45569"/>
+                </a:cubicBezTo>
+                <a:close/>
+              </a:path>
+            </a:pathLst>
+          </a:custGeom>
+          <a:solidFill>
+            <a:srgbClr val="FFFFFF"/>
+          </a:solidFill>
+          <a:ln w="422" cap="flat">
+            <a:noFill/>
+            <a:prstDash val="solid"/>
+            <a:miter/>
+          </a:ln>
+        </p:spPr>
+        <p:txBody>
+          <a:bodyPr rtlCol="0" anchor="ctr"/>
+          <a:lstStyle/>
+          <a:p>
+            <a:endParaRPr lang="en-US">
+              <a:solidFill>
+                <a:srgbClr val="FFFFFF"/>
+              </a:solidFill>
+            </a:endParaRPr>
+          </a:p>
+        </p:txBody>
+      </p:sp>
+      <p:sp>
+        <p:nvSpPr>
+          <p:cNvPr id="14" name="Graphic 15">
+            <a:extLst>
+              <a:ext uri="{FF2B5EF4-FFF2-40B4-BE49-F238E27FC236}">
+                <a16:creationId xmlns:a16="http://schemas.microsoft.com/office/drawing/2014/main" id="{DE07FDC6-43CF-EDD1-4173-FB9B6DBBAB40}"/>
+              </a:ext>
+              <a:ext uri="{C183D7F6-B498-43B3-948B-1728B52AA6E4}">
+                <adec:decorative xmlns:adec="http://schemas.microsoft.com/office/drawing/2017/decorative" val="1"/>
+              </a:ext>
+            </a:extLst>
+          </p:cNvPr>
+          <p:cNvSpPr>
+            <a:spLocks noGrp="1" noRot="1" noChangeAspect="1" noMove="1" noResize="1" noEditPoints="1" noAdjustHandles="1" noChangeArrowheads="1" noChangeShapeType="1" noTextEdit="1"/>
+          </p:cNvSpPr>
+          <p:nvPr>
+            <p:extLst>
+              <p:ext uri="{386F3935-93C4-4BCD-93E2-E3B085C9AB24}">
+                <p16:designElem xmlns:p16="http://schemas.microsoft.com/office/powerpoint/2015/main" val="1"/>
+              </p:ext>
+            </p:extLst>
+          </p:nvPr>
+        </p:nvSpPr>
+        <p:spPr>
+          <a:xfrm>
+            <a:off x="3458819" y="1037066"/>
+            <a:ext cx="127714" cy="127714"/>
+          </a:xfrm>
+          <a:custGeom>
+            <a:avLst/>
+            <a:gdLst>
+              <a:gd name="connsiteX0" fmla="*/ 63857 w 127714"/>
+              <a:gd name="connsiteY0" fmla="*/ 18874 h 127714"/>
+              <a:gd name="connsiteX1" fmla="*/ 108840 w 127714"/>
+              <a:gd name="connsiteY1" fmla="*/ 63857 h 127714"/>
+              <a:gd name="connsiteX2" fmla="*/ 63857 w 127714"/>
+              <a:gd name="connsiteY2" fmla="*/ 108840 h 127714"/>
+              <a:gd name="connsiteX3" fmla="*/ 18874 w 127714"/>
+              <a:gd name="connsiteY3" fmla="*/ 63857 h 127714"/>
+              <a:gd name="connsiteX4" fmla="*/ 63857 w 127714"/>
+              <a:gd name="connsiteY4" fmla="*/ 18874 h 127714"/>
+              <a:gd name="connsiteX5" fmla="*/ 63857 w 127714"/>
+              <a:gd name="connsiteY5" fmla="*/ 0 h 127714"/>
+              <a:gd name="connsiteX6" fmla="*/ 0 w 127714"/>
+              <a:gd name="connsiteY6" fmla="*/ 63857 h 127714"/>
+              <a:gd name="connsiteX7" fmla="*/ 63857 w 127714"/>
+              <a:gd name="connsiteY7" fmla="*/ 127714 h 127714"/>
+              <a:gd name="connsiteX8" fmla="*/ 127714 w 127714"/>
+              <a:gd name="connsiteY8" fmla="*/ 63857 h 127714"/>
+              <a:gd name="connsiteX9" fmla="*/ 63857 w 127714"/>
+              <a:gd name="connsiteY9" fmla="*/ 0 h 127714"/>
+            </a:gdLst>
+            <a:ahLst/>
+            <a:cxnLst>
+              <a:cxn ang="0">
+                <a:pos x="connsiteX0" y="connsiteY0"/>
+              </a:cxn>
+              <a:cxn ang="0">
+                <a:pos x="connsiteX1" y="connsiteY1"/>
+              </a:cxn>
+              <a:cxn ang="0">
+                <a:pos x="connsiteX2" y="connsiteY2"/>
+              </a:cxn>
+              <a:cxn ang="0">
+                <a:pos x="connsiteX3" y="connsiteY3"/>
+              </a:cxn>
+              <a:cxn ang="0">
+                <a:pos x="connsiteX4" y="connsiteY4"/>
+              </a:cxn>
+              <a:cxn ang="0">
+                <a:pos x="connsiteX5" y="connsiteY5"/>
+              </a:cxn>
+              <a:cxn ang="0">
+                <a:pos x="connsiteX6" y="connsiteY6"/>
+              </a:cxn>
+              <a:cxn ang="0">
+                <a:pos x="connsiteX7" y="connsiteY7"/>
+              </a:cxn>
+              <a:cxn ang="0">
+                <a:pos x="connsiteX8" y="connsiteY8"/>
+              </a:cxn>
+              <a:cxn ang="0">
+                <a:pos x="connsiteX9" y="connsiteY9"/>
+              </a:cxn>
+            </a:cxnLst>
+            <a:rect l="l" t="t" r="r" b="b"/>
+            <a:pathLst>
+              <a:path w="127714" h="127714">
+                <a:moveTo>
+                  <a:pt x="63857" y="18874"/>
+                </a:moveTo>
+                <a:cubicBezTo>
+                  <a:pt x="88700" y="18874"/>
+                  <a:pt x="108840" y="39014"/>
+                  <a:pt x="108840" y="63857"/>
+                </a:cubicBezTo>
+                <a:cubicBezTo>
+                  <a:pt x="108840" y="88700"/>
+                  <a:pt x="88700" y="108840"/>
+                  <a:pt x="63857" y="108840"/>
+                </a:cubicBezTo>
+                <a:cubicBezTo>
+                  <a:pt x="39014" y="108840"/>
+                  <a:pt x="18874" y="88700"/>
+                  <a:pt x="18874" y="63857"/>
+                </a:cubicBezTo>
+                <a:cubicBezTo>
+                  <a:pt x="18898" y="39024"/>
+                  <a:pt x="39024" y="18898"/>
+                  <a:pt x="63857" y="18874"/>
+                </a:cubicBezTo>
+                <a:moveTo>
+                  <a:pt x="63857" y="0"/>
+                </a:moveTo>
+                <a:cubicBezTo>
+                  <a:pt x="28590" y="0"/>
+                  <a:pt x="0" y="28590"/>
+                  <a:pt x="0" y="63857"/>
+                </a:cubicBezTo>
+                <a:cubicBezTo>
+                  <a:pt x="0" y="99124"/>
+                  <a:pt x="28590" y="127714"/>
+                  <a:pt x="63857" y="127714"/>
+                </a:cubicBezTo>
+                <a:cubicBezTo>
+                  <a:pt x="99124" y="127714"/>
+                  <a:pt x="127714" y="99124"/>
+                  <a:pt x="127714" y="63857"/>
+                </a:cubicBezTo>
+                <a:cubicBezTo>
+                  <a:pt x="127714" y="28590"/>
+                  <a:pt x="99124" y="0"/>
+                  <a:pt x="63857" y="0"/>
+                </a:cubicBezTo>
+                <a:close/>
+              </a:path>
+            </a:pathLst>
+          </a:custGeom>
+          <a:solidFill>
+            <a:srgbClr val="FFFFFF"/>
+          </a:solidFill>
+          <a:ln w="610" cap="flat">
+            <a:noFill/>
+            <a:prstDash val="solid"/>
+            <a:miter/>
+          </a:ln>
+        </p:spPr>
+        <p:txBody>
+          <a:bodyPr rtlCol="0" anchor="ctr"/>
+          <a:lstStyle/>
+          <a:p>
+            <a:endParaRPr lang="en-US">
+              <a:solidFill>
+                <a:srgbClr val="FFFFFF"/>
+              </a:solidFill>
+            </a:endParaRPr>
+          </a:p>
+        </p:txBody>
+      </p:sp>
+      <p:cxnSp>
+        <p:nvCxnSpPr>
+          <p:cNvPr id="16" name="Straight Connector 15">
+            <a:extLst>
+              <a:ext uri="{FF2B5EF4-FFF2-40B4-BE49-F238E27FC236}">
+                <a16:creationId xmlns:a16="http://schemas.microsoft.com/office/drawing/2014/main" id="{C9FB5EFB-AC8F-52BB-7AA2-FED1DC50D108}"/>
+              </a:ext>
+              <a:ext uri="{C183D7F6-B498-43B3-948B-1728B52AA6E4}">
+                <adec:decorative xmlns:adec="http://schemas.microsoft.com/office/drawing/2017/decorative" val="1"/>
+              </a:ext>
+            </a:extLst>
+          </p:cNvPr>
+          <p:cNvCxnSpPr>
+            <a:cxnSpLocks noGrp="1" noRot="1" noChangeAspect="1" noMove="1" noResize="1" noEditPoints="1" noAdjustHandles="1" noChangeArrowheads="1" noChangeShapeType="1"/>
+          </p:cNvCxnSpPr>
+          <p:nvPr>
+            <p:extLst>
+              <p:ext uri="{386F3935-93C4-4BCD-93E2-E3B085C9AB24}">
+                <p16:designElem xmlns:p16="http://schemas.microsoft.com/office/powerpoint/2015/main" val="1"/>
+              </p:ext>
+            </p:extLst>
+          </p:nvPr>
+        </p:nvCxnSpPr>
+        <p:spPr>
+          <a:xfrm>
+            <a:off x="856114" y="3503032"/>
+            <a:ext cx="0" cy="3346090"/>
+          </a:xfrm>
+          <a:prstGeom prst="line">
+            <a:avLst/>
+          </a:prstGeom>
+          <a:ln w="25400" cap="sq">
+            <a:solidFill>
+              <a:srgbClr val="FFFFFF"/>
+            </a:solidFill>
+            <a:bevel/>
+          </a:ln>
+        </p:spPr>
+        <p:style>
+          <a:lnRef idx="1">
+            <a:schemeClr val="accent1"/>
+          </a:lnRef>
+          <a:fillRef idx="0">
+            <a:schemeClr val="accent1"/>
+          </a:fillRef>
+          <a:effectRef idx="0">
+            <a:schemeClr val="accent1"/>
+          </a:effectRef>
+          <a:fontRef idx="minor">
+            <a:schemeClr val="tx1"/>
+          </a:fontRef>
+        </p:style>
+      </p:cxnSp>
+      <p:sp>
+        <p:nvSpPr>
+          <p:cNvPr id="18" name="Graphic 22">
+            <a:extLst>
+              <a:ext uri="{FF2B5EF4-FFF2-40B4-BE49-F238E27FC236}">
+                <a16:creationId xmlns:a16="http://schemas.microsoft.com/office/drawing/2014/main" id="{8B43F587-DBF9-7A81-A1DB-66F3F3EE23D1}"/>
+              </a:ext>
+              <a:ext uri="{C183D7F6-B498-43B3-948B-1728B52AA6E4}">
+                <adec:decorative xmlns:adec="http://schemas.microsoft.com/office/drawing/2017/decorative" val="1"/>
+              </a:ext>
+            </a:extLst>
+          </p:cNvPr>
+          <p:cNvSpPr>
+            <a:spLocks noGrp="1" noRot="1" noChangeAspect="1" noMove="1" noResize="1" noEditPoints="1" noAdjustHandles="1" noChangeArrowheads="1" noChangeShapeType="1" noTextEdit="1"/>
+          </p:cNvSpPr>
+          <p:nvPr>
+            <p:extLst>
+              <p:ext uri="{386F3935-93C4-4BCD-93E2-E3B085C9AB24}">
+                <p16:designElem xmlns:p16="http://schemas.microsoft.com/office/powerpoint/2015/main" val="1"/>
+              </p:ext>
+            </p:extLst>
+          </p:nvPr>
+        </p:nvSpPr>
+        <p:spPr>
+          <a:xfrm>
+            <a:off x="10836425" y="5636680"/>
+            <a:ext cx="151536" cy="151536"/>
+          </a:xfrm>
+          <a:custGeom>
+            <a:avLst/>
+            <a:gdLst>
+              <a:gd name="connsiteX0" fmla="*/ 141251 w 151536"/>
+              <a:gd name="connsiteY0" fmla="*/ 65483 h 151536"/>
+              <a:gd name="connsiteX1" fmla="*/ 86053 w 151536"/>
+              <a:gd name="connsiteY1" fmla="*/ 65483 h 151536"/>
+              <a:gd name="connsiteX2" fmla="*/ 86053 w 151536"/>
+              <a:gd name="connsiteY2" fmla="*/ 10285 h 151536"/>
+              <a:gd name="connsiteX3" fmla="*/ 75768 w 151536"/>
+              <a:gd name="connsiteY3" fmla="*/ 0 h 151536"/>
+              <a:gd name="connsiteX4" fmla="*/ 65483 w 151536"/>
+              <a:gd name="connsiteY4" fmla="*/ 10285 h 151536"/>
+              <a:gd name="connsiteX5" fmla="*/ 65483 w 151536"/>
+              <a:gd name="connsiteY5" fmla="*/ 65483 h 151536"/>
+              <a:gd name="connsiteX6" fmla="*/ 10285 w 151536"/>
+              <a:gd name="connsiteY6" fmla="*/ 65483 h 151536"/>
+              <a:gd name="connsiteX7" fmla="*/ 0 w 151536"/>
+              <a:gd name="connsiteY7" fmla="*/ 75768 h 151536"/>
+              <a:gd name="connsiteX8" fmla="*/ 10285 w 151536"/>
+              <a:gd name="connsiteY8" fmla="*/ 86053 h 151536"/>
+              <a:gd name="connsiteX9" fmla="*/ 65483 w 151536"/>
+              <a:gd name="connsiteY9" fmla="*/ 86053 h 151536"/>
+              <a:gd name="connsiteX10" fmla="*/ 65483 w 151536"/>
+              <a:gd name="connsiteY10" fmla="*/ 141251 h 151536"/>
+              <a:gd name="connsiteX11" fmla="*/ 75768 w 151536"/>
+              <a:gd name="connsiteY11" fmla="*/ 151536 h 151536"/>
+              <a:gd name="connsiteX12" fmla="*/ 86053 w 151536"/>
+              <a:gd name="connsiteY12" fmla="*/ 141251 h 151536"/>
+              <a:gd name="connsiteX13" fmla="*/ 86053 w 151536"/>
+              <a:gd name="connsiteY13" fmla="*/ 86053 h 151536"/>
+              <a:gd name="connsiteX14" fmla="*/ 141251 w 151536"/>
+              <a:gd name="connsiteY14" fmla="*/ 86053 h 151536"/>
+              <a:gd name="connsiteX15" fmla="*/ 151536 w 151536"/>
+              <a:gd name="connsiteY15" fmla="*/ 75768 h 151536"/>
+              <a:gd name="connsiteX16" fmla="*/ 141251 w 151536"/>
+              <a:gd name="connsiteY16" fmla="*/ 65483 h 151536"/>
+            </a:gdLst>
+            <a:ahLst/>
+            <a:cxnLst>
+              <a:cxn ang="0">
+                <a:pos x="connsiteX0" y="connsiteY0"/>
+              </a:cxn>
+              <a:cxn ang="0">
+                <a:pos x="connsiteX1" y="connsiteY1"/>
+              </a:cxn>
+              <a:cxn ang="0">
+                <a:pos x="connsiteX2" y="connsiteY2"/>
+              </a:cxn>
+              <a:cxn ang="0">
+                <a:pos x="connsiteX3" y="connsiteY3"/>
+              </a:cxn>
+              <a:cxn ang="0">
+                <a:pos x="connsiteX4" y="connsiteY4"/>
+              </a:cxn>
+              <a:cxn ang="0">
+                <a:pos x="connsiteX5" y="connsiteY5"/>
+              </a:cxn>
+              <a:cxn ang="0">
+                <a:pos x="connsiteX6" y="connsiteY6"/>
+              </a:cxn>
+              <a:cxn ang="0">
+                <a:pos x="connsiteX7" y="connsiteY7"/>
+              </a:cxn>
+              <a:cxn ang="0">
+                <a:pos x="connsiteX8" y="connsiteY8"/>
+              </a:cxn>
+              <a:cxn ang="0">
+                <a:pos x="connsiteX9" y="connsiteY9"/>
+              </a:cxn>
+              <a:cxn ang="0">
+                <a:pos x="connsiteX10" y="connsiteY10"/>
+              </a:cxn>
+              <a:cxn ang="0">
+                <a:pos x="connsiteX11" y="connsiteY11"/>
+              </a:cxn>
+              <a:cxn ang="0">
+                <a:pos x="connsiteX12" y="connsiteY12"/>
+              </a:cxn>
+              <a:cxn ang="0">
+                <a:pos x="connsiteX13" y="connsiteY13"/>
+              </a:cxn>
+              <a:cxn ang="0">
+                <a:pos x="connsiteX14" y="connsiteY14"/>
+              </a:cxn>
+              <a:cxn ang="0">
+                <a:pos x="connsiteX15" y="connsiteY15"/>
+              </a:cxn>
+              <a:cxn ang="0">
+                <a:pos x="connsiteX16" y="connsiteY16"/>
+              </a:cxn>
+            </a:cxnLst>
+            <a:rect l="l" t="t" r="r" b="b"/>
+            <a:pathLst>
+              <a:path w="151536" h="151536">
+                <a:moveTo>
+                  <a:pt x="141251" y="65483"/>
+                </a:moveTo>
+                <a:lnTo>
+                  <a:pt x="86053" y="65483"/>
+                </a:lnTo>
+                <a:lnTo>
+                  <a:pt x="86053" y="10285"/>
+                </a:lnTo>
+                <a:cubicBezTo>
+                  <a:pt x="86053" y="4605"/>
+                  <a:pt x="81448" y="0"/>
+                  <a:pt x="75768" y="0"/>
+                </a:cubicBezTo>
+                <a:cubicBezTo>
+                  <a:pt x="70088" y="0"/>
+                  <a:pt x="65483" y="4605"/>
+                  <a:pt x="65483" y="10285"/>
+                </a:cubicBezTo>
+                <a:lnTo>
+                  <a:pt x="65483" y="65483"/>
+                </a:lnTo>
+                <a:lnTo>
+                  <a:pt x="10285" y="65483"/>
+                </a:lnTo>
+                <a:cubicBezTo>
+                  <a:pt x="4605" y="65483"/>
+                  <a:pt x="0" y="70088"/>
+                  <a:pt x="0" y="75768"/>
+                </a:cubicBezTo>
+                <a:cubicBezTo>
+                  <a:pt x="0" y="81448"/>
+                  <a:pt x="4605" y="86053"/>
+                  <a:pt x="10285" y="86053"/>
+                </a:cubicBezTo>
+                <a:lnTo>
+                  <a:pt x="65483" y="86053"/>
+                </a:lnTo>
+                <a:lnTo>
+                  <a:pt x="65483" y="141251"/>
+                </a:lnTo>
+                <a:cubicBezTo>
+                  <a:pt x="65483" y="146931"/>
+                  <a:pt x="70088" y="151536"/>
+                  <a:pt x="75768" y="151536"/>
+                </a:cubicBezTo>
+                <a:cubicBezTo>
+                  <a:pt x="81448" y="151536"/>
+                  <a:pt x="86053" y="146931"/>
+                  <a:pt x="86053" y="141251"/>
+                </a:cubicBezTo>
+                <a:lnTo>
+                  <a:pt x="86053" y="86053"/>
+                </a:lnTo>
+                <a:lnTo>
+                  <a:pt x="141251" y="86053"/>
+                </a:lnTo>
+                <a:cubicBezTo>
+                  <a:pt x="146931" y="86053"/>
+                  <a:pt x="151536" y="81448"/>
+                  <a:pt x="151536" y="75768"/>
+                </a:cubicBezTo>
+                <a:cubicBezTo>
+                  <a:pt x="151536" y="70088"/>
+                  <a:pt x="146931" y="65483"/>
+                  <a:pt x="141251" y="65483"/>
+                </a:cubicBezTo>
+                <a:close/>
+              </a:path>
+            </a:pathLst>
+          </a:custGeom>
+          <a:solidFill>
+            <a:srgbClr val="FFFFFF"/>
+          </a:solidFill>
+          <a:ln w="646" cap="flat">
+            <a:noFill/>
+            <a:prstDash val="solid"/>
+            <a:miter/>
+          </a:ln>
+        </p:spPr>
+        <p:txBody>
+          <a:bodyPr rtlCol="0" anchor="ctr"/>
+          <a:lstStyle/>
+          <a:p>
+            <a:endParaRPr lang="en-US">
+              <a:solidFill>
+                <a:srgbClr val="FFFFFF"/>
+              </a:solidFill>
+            </a:endParaRPr>
+          </a:p>
+        </p:txBody>
+      </p:sp>
+      <p:sp>
+        <p:nvSpPr>
+          <p:cNvPr id="20" name="Graphic 23">
+            <a:extLst>
+              <a:ext uri="{FF2B5EF4-FFF2-40B4-BE49-F238E27FC236}">
+                <a16:creationId xmlns:a16="http://schemas.microsoft.com/office/drawing/2014/main" id="{39C3B54D-495E-B602-96E1-F7DEF29B08CC}"/>
+              </a:ext>
+              <a:ext uri="{C183D7F6-B498-43B3-948B-1728B52AA6E4}">
+                <adec:decorative xmlns:adec="http://schemas.microsoft.com/office/drawing/2017/decorative" val="1"/>
+              </a:ext>
+            </a:extLst>
+          </p:cNvPr>
+          <p:cNvSpPr>
+            <a:spLocks noGrp="1" noRot="1" noChangeAspect="1" noMove="1" noResize="1" noEditPoints="1" noAdjustHandles="1" noChangeArrowheads="1" noChangeShapeType="1" noTextEdit="1"/>
+          </p:cNvSpPr>
+          <p:nvPr>
+            <p:extLst>
+              <p:ext uri="{386F3935-93C4-4BCD-93E2-E3B085C9AB24}">
+                <p16:designElem xmlns:p16="http://schemas.microsoft.com/office/powerpoint/2015/main" val="1"/>
+              </p:ext>
+            </p:extLst>
+          </p:nvPr>
+        </p:nvSpPr>
+        <p:spPr>
+          <a:xfrm>
+            <a:off x="11245175" y="6096759"/>
+            <a:ext cx="108625" cy="108625"/>
+          </a:xfrm>
+          <a:custGeom>
+            <a:avLst/>
+            <a:gdLst>
+              <a:gd name="connsiteX0" fmla="*/ 54313 w 108625"/>
+              <a:gd name="connsiteY0" fmla="*/ 16053 h 108625"/>
+              <a:gd name="connsiteX1" fmla="*/ 92572 w 108625"/>
+              <a:gd name="connsiteY1" fmla="*/ 54313 h 108625"/>
+              <a:gd name="connsiteX2" fmla="*/ 54313 w 108625"/>
+              <a:gd name="connsiteY2" fmla="*/ 92572 h 108625"/>
+              <a:gd name="connsiteX3" fmla="*/ 16053 w 108625"/>
+              <a:gd name="connsiteY3" fmla="*/ 54313 h 108625"/>
+              <a:gd name="connsiteX4" fmla="*/ 54313 w 108625"/>
+              <a:gd name="connsiteY4" fmla="*/ 16053 h 108625"/>
+              <a:gd name="connsiteX5" fmla="*/ 54313 w 108625"/>
+              <a:gd name="connsiteY5" fmla="*/ 0 h 108625"/>
+              <a:gd name="connsiteX6" fmla="*/ 0 w 108625"/>
+              <a:gd name="connsiteY6" fmla="*/ 54313 h 108625"/>
+              <a:gd name="connsiteX7" fmla="*/ 54313 w 108625"/>
+              <a:gd name="connsiteY7" fmla="*/ 108625 h 108625"/>
+              <a:gd name="connsiteX8" fmla="*/ 108625 w 108625"/>
+              <a:gd name="connsiteY8" fmla="*/ 54313 h 108625"/>
+              <a:gd name="connsiteX9" fmla="*/ 54313 w 108625"/>
+              <a:gd name="connsiteY9" fmla="*/ 0 h 108625"/>
+            </a:gdLst>
+            <a:ahLst/>
+            <a:cxnLst>
+              <a:cxn ang="0">
+                <a:pos x="connsiteX0" y="connsiteY0"/>
+              </a:cxn>
+              <a:cxn ang="0">
+                <a:pos x="connsiteX1" y="connsiteY1"/>
+              </a:cxn>
+              <a:cxn ang="0">
+                <a:pos x="connsiteX2" y="connsiteY2"/>
+              </a:cxn>
+              <a:cxn ang="0">
+                <a:pos x="connsiteX3" y="connsiteY3"/>
+              </a:cxn>
+              <a:cxn ang="0">
+                <a:pos x="connsiteX4" y="connsiteY4"/>
+              </a:cxn>
+              <a:cxn ang="0">
+                <a:pos x="connsiteX5" y="connsiteY5"/>
+              </a:cxn>
+              <a:cxn ang="0">
+                <a:pos x="connsiteX6" y="connsiteY6"/>
+              </a:cxn>
+              <a:cxn ang="0">
+                <a:pos x="connsiteX7" y="connsiteY7"/>
+              </a:cxn>
+              <a:cxn ang="0">
+                <a:pos x="connsiteX8" y="connsiteY8"/>
+              </a:cxn>
+              <a:cxn ang="0">
+                <a:pos x="connsiteX9" y="connsiteY9"/>
+              </a:cxn>
+            </a:cxnLst>
+            <a:rect l="l" t="t" r="r" b="b"/>
+            <a:pathLst>
+              <a:path w="108625" h="108625">
+                <a:moveTo>
+                  <a:pt x="54313" y="16053"/>
+                </a:moveTo>
+                <a:cubicBezTo>
+                  <a:pt x="75442" y="16053"/>
+                  <a:pt x="92572" y="33182"/>
+                  <a:pt x="92572" y="54313"/>
+                </a:cubicBezTo>
+                <a:cubicBezTo>
+                  <a:pt x="92572" y="75442"/>
+                  <a:pt x="75442" y="92572"/>
+                  <a:pt x="54313" y="92572"/>
+                </a:cubicBezTo>
+                <a:cubicBezTo>
+                  <a:pt x="33182" y="92572"/>
+                  <a:pt x="16053" y="75442"/>
+                  <a:pt x="16053" y="54313"/>
+                </a:cubicBezTo>
+                <a:cubicBezTo>
+                  <a:pt x="16074" y="33191"/>
+                  <a:pt x="33191" y="16074"/>
+                  <a:pt x="54313" y="16053"/>
+                </a:cubicBezTo>
+                <a:moveTo>
+                  <a:pt x="54313" y="0"/>
+                </a:moveTo>
+                <a:cubicBezTo>
+                  <a:pt x="24317" y="0"/>
+                  <a:pt x="0" y="24317"/>
+                  <a:pt x="0" y="54313"/>
+                </a:cubicBezTo>
+                <a:cubicBezTo>
+                  <a:pt x="0" y="84309"/>
+                  <a:pt x="24317" y="108625"/>
+                  <a:pt x="54313" y="108625"/>
+                </a:cubicBezTo>
+                <a:cubicBezTo>
+                  <a:pt x="84309" y="108625"/>
+                  <a:pt x="108625" y="84309"/>
+                  <a:pt x="108625" y="54313"/>
+                </a:cubicBezTo>
+                <a:cubicBezTo>
+                  <a:pt x="108625" y="24317"/>
+                  <a:pt x="84309" y="0"/>
+                  <a:pt x="54313" y="0"/>
+                </a:cubicBezTo>
+                <a:close/>
+              </a:path>
+            </a:pathLst>
+          </a:custGeom>
+          <a:solidFill>
+            <a:srgbClr val="FFFFFF"/>
+          </a:solidFill>
+          <a:ln w="516" cap="flat">
+            <a:noFill/>
+            <a:prstDash val="solid"/>
+            <a:miter/>
+          </a:ln>
+        </p:spPr>
+        <p:txBody>
+          <a:bodyPr rtlCol="0" anchor="ctr"/>
+          <a:lstStyle/>
+          <a:p>
+            <a:endParaRPr lang="en-US">
+              <a:solidFill>
+                <a:srgbClr val="FFFFFF"/>
+              </a:solidFill>
+            </a:endParaRPr>
+          </a:p>
+        </p:txBody>
+      </p:sp>
+      <p:sp>
+        <p:nvSpPr>
+          <p:cNvPr id="22" name="Graphic 21">
+            <a:extLst>
+              <a:ext uri="{FF2B5EF4-FFF2-40B4-BE49-F238E27FC236}">
+                <a16:creationId xmlns:a16="http://schemas.microsoft.com/office/drawing/2014/main" id="{7976EF55-07FD-CBC7-BAD6-933899D1BDD1}"/>
+              </a:ext>
+              <a:ext uri="{C183D7F6-B498-43B3-948B-1728B52AA6E4}">
+                <adec:decorative xmlns:adec="http://schemas.microsoft.com/office/drawing/2017/decorative" val="1"/>
+              </a:ext>
+            </a:extLst>
+          </p:cNvPr>
+          <p:cNvSpPr>
+            <a:spLocks noGrp="1" noRot="1" noChangeAspect="1" noMove="1" noResize="1" noEditPoints="1" noAdjustHandles="1" noChangeArrowheads="1" noChangeShapeType="1" noTextEdit="1"/>
+          </p:cNvSpPr>
+          <p:nvPr>
+            <p:extLst>
+              <p:ext uri="{386F3935-93C4-4BCD-93E2-E3B085C9AB24}">
+                <p16:designElem xmlns:p16="http://schemas.microsoft.com/office/powerpoint/2015/main" val="1"/>
+              </p:ext>
+            </p:extLst>
+          </p:nvPr>
+        </p:nvSpPr>
+        <p:spPr>
+          <a:xfrm>
+            <a:off x="10554288" y="6238029"/>
+            <a:ext cx="95759" cy="95759"/>
+          </a:xfrm>
+          <a:custGeom>
+            <a:avLst/>
+            <a:gdLst>
+              <a:gd name="connsiteX0" fmla="*/ 95759 w 95759"/>
+              <a:gd name="connsiteY0" fmla="*/ 47880 h 95759"/>
+              <a:gd name="connsiteX1" fmla="*/ 47880 w 95759"/>
+              <a:gd name="connsiteY1" fmla="*/ 95759 h 95759"/>
+              <a:gd name="connsiteX2" fmla="*/ 0 w 95759"/>
+              <a:gd name="connsiteY2" fmla="*/ 47880 h 95759"/>
+              <a:gd name="connsiteX3" fmla="*/ 47880 w 95759"/>
+              <a:gd name="connsiteY3" fmla="*/ 0 h 95759"/>
+              <a:gd name="connsiteX4" fmla="*/ 95759 w 95759"/>
+              <a:gd name="connsiteY4" fmla="*/ 47880 h 95759"/>
+            </a:gdLst>
+            <a:ahLst/>
+            <a:cxnLst>
+              <a:cxn ang="0">
+                <a:pos x="connsiteX0" y="connsiteY0"/>
+              </a:cxn>
+              <a:cxn ang="0">
+                <a:pos x="connsiteX1" y="connsiteY1"/>
+              </a:cxn>
+              <a:cxn ang="0">
+                <a:pos x="connsiteX2" y="connsiteY2"/>
+              </a:cxn>
+              <a:cxn ang="0">
+                <a:pos x="connsiteX3" y="connsiteY3"/>
+              </a:cxn>
+              <a:cxn ang="0">
+                <a:pos x="connsiteX4" y="connsiteY4"/>
+              </a:cxn>
+            </a:cxnLst>
+            <a:rect l="l" t="t" r="r" b="b"/>
+            <a:pathLst>
+              <a:path w="95759" h="95759">
+                <a:moveTo>
+                  <a:pt x="95759" y="47880"/>
+                </a:moveTo>
+                <a:cubicBezTo>
+                  <a:pt x="95759" y="74323"/>
+                  <a:pt x="74323" y="95759"/>
+                  <a:pt x="47880" y="95759"/>
+                </a:cubicBezTo>
+                <a:cubicBezTo>
+                  <a:pt x="21436" y="95759"/>
+                  <a:pt x="0" y="74323"/>
+                  <a:pt x="0" y="47880"/>
+                </a:cubicBezTo>
+                <a:cubicBezTo>
+                  <a:pt x="0" y="21436"/>
+                  <a:pt x="21436" y="0"/>
+                  <a:pt x="47880" y="0"/>
+                </a:cubicBezTo>
+                <a:cubicBezTo>
+                  <a:pt x="74323" y="0"/>
+                  <a:pt x="95759" y="21436"/>
+                  <a:pt x="95759" y="47880"/>
+                </a:cubicBezTo>
+                <a:close/>
+              </a:path>
+            </a:pathLst>
+          </a:custGeom>
+          <a:solidFill>
+            <a:srgbClr val="FFFFFF"/>
+          </a:solidFill>
+          <a:ln w="469" cap="flat">
+            <a:noFill/>
+            <a:prstDash val="solid"/>
+            <a:miter/>
+          </a:ln>
+        </p:spPr>
+        <p:txBody>
+          <a:bodyPr rtlCol="0" anchor="ctr"/>
+          <a:lstStyle/>
+          <a:p>
+            <a:endParaRPr lang="en-US">
+              <a:solidFill>
+                <a:srgbClr val="FFFFFF"/>
+              </a:solidFill>
+            </a:endParaRPr>
+          </a:p>
+        </p:txBody>
+      </p:sp>
+      <p:sp>
+        <p:nvSpPr>
+          <p:cNvPr id="2" name="Título 1">
+            <a:extLst>
+              <a:ext uri="{FF2B5EF4-FFF2-40B4-BE49-F238E27FC236}">
+                <a16:creationId xmlns:a16="http://schemas.microsoft.com/office/drawing/2014/main" id="{C07CB071-4BCA-781A-C32A-2A7EFC1FC467}"/>
+              </a:ext>
+            </a:extLst>
+          </p:cNvPr>
+          <p:cNvSpPr>
+            <a:spLocks noGrp="1"/>
+          </p:cNvSpPr>
+          <p:nvPr>
+            <p:ph type="title"/>
+          </p:nvPr>
+        </p:nvSpPr>
+        <p:spPr>
+          <a:xfrm>
+            <a:off x="3880430" y="583345"/>
+            <a:ext cx="7160357" cy="4164820"/>
+          </a:xfrm>
+        </p:spPr>
+        <p:txBody>
+          <a:bodyPr vert="horz" lIns="91440" tIns="45720" rIns="91440" bIns="45720" rtlCol="0" anchor="t">
+            <a:normAutofit/>
+          </a:bodyPr>
+          <a:lstStyle/>
+          <a:p>
+            <a:pPr algn="r"/>
+            <a:r>
+              <a:rPr lang="en-US" sz="4000" kern="1200" dirty="0">
+                <a:solidFill>
+                  <a:srgbClr val="000000"/>
+                </a:solidFill>
+                <a:latin typeface="Verdana" panose="020B0604030504040204" pitchFamily="34" charset="0"/>
+                <a:ea typeface="+mj-ea"/>
+                <a:cs typeface="+mj-cs"/>
+              </a:rPr>
+              <a:t>HTTP Verbs</a:t>
+            </a:r>
+            <a:endParaRPr lang="en-US" sz="8000" kern="1200" dirty="0">
+              <a:solidFill>
+                <a:srgbClr val="FFFFFF"/>
+              </a:solidFill>
+              <a:latin typeface="+mj-lt"/>
+              <a:ea typeface="+mj-ea"/>
+              <a:cs typeface="+mj-cs"/>
+            </a:endParaRPr>
+          </a:p>
+        </p:txBody>
+      </p:sp>
+      <p:pic>
+        <p:nvPicPr>
+          <p:cNvPr id="4" name="Imagem 3">
+            <a:extLst>
+              <a:ext uri="{FF2B5EF4-FFF2-40B4-BE49-F238E27FC236}">
+                <a16:creationId xmlns:a16="http://schemas.microsoft.com/office/drawing/2014/main" id="{603D9B67-A0C2-D30F-FD49-CE0A1736F43E}"/>
+              </a:ext>
+            </a:extLst>
+          </p:cNvPr>
+          <p:cNvPicPr>
+            <a:picLocks noChangeAspect="1"/>
+          </p:cNvPicPr>
+          <p:nvPr/>
+        </p:nvPicPr>
+        <p:blipFill>
+          <a:blip r:embed="rId2"/>
+          <a:stretch>
+            <a:fillRect/>
+          </a:stretch>
+        </p:blipFill>
+        <p:spPr>
+          <a:xfrm>
+            <a:off x="1003112" y="1018425"/>
+            <a:ext cx="6145568" cy="5724927"/>
+          </a:xfrm>
+          <a:prstGeom prst="rect">
+            <a:avLst/>
+          </a:prstGeom>
+        </p:spPr>
+      </p:pic>
+    </p:spTree>
+    <p:extLst>
+      <p:ext uri="{BB962C8B-B14F-4D97-AF65-F5344CB8AC3E}">
+        <p14:creationId xmlns:p14="http://schemas.microsoft.com/office/powerpoint/2010/main" val="48057337"/>
+      </p:ext>
+    </p:extLst>
+  </p:cSld>
+  <p:clrMapOvr>
+    <a:masterClrMapping/>
+  </p:clrMapOvr>
+</p:sld>
+</file>
+
+<file path=ppt/slides/slide9.xml><?xml version="1.0" encoding="utf-8"?>
+<p:sld xmlns:a="http://schemas.openxmlformats.org/drawingml/2006/main" xmlns:r="http://schemas.openxmlformats.org/officeDocument/2006/relationships" xmlns:p="http://schemas.openxmlformats.org/presentationml/2006/main">
+  <p:cSld>
+    <p:bg>
+      <p:bgPr>
+        <a:solidFill>
+          <a:schemeClr val="bg1"/>
+        </a:solidFill>
+        <a:effectLst/>
+      </p:bgPr>
+    </p:bg>
+    <p:spTree>
+      <p:nvGrpSpPr>
+        <p:cNvPr id="1" name="">
+          <a:extLst>
+            <a:ext uri="{FF2B5EF4-FFF2-40B4-BE49-F238E27FC236}">
+              <a16:creationId xmlns:a16="http://schemas.microsoft.com/office/drawing/2014/main" id="{485B1507-0230-9B71-B5EB-AFEFE9882B09}"/>
+            </a:ext>
+          </a:extLst>
+        </p:cNvPr>
+        <p:cNvGrpSpPr/>
+        <p:nvPr/>
+      </p:nvGrpSpPr>
+      <p:grpSpPr>
+        <a:xfrm>
+          <a:off x="0" y="0"/>
+          <a:ext cx="0" cy="0"/>
+          <a:chOff x="0" y="0"/>
+          <a:chExt cx="0" cy="0"/>
+        </a:xfrm>
+      </p:grpSpPr>
+      <p:sp>
+        <p:nvSpPr>
+          <p:cNvPr id="8" name="Rectangle 7">
+            <a:extLst>
+              <a:ext uri="{FF2B5EF4-FFF2-40B4-BE49-F238E27FC236}">
+                <a16:creationId xmlns:a16="http://schemas.microsoft.com/office/drawing/2014/main" id="{5653BAD4-AD6F-BD68-FF3E-A63AE09EDD7B}"/>
+              </a:ext>
+              <a:ext uri="{C183D7F6-B498-43B3-948B-1728B52AA6E4}">
+                <adec:decorative xmlns:adec="http://schemas.microsoft.com/office/drawing/2017/decorative" val="1"/>
+              </a:ext>
+            </a:extLst>
+          </p:cNvPr>
+          <p:cNvSpPr>
+            <a:spLocks noGrp="1" noRot="1" noChangeAspect="1" noMove="1" noResize="1" noEditPoints="1" noAdjustHandles="1" noChangeArrowheads="1" noChangeShapeType="1" noTextEdit="1"/>
+          </p:cNvSpPr>
+          <p:nvPr>
+            <p:extLst>
+              <p:ext uri="{386F3935-93C4-4BCD-93E2-E3B085C9AB24}">
+                <p16:designElem xmlns:p16="http://schemas.microsoft.com/office/powerpoint/2015/main" val="1"/>
+              </p:ext>
+            </p:extLst>
+          </p:nvPr>
+        </p:nvSpPr>
+        <p:spPr>
+          <a:xfrm>
+            <a:off x="0" y="0"/>
+            <a:ext cx="12192000" cy="6858000"/>
+          </a:xfrm>
+          <a:prstGeom prst="rect">
+            <a:avLst/>
+          </a:prstGeom>
+          <a:gradFill flip="none" rotWithShape="1">
+            <a:gsLst>
+              <a:gs pos="0">
+                <a:schemeClr val="accent1"/>
+              </a:gs>
+              <a:gs pos="100000">
+                <a:schemeClr val="accent2"/>
+              </a:gs>
+            </a:gsLst>
+            <a:lin ang="8100000" scaled="0"/>
+            <a:tileRect/>
+          </a:gradFill>
+          <a:ln>
+            <a:noFill/>
+          </a:ln>
+        </p:spPr>
+        <p:style>
+          <a:lnRef idx="2">
+            <a:schemeClr val="accent1">
+              <a:shade val="50000"/>
+            </a:schemeClr>
+          </a:lnRef>
+          <a:fillRef idx="1">
+            <a:schemeClr val="accent1"/>
+          </a:fillRef>
+          <a:effectRef idx="0">
+            <a:schemeClr val="accent1"/>
+          </a:effectRef>
+          <a:fontRef idx="minor">
+            <a:schemeClr val="lt1"/>
+          </a:fontRef>
+        </p:style>
+        <p:txBody>
+          <a:bodyPr rtlCol="0" anchor="ctr"/>
+          <a:lstStyle/>
+          <a:p>
+            <a:pPr algn="ctr"/>
+            <a:endParaRPr lang="en-US">
+              <a:solidFill>
+                <a:srgbClr val="FFFFFF"/>
+              </a:solidFill>
+            </a:endParaRPr>
+          </a:p>
+        </p:txBody>
+      </p:sp>
+      <p:sp>
+        <p:nvSpPr>
+          <p:cNvPr id="10" name="Graphic 13">
+            <a:extLst>
+              <a:ext uri="{FF2B5EF4-FFF2-40B4-BE49-F238E27FC236}">
+                <a16:creationId xmlns:a16="http://schemas.microsoft.com/office/drawing/2014/main" id="{02FE45AC-D7BC-6DBC-065D-1B6552E8B651}"/>
+              </a:ext>
+              <a:ext uri="{C183D7F6-B498-43B3-948B-1728B52AA6E4}">
+                <adec:decorative xmlns:adec="http://schemas.microsoft.com/office/drawing/2017/decorative" val="1"/>
+              </a:ext>
+            </a:extLst>
+          </p:cNvPr>
+          <p:cNvSpPr>
+            <a:spLocks noGrp="1" noRot="1" noChangeAspect="1" noMove="1" noResize="1" noEditPoints="1" noAdjustHandles="1" noChangeArrowheads="1" noChangeShapeType="1" noTextEdit="1"/>
+          </p:cNvSpPr>
+          <p:nvPr>
+            <p:extLst>
+              <p:ext uri="{386F3935-93C4-4BCD-93E2-E3B085C9AB24}">
+                <p16:designElem xmlns:p16="http://schemas.microsoft.com/office/powerpoint/2015/main" val="1"/>
+              </p:ext>
+            </p:extLst>
+          </p:nvPr>
+        </p:nvSpPr>
+        <p:spPr>
+          <a:xfrm>
+            <a:off x="3474359" y="583345"/>
+            <a:ext cx="139039" cy="139039"/>
+          </a:xfrm>
+          <a:custGeom>
+            <a:avLst/>
+            <a:gdLst>
+              <a:gd name="connsiteX0" fmla="*/ 129602 w 139039"/>
+              <a:gd name="connsiteY0" fmla="*/ 60082 h 139039"/>
+              <a:gd name="connsiteX1" fmla="*/ 78957 w 139039"/>
+              <a:gd name="connsiteY1" fmla="*/ 60082 h 139039"/>
+              <a:gd name="connsiteX2" fmla="*/ 78957 w 139039"/>
+              <a:gd name="connsiteY2" fmla="*/ 9437 h 139039"/>
+              <a:gd name="connsiteX3" fmla="*/ 69520 w 139039"/>
+              <a:gd name="connsiteY3" fmla="*/ 0 h 139039"/>
+              <a:gd name="connsiteX4" fmla="*/ 60082 w 139039"/>
+              <a:gd name="connsiteY4" fmla="*/ 9437 h 139039"/>
+              <a:gd name="connsiteX5" fmla="*/ 60082 w 139039"/>
+              <a:gd name="connsiteY5" fmla="*/ 60082 h 139039"/>
+              <a:gd name="connsiteX6" fmla="*/ 9437 w 139039"/>
+              <a:gd name="connsiteY6" fmla="*/ 60082 h 139039"/>
+              <a:gd name="connsiteX7" fmla="*/ 0 w 139039"/>
+              <a:gd name="connsiteY7" fmla="*/ 69520 h 139039"/>
+              <a:gd name="connsiteX8" fmla="*/ 9437 w 139039"/>
+              <a:gd name="connsiteY8" fmla="*/ 78957 h 139039"/>
+              <a:gd name="connsiteX9" fmla="*/ 60082 w 139039"/>
+              <a:gd name="connsiteY9" fmla="*/ 78957 h 139039"/>
+              <a:gd name="connsiteX10" fmla="*/ 60082 w 139039"/>
+              <a:gd name="connsiteY10" fmla="*/ 129602 h 139039"/>
+              <a:gd name="connsiteX11" fmla="*/ 69520 w 139039"/>
+              <a:gd name="connsiteY11" fmla="*/ 139039 h 139039"/>
+              <a:gd name="connsiteX12" fmla="*/ 78957 w 139039"/>
+              <a:gd name="connsiteY12" fmla="*/ 129602 h 139039"/>
+              <a:gd name="connsiteX13" fmla="*/ 78957 w 139039"/>
+              <a:gd name="connsiteY13" fmla="*/ 78957 h 139039"/>
+              <a:gd name="connsiteX14" fmla="*/ 129602 w 139039"/>
+              <a:gd name="connsiteY14" fmla="*/ 78957 h 139039"/>
+              <a:gd name="connsiteX15" fmla="*/ 139039 w 139039"/>
+              <a:gd name="connsiteY15" fmla="*/ 69520 h 139039"/>
+              <a:gd name="connsiteX16" fmla="*/ 129602 w 139039"/>
+              <a:gd name="connsiteY16" fmla="*/ 60082 h 139039"/>
+            </a:gdLst>
+            <a:ahLst/>
+            <a:cxnLst>
+              <a:cxn ang="0">
+                <a:pos x="connsiteX0" y="connsiteY0"/>
+              </a:cxn>
+              <a:cxn ang="0">
+                <a:pos x="connsiteX1" y="connsiteY1"/>
+              </a:cxn>
+              <a:cxn ang="0">
+                <a:pos x="connsiteX2" y="connsiteY2"/>
+              </a:cxn>
+              <a:cxn ang="0">
+                <a:pos x="connsiteX3" y="connsiteY3"/>
+              </a:cxn>
+              <a:cxn ang="0">
+                <a:pos x="connsiteX4" y="connsiteY4"/>
+              </a:cxn>
+              <a:cxn ang="0">
+                <a:pos x="connsiteX5" y="connsiteY5"/>
+              </a:cxn>
+              <a:cxn ang="0">
+                <a:pos x="connsiteX6" y="connsiteY6"/>
+              </a:cxn>
+              <a:cxn ang="0">
+                <a:pos x="connsiteX7" y="connsiteY7"/>
+              </a:cxn>
+              <a:cxn ang="0">
+                <a:pos x="connsiteX8" y="connsiteY8"/>
+              </a:cxn>
+              <a:cxn ang="0">
+                <a:pos x="connsiteX9" y="connsiteY9"/>
+              </a:cxn>
+              <a:cxn ang="0">
+                <a:pos x="connsiteX10" y="connsiteY10"/>
+              </a:cxn>
+              <a:cxn ang="0">
+                <a:pos x="connsiteX11" y="connsiteY11"/>
+              </a:cxn>
+              <a:cxn ang="0">
+                <a:pos x="connsiteX12" y="connsiteY12"/>
+              </a:cxn>
+              <a:cxn ang="0">
+                <a:pos x="connsiteX13" y="connsiteY13"/>
+              </a:cxn>
+              <a:cxn ang="0">
+                <a:pos x="connsiteX14" y="connsiteY14"/>
+              </a:cxn>
+              <a:cxn ang="0">
+                <a:pos x="connsiteX15" y="connsiteY15"/>
+              </a:cxn>
+              <a:cxn ang="0">
+                <a:pos x="connsiteX16" y="connsiteY16"/>
+              </a:cxn>
+            </a:cxnLst>
+            <a:rect l="l" t="t" r="r" b="b"/>
+            <a:pathLst>
+              <a:path w="139039" h="139039">
+                <a:moveTo>
+                  <a:pt x="129602" y="60082"/>
+                </a:moveTo>
+                <a:lnTo>
+                  <a:pt x="78957" y="60082"/>
+                </a:lnTo>
+                <a:lnTo>
+                  <a:pt x="78957" y="9437"/>
+                </a:lnTo>
+                <a:cubicBezTo>
+                  <a:pt x="78957" y="4225"/>
+                  <a:pt x="74731" y="0"/>
+                  <a:pt x="69520" y="0"/>
+                </a:cubicBezTo>
+                <a:cubicBezTo>
+                  <a:pt x="64308" y="0"/>
+                  <a:pt x="60082" y="4225"/>
+                  <a:pt x="60082" y="9437"/>
+                </a:cubicBezTo>
+                <a:lnTo>
+                  <a:pt x="60082" y="60082"/>
+                </a:lnTo>
+                <a:lnTo>
+                  <a:pt x="9437" y="60082"/>
+                </a:lnTo>
+                <a:cubicBezTo>
+                  <a:pt x="4225" y="60082"/>
+                  <a:pt x="0" y="64308"/>
+                  <a:pt x="0" y="69520"/>
+                </a:cubicBezTo>
+                <a:cubicBezTo>
+                  <a:pt x="0" y="74731"/>
+                  <a:pt x="4225" y="78957"/>
+                  <a:pt x="9437" y="78957"/>
+                </a:cubicBezTo>
+                <a:lnTo>
+                  <a:pt x="60082" y="78957"/>
+                </a:lnTo>
+                <a:lnTo>
+                  <a:pt x="60082" y="129602"/>
+                </a:lnTo>
+                <a:cubicBezTo>
+                  <a:pt x="60082" y="134814"/>
+                  <a:pt x="64308" y="139039"/>
+                  <a:pt x="69520" y="139039"/>
+                </a:cubicBezTo>
+                <a:cubicBezTo>
+                  <a:pt x="74731" y="139039"/>
+                  <a:pt x="78957" y="134814"/>
+                  <a:pt x="78957" y="129602"/>
+                </a:cubicBezTo>
+                <a:lnTo>
+                  <a:pt x="78957" y="78957"/>
+                </a:lnTo>
+                <a:lnTo>
+                  <a:pt x="129602" y="78957"/>
+                </a:lnTo>
+                <a:cubicBezTo>
+                  <a:pt x="134814" y="78957"/>
+                  <a:pt x="139039" y="74731"/>
+                  <a:pt x="139039" y="69520"/>
+                </a:cubicBezTo>
+                <a:cubicBezTo>
+                  <a:pt x="139039" y="64308"/>
+                  <a:pt x="134814" y="60082"/>
+                  <a:pt x="129602" y="60082"/>
+                </a:cubicBezTo>
+                <a:close/>
+              </a:path>
+            </a:pathLst>
+          </a:custGeom>
+          <a:solidFill>
+            <a:srgbClr val="FFFFFF"/>
+          </a:solidFill>
+          <a:ln w="603" cap="flat">
+            <a:noFill/>
+            <a:prstDash val="solid"/>
+            <a:miter/>
+          </a:ln>
+        </p:spPr>
+        <p:txBody>
+          <a:bodyPr rtlCol="0" anchor="ctr"/>
+          <a:lstStyle/>
+          <a:p>
+            <a:endParaRPr lang="en-US">
+              <a:solidFill>
+                <a:srgbClr val="FFFFFF"/>
+              </a:solidFill>
+            </a:endParaRPr>
+          </a:p>
+        </p:txBody>
+      </p:sp>
+      <p:sp>
+        <p:nvSpPr>
+          <p:cNvPr id="12" name="Graphic 12">
+            <a:extLst>
+              <a:ext uri="{FF2B5EF4-FFF2-40B4-BE49-F238E27FC236}">
+                <a16:creationId xmlns:a16="http://schemas.microsoft.com/office/drawing/2014/main" id="{EF9E5CCC-7F83-7499-08ED-62F643033C1C}"/>
+              </a:ext>
+              <a:ext uri="{C183D7F6-B498-43B3-948B-1728B52AA6E4}">
+                <adec:decorative xmlns:adec="http://schemas.microsoft.com/office/drawing/2017/decorative" val="1"/>
+              </a:ext>
+            </a:extLst>
+          </p:cNvPr>
+          <p:cNvSpPr>
+            <a:spLocks noGrp="1" noRot="1" noChangeAspect="1" noMove="1" noResize="1" noEditPoints="1" noAdjustHandles="1" noChangeArrowheads="1" noChangeShapeType="1" noTextEdit="1"/>
+          </p:cNvSpPr>
+          <p:nvPr>
+            <p:extLst>
+              <p:ext uri="{386F3935-93C4-4BCD-93E2-E3B085C9AB24}">
+                <p16:designElem xmlns:p16="http://schemas.microsoft.com/office/powerpoint/2015/main" val="1"/>
+              </p:ext>
+            </p:extLst>
+          </p:nvPr>
+        </p:nvSpPr>
+        <p:spPr>
+          <a:xfrm>
+            <a:off x="3833139" y="812640"/>
+            <a:ext cx="91138" cy="91138"/>
+          </a:xfrm>
+          <a:custGeom>
+            <a:avLst/>
+            <a:gdLst>
+              <a:gd name="connsiteX0" fmla="*/ 91138 w 91138"/>
+              <a:gd name="connsiteY0" fmla="*/ 45569 h 91138"/>
+              <a:gd name="connsiteX1" fmla="*/ 45569 w 91138"/>
+              <a:gd name="connsiteY1" fmla="*/ 91138 h 91138"/>
+              <a:gd name="connsiteX2" fmla="*/ 0 w 91138"/>
+              <a:gd name="connsiteY2" fmla="*/ 45569 h 91138"/>
+              <a:gd name="connsiteX3" fmla="*/ 45569 w 91138"/>
+              <a:gd name="connsiteY3" fmla="*/ 0 h 91138"/>
+              <a:gd name="connsiteX4" fmla="*/ 91138 w 91138"/>
+              <a:gd name="connsiteY4" fmla="*/ 45569 h 91138"/>
+            </a:gdLst>
+            <a:ahLst/>
+            <a:cxnLst>
+              <a:cxn ang="0">
+                <a:pos x="connsiteX0" y="connsiteY0"/>
+              </a:cxn>
+              <a:cxn ang="0">
+                <a:pos x="connsiteX1" y="connsiteY1"/>
+              </a:cxn>
+              <a:cxn ang="0">
+                <a:pos x="connsiteX2" y="connsiteY2"/>
+              </a:cxn>
+              <a:cxn ang="0">
+                <a:pos x="connsiteX3" y="connsiteY3"/>
+              </a:cxn>
+              <a:cxn ang="0">
+                <a:pos x="connsiteX4" y="connsiteY4"/>
+              </a:cxn>
+            </a:cxnLst>
+            <a:rect l="l" t="t" r="r" b="b"/>
+            <a:pathLst>
+              <a:path w="91138" h="91138">
+                <a:moveTo>
+                  <a:pt x="91138" y="45569"/>
+                </a:moveTo>
+                <a:cubicBezTo>
+                  <a:pt x="91138" y="70736"/>
+                  <a:pt x="70736" y="91138"/>
+                  <a:pt x="45569" y="91138"/>
+                </a:cubicBezTo>
+                <a:cubicBezTo>
+                  <a:pt x="20402" y="91138"/>
+                  <a:pt x="0" y="70736"/>
+                  <a:pt x="0" y="45569"/>
+                </a:cubicBezTo>
+                <a:cubicBezTo>
+                  <a:pt x="0" y="20402"/>
+                  <a:pt x="20402" y="0"/>
+                  <a:pt x="45569" y="0"/>
+                </a:cubicBezTo>
+                <a:cubicBezTo>
+                  <a:pt x="70736" y="0"/>
+                  <a:pt x="91138" y="20402"/>
+                  <a:pt x="91138" y="45569"/>
+                </a:cubicBezTo>
+                <a:close/>
+              </a:path>
+            </a:pathLst>
+          </a:custGeom>
+          <a:solidFill>
+            <a:srgbClr val="FFFFFF"/>
+          </a:solidFill>
+          <a:ln w="422" cap="flat">
+            <a:noFill/>
+            <a:prstDash val="solid"/>
+            <a:miter/>
+          </a:ln>
+        </p:spPr>
+        <p:txBody>
+          <a:bodyPr rtlCol="0" anchor="ctr"/>
+          <a:lstStyle/>
+          <a:p>
+            <a:endParaRPr lang="en-US">
+              <a:solidFill>
+                <a:srgbClr val="FFFFFF"/>
+              </a:solidFill>
+            </a:endParaRPr>
+          </a:p>
+        </p:txBody>
+      </p:sp>
+      <p:sp>
+        <p:nvSpPr>
+          <p:cNvPr id="14" name="Graphic 15">
+            <a:extLst>
+              <a:ext uri="{FF2B5EF4-FFF2-40B4-BE49-F238E27FC236}">
+                <a16:creationId xmlns:a16="http://schemas.microsoft.com/office/drawing/2014/main" id="{EA63006A-F033-B93E-D1AE-DE615AFECCA4}"/>
+              </a:ext>
+              <a:ext uri="{C183D7F6-B498-43B3-948B-1728B52AA6E4}">
+                <adec:decorative xmlns:adec="http://schemas.microsoft.com/office/drawing/2017/decorative" val="1"/>
+              </a:ext>
+            </a:extLst>
+          </p:cNvPr>
+          <p:cNvSpPr>
+            <a:spLocks noGrp="1" noRot="1" noChangeAspect="1" noMove="1" noResize="1" noEditPoints="1" noAdjustHandles="1" noChangeArrowheads="1" noChangeShapeType="1" noTextEdit="1"/>
+          </p:cNvSpPr>
+          <p:nvPr>
+            <p:extLst>
+              <p:ext uri="{386F3935-93C4-4BCD-93E2-E3B085C9AB24}">
+                <p16:designElem xmlns:p16="http://schemas.microsoft.com/office/powerpoint/2015/main" val="1"/>
+              </p:ext>
+            </p:extLst>
+          </p:nvPr>
+        </p:nvSpPr>
+        <p:spPr>
+          <a:xfrm>
+            <a:off x="3458819" y="1037066"/>
+            <a:ext cx="127714" cy="127714"/>
+          </a:xfrm>
+          <a:custGeom>
+            <a:avLst/>
+            <a:gdLst>
+              <a:gd name="connsiteX0" fmla="*/ 63857 w 127714"/>
+              <a:gd name="connsiteY0" fmla="*/ 18874 h 127714"/>
+              <a:gd name="connsiteX1" fmla="*/ 108840 w 127714"/>
+              <a:gd name="connsiteY1" fmla="*/ 63857 h 127714"/>
+              <a:gd name="connsiteX2" fmla="*/ 63857 w 127714"/>
+              <a:gd name="connsiteY2" fmla="*/ 108840 h 127714"/>
+              <a:gd name="connsiteX3" fmla="*/ 18874 w 127714"/>
+              <a:gd name="connsiteY3" fmla="*/ 63857 h 127714"/>
+              <a:gd name="connsiteX4" fmla="*/ 63857 w 127714"/>
+              <a:gd name="connsiteY4" fmla="*/ 18874 h 127714"/>
+              <a:gd name="connsiteX5" fmla="*/ 63857 w 127714"/>
+              <a:gd name="connsiteY5" fmla="*/ 0 h 127714"/>
+              <a:gd name="connsiteX6" fmla="*/ 0 w 127714"/>
+              <a:gd name="connsiteY6" fmla="*/ 63857 h 127714"/>
+              <a:gd name="connsiteX7" fmla="*/ 63857 w 127714"/>
+              <a:gd name="connsiteY7" fmla="*/ 127714 h 127714"/>
+              <a:gd name="connsiteX8" fmla="*/ 127714 w 127714"/>
+              <a:gd name="connsiteY8" fmla="*/ 63857 h 127714"/>
+              <a:gd name="connsiteX9" fmla="*/ 63857 w 127714"/>
+              <a:gd name="connsiteY9" fmla="*/ 0 h 127714"/>
+            </a:gdLst>
+            <a:ahLst/>
+            <a:cxnLst>
+              <a:cxn ang="0">
+                <a:pos x="connsiteX0" y="connsiteY0"/>
+              </a:cxn>
+              <a:cxn ang="0">
+                <a:pos x="connsiteX1" y="connsiteY1"/>
+              </a:cxn>
+              <a:cxn ang="0">
+                <a:pos x="connsiteX2" y="connsiteY2"/>
+              </a:cxn>
+              <a:cxn ang="0">
+                <a:pos x="connsiteX3" y="connsiteY3"/>
+              </a:cxn>
+              <a:cxn ang="0">
+                <a:pos x="connsiteX4" y="connsiteY4"/>
+              </a:cxn>
+              <a:cxn ang="0">
+                <a:pos x="connsiteX5" y="connsiteY5"/>
+              </a:cxn>
+              <a:cxn ang="0">
+                <a:pos x="connsiteX6" y="connsiteY6"/>
+              </a:cxn>
+              <a:cxn ang="0">
+                <a:pos x="connsiteX7" y="connsiteY7"/>
+              </a:cxn>
+              <a:cxn ang="0">
+                <a:pos x="connsiteX8" y="connsiteY8"/>
+              </a:cxn>
+              <a:cxn ang="0">
+                <a:pos x="connsiteX9" y="connsiteY9"/>
+              </a:cxn>
+            </a:cxnLst>
+            <a:rect l="l" t="t" r="r" b="b"/>
+            <a:pathLst>
+              <a:path w="127714" h="127714">
+                <a:moveTo>
+                  <a:pt x="63857" y="18874"/>
+                </a:moveTo>
+                <a:cubicBezTo>
+                  <a:pt x="88700" y="18874"/>
+                  <a:pt x="108840" y="39014"/>
+                  <a:pt x="108840" y="63857"/>
+                </a:cubicBezTo>
+                <a:cubicBezTo>
+                  <a:pt x="108840" y="88700"/>
+                  <a:pt x="88700" y="108840"/>
+                  <a:pt x="63857" y="108840"/>
+                </a:cubicBezTo>
+                <a:cubicBezTo>
+                  <a:pt x="39014" y="108840"/>
+                  <a:pt x="18874" y="88700"/>
+                  <a:pt x="18874" y="63857"/>
+                </a:cubicBezTo>
+                <a:cubicBezTo>
+                  <a:pt x="18898" y="39024"/>
+                  <a:pt x="39024" y="18898"/>
+                  <a:pt x="63857" y="18874"/>
+                </a:cubicBezTo>
+                <a:moveTo>
+                  <a:pt x="63857" y="0"/>
+                </a:moveTo>
+                <a:cubicBezTo>
+                  <a:pt x="28590" y="0"/>
+                  <a:pt x="0" y="28590"/>
+                  <a:pt x="0" y="63857"/>
+                </a:cubicBezTo>
+                <a:cubicBezTo>
+                  <a:pt x="0" y="99124"/>
+                  <a:pt x="28590" y="127714"/>
+                  <a:pt x="63857" y="127714"/>
+                </a:cubicBezTo>
+                <a:cubicBezTo>
+                  <a:pt x="99124" y="127714"/>
+                  <a:pt x="127714" y="99124"/>
+                  <a:pt x="127714" y="63857"/>
+                </a:cubicBezTo>
+                <a:cubicBezTo>
+                  <a:pt x="127714" y="28590"/>
+                  <a:pt x="99124" y="0"/>
+                  <a:pt x="63857" y="0"/>
+                </a:cubicBezTo>
+                <a:close/>
+              </a:path>
+            </a:pathLst>
+          </a:custGeom>
+          <a:solidFill>
+            <a:srgbClr val="FFFFFF"/>
+          </a:solidFill>
+          <a:ln w="610" cap="flat">
+            <a:noFill/>
+            <a:prstDash val="solid"/>
+            <a:miter/>
+          </a:ln>
+        </p:spPr>
+        <p:txBody>
+          <a:bodyPr rtlCol="0" anchor="ctr"/>
+          <a:lstStyle/>
+          <a:p>
+            <a:endParaRPr lang="en-US">
+              <a:solidFill>
+                <a:srgbClr val="FFFFFF"/>
+              </a:solidFill>
+            </a:endParaRPr>
+          </a:p>
+        </p:txBody>
+      </p:sp>
+      <p:cxnSp>
+        <p:nvCxnSpPr>
+          <p:cNvPr id="16" name="Straight Connector 15">
+            <a:extLst>
+              <a:ext uri="{FF2B5EF4-FFF2-40B4-BE49-F238E27FC236}">
+                <a16:creationId xmlns:a16="http://schemas.microsoft.com/office/drawing/2014/main" id="{78795D57-C1FA-AA0E-6340-92F89F2842CA}"/>
+              </a:ext>
+              <a:ext uri="{C183D7F6-B498-43B3-948B-1728B52AA6E4}">
+                <adec:decorative xmlns:adec="http://schemas.microsoft.com/office/drawing/2017/decorative" val="1"/>
+              </a:ext>
+            </a:extLst>
+          </p:cNvPr>
+          <p:cNvCxnSpPr>
+            <a:cxnSpLocks noGrp="1" noRot="1" noChangeAspect="1" noMove="1" noResize="1" noEditPoints="1" noAdjustHandles="1" noChangeArrowheads="1" noChangeShapeType="1"/>
+          </p:cNvCxnSpPr>
+          <p:nvPr>
+            <p:extLst>
+              <p:ext uri="{386F3935-93C4-4BCD-93E2-E3B085C9AB24}">
+                <p16:designElem xmlns:p16="http://schemas.microsoft.com/office/powerpoint/2015/main" val="1"/>
+              </p:ext>
+            </p:extLst>
+          </p:nvPr>
+        </p:nvCxnSpPr>
+        <p:spPr>
+          <a:xfrm>
+            <a:off x="856114" y="3503032"/>
+            <a:ext cx="0" cy="3346090"/>
+          </a:xfrm>
+          <a:prstGeom prst="line">
+            <a:avLst/>
+          </a:prstGeom>
+          <a:ln w="25400" cap="sq">
+            <a:solidFill>
+              <a:srgbClr val="FFFFFF"/>
+            </a:solidFill>
+            <a:bevel/>
+          </a:ln>
+        </p:spPr>
+        <p:style>
+          <a:lnRef idx="1">
+            <a:schemeClr val="accent1"/>
+          </a:lnRef>
+          <a:fillRef idx="0">
+            <a:schemeClr val="accent1"/>
+          </a:fillRef>
+          <a:effectRef idx="0">
+            <a:schemeClr val="accent1"/>
+          </a:effectRef>
+          <a:fontRef idx="minor">
+            <a:schemeClr val="tx1"/>
+          </a:fontRef>
+        </p:style>
+      </p:cxnSp>
+      <p:sp>
+        <p:nvSpPr>
+          <p:cNvPr id="18" name="Graphic 22">
+            <a:extLst>
+              <a:ext uri="{FF2B5EF4-FFF2-40B4-BE49-F238E27FC236}">
+                <a16:creationId xmlns:a16="http://schemas.microsoft.com/office/drawing/2014/main" id="{2655A388-CDF9-4DBF-2662-A38401DCAFAA}"/>
+              </a:ext>
+              <a:ext uri="{C183D7F6-B498-43B3-948B-1728B52AA6E4}">
+                <adec:decorative xmlns:adec="http://schemas.microsoft.com/office/drawing/2017/decorative" val="1"/>
+              </a:ext>
+            </a:extLst>
+          </p:cNvPr>
+          <p:cNvSpPr>
+            <a:spLocks noGrp="1" noRot="1" noChangeAspect="1" noMove="1" noResize="1" noEditPoints="1" noAdjustHandles="1" noChangeArrowheads="1" noChangeShapeType="1" noTextEdit="1"/>
+          </p:cNvSpPr>
+          <p:nvPr>
+            <p:extLst>
+              <p:ext uri="{386F3935-93C4-4BCD-93E2-E3B085C9AB24}">
+                <p16:designElem xmlns:p16="http://schemas.microsoft.com/office/powerpoint/2015/main" val="1"/>
+              </p:ext>
+            </p:extLst>
+          </p:nvPr>
+        </p:nvSpPr>
+        <p:spPr>
+          <a:xfrm>
+            <a:off x="10836425" y="5636680"/>
+            <a:ext cx="151536" cy="151536"/>
+          </a:xfrm>
+          <a:custGeom>
+            <a:avLst/>
+            <a:gdLst>
+              <a:gd name="connsiteX0" fmla="*/ 141251 w 151536"/>
+              <a:gd name="connsiteY0" fmla="*/ 65483 h 151536"/>
+              <a:gd name="connsiteX1" fmla="*/ 86053 w 151536"/>
+              <a:gd name="connsiteY1" fmla="*/ 65483 h 151536"/>
+              <a:gd name="connsiteX2" fmla="*/ 86053 w 151536"/>
+              <a:gd name="connsiteY2" fmla="*/ 10285 h 151536"/>
+              <a:gd name="connsiteX3" fmla="*/ 75768 w 151536"/>
+              <a:gd name="connsiteY3" fmla="*/ 0 h 151536"/>
+              <a:gd name="connsiteX4" fmla="*/ 65483 w 151536"/>
+              <a:gd name="connsiteY4" fmla="*/ 10285 h 151536"/>
+              <a:gd name="connsiteX5" fmla="*/ 65483 w 151536"/>
+              <a:gd name="connsiteY5" fmla="*/ 65483 h 151536"/>
+              <a:gd name="connsiteX6" fmla="*/ 10285 w 151536"/>
+              <a:gd name="connsiteY6" fmla="*/ 65483 h 151536"/>
+              <a:gd name="connsiteX7" fmla="*/ 0 w 151536"/>
+              <a:gd name="connsiteY7" fmla="*/ 75768 h 151536"/>
+              <a:gd name="connsiteX8" fmla="*/ 10285 w 151536"/>
+              <a:gd name="connsiteY8" fmla="*/ 86053 h 151536"/>
+              <a:gd name="connsiteX9" fmla="*/ 65483 w 151536"/>
+              <a:gd name="connsiteY9" fmla="*/ 86053 h 151536"/>
+              <a:gd name="connsiteX10" fmla="*/ 65483 w 151536"/>
+              <a:gd name="connsiteY10" fmla="*/ 141251 h 151536"/>
+              <a:gd name="connsiteX11" fmla="*/ 75768 w 151536"/>
+              <a:gd name="connsiteY11" fmla="*/ 151536 h 151536"/>
+              <a:gd name="connsiteX12" fmla="*/ 86053 w 151536"/>
+              <a:gd name="connsiteY12" fmla="*/ 141251 h 151536"/>
+              <a:gd name="connsiteX13" fmla="*/ 86053 w 151536"/>
+              <a:gd name="connsiteY13" fmla="*/ 86053 h 151536"/>
+              <a:gd name="connsiteX14" fmla="*/ 141251 w 151536"/>
+              <a:gd name="connsiteY14" fmla="*/ 86053 h 151536"/>
+              <a:gd name="connsiteX15" fmla="*/ 151536 w 151536"/>
+              <a:gd name="connsiteY15" fmla="*/ 75768 h 151536"/>
+              <a:gd name="connsiteX16" fmla="*/ 141251 w 151536"/>
+              <a:gd name="connsiteY16" fmla="*/ 65483 h 151536"/>
+            </a:gdLst>
+            <a:ahLst/>
+            <a:cxnLst>
+              <a:cxn ang="0">
+                <a:pos x="connsiteX0" y="connsiteY0"/>
+              </a:cxn>
+              <a:cxn ang="0">
+                <a:pos x="connsiteX1" y="connsiteY1"/>
+              </a:cxn>
+              <a:cxn ang="0">
+                <a:pos x="connsiteX2" y="connsiteY2"/>
+              </a:cxn>
+              <a:cxn ang="0">
+                <a:pos x="connsiteX3" y="connsiteY3"/>
+              </a:cxn>
+              <a:cxn ang="0">
+                <a:pos x="connsiteX4" y="connsiteY4"/>
+              </a:cxn>
+              <a:cxn ang="0">
+                <a:pos x="connsiteX5" y="connsiteY5"/>
+              </a:cxn>
+              <a:cxn ang="0">
+                <a:pos x="connsiteX6" y="connsiteY6"/>
+              </a:cxn>
+              <a:cxn ang="0">
+                <a:pos x="connsiteX7" y="connsiteY7"/>
+              </a:cxn>
+              <a:cxn ang="0">
+                <a:pos x="connsiteX8" y="connsiteY8"/>
+              </a:cxn>
+              <a:cxn ang="0">
+                <a:pos x="connsiteX9" y="connsiteY9"/>
+              </a:cxn>
+              <a:cxn ang="0">
+                <a:pos x="connsiteX10" y="connsiteY10"/>
+              </a:cxn>
+              <a:cxn ang="0">
+                <a:pos x="connsiteX11" y="connsiteY11"/>
+              </a:cxn>
+              <a:cxn ang="0">
+                <a:pos x="connsiteX12" y="connsiteY12"/>
+              </a:cxn>
+              <a:cxn ang="0">
+                <a:pos x="connsiteX13" y="connsiteY13"/>
+              </a:cxn>
+              <a:cxn ang="0">
+                <a:pos x="connsiteX14" y="connsiteY14"/>
+              </a:cxn>
+              <a:cxn ang="0">
+                <a:pos x="connsiteX15" y="connsiteY15"/>
+              </a:cxn>
+              <a:cxn ang="0">
+                <a:pos x="connsiteX16" y="connsiteY16"/>
+              </a:cxn>
+            </a:cxnLst>
+            <a:rect l="l" t="t" r="r" b="b"/>
+            <a:pathLst>
+              <a:path w="151536" h="151536">
+                <a:moveTo>
+                  <a:pt x="141251" y="65483"/>
+                </a:moveTo>
+                <a:lnTo>
+                  <a:pt x="86053" y="65483"/>
+                </a:lnTo>
+                <a:lnTo>
+                  <a:pt x="86053" y="10285"/>
+                </a:lnTo>
+                <a:cubicBezTo>
+                  <a:pt x="86053" y="4605"/>
+                  <a:pt x="81448" y="0"/>
+                  <a:pt x="75768" y="0"/>
+                </a:cubicBezTo>
+                <a:cubicBezTo>
+                  <a:pt x="70088" y="0"/>
+                  <a:pt x="65483" y="4605"/>
+                  <a:pt x="65483" y="10285"/>
+                </a:cubicBezTo>
+                <a:lnTo>
+                  <a:pt x="65483" y="65483"/>
+                </a:lnTo>
+                <a:lnTo>
+                  <a:pt x="10285" y="65483"/>
+                </a:lnTo>
+                <a:cubicBezTo>
+                  <a:pt x="4605" y="65483"/>
+                  <a:pt x="0" y="70088"/>
+                  <a:pt x="0" y="75768"/>
+                </a:cubicBezTo>
+                <a:cubicBezTo>
+                  <a:pt x="0" y="81448"/>
+                  <a:pt x="4605" y="86053"/>
+                  <a:pt x="10285" y="86053"/>
+                </a:cubicBezTo>
+                <a:lnTo>
+                  <a:pt x="65483" y="86053"/>
+                </a:lnTo>
+                <a:lnTo>
+                  <a:pt x="65483" y="141251"/>
+                </a:lnTo>
+                <a:cubicBezTo>
+                  <a:pt x="65483" y="146931"/>
+                  <a:pt x="70088" y="151536"/>
+                  <a:pt x="75768" y="151536"/>
+                </a:cubicBezTo>
+                <a:cubicBezTo>
+                  <a:pt x="81448" y="151536"/>
+                  <a:pt x="86053" y="146931"/>
+                  <a:pt x="86053" y="141251"/>
+                </a:cubicBezTo>
+                <a:lnTo>
+                  <a:pt x="86053" y="86053"/>
+                </a:lnTo>
+                <a:lnTo>
+                  <a:pt x="141251" y="86053"/>
+                </a:lnTo>
+                <a:cubicBezTo>
+                  <a:pt x="146931" y="86053"/>
+                  <a:pt x="151536" y="81448"/>
+                  <a:pt x="151536" y="75768"/>
+                </a:cubicBezTo>
+                <a:cubicBezTo>
+                  <a:pt x="151536" y="70088"/>
+                  <a:pt x="146931" y="65483"/>
+                  <a:pt x="141251" y="65483"/>
+                </a:cubicBezTo>
+                <a:close/>
+              </a:path>
+            </a:pathLst>
+          </a:custGeom>
+          <a:solidFill>
+            <a:srgbClr val="FFFFFF"/>
+          </a:solidFill>
+          <a:ln w="646" cap="flat">
+            <a:noFill/>
+            <a:prstDash val="solid"/>
+            <a:miter/>
+          </a:ln>
+        </p:spPr>
+        <p:txBody>
+          <a:bodyPr rtlCol="0" anchor="ctr"/>
+          <a:lstStyle/>
+          <a:p>
+            <a:endParaRPr lang="en-US">
+              <a:solidFill>
+                <a:srgbClr val="FFFFFF"/>
+              </a:solidFill>
+            </a:endParaRPr>
+          </a:p>
+        </p:txBody>
+      </p:sp>
+      <p:sp>
+        <p:nvSpPr>
+          <p:cNvPr id="20" name="Graphic 23">
+            <a:extLst>
+              <a:ext uri="{FF2B5EF4-FFF2-40B4-BE49-F238E27FC236}">
+                <a16:creationId xmlns:a16="http://schemas.microsoft.com/office/drawing/2014/main" id="{C1028759-5B1E-BF97-1758-5427D479595C}"/>
+              </a:ext>
+              <a:ext uri="{C183D7F6-B498-43B3-948B-1728B52AA6E4}">
+                <adec:decorative xmlns:adec="http://schemas.microsoft.com/office/drawing/2017/decorative" val="1"/>
+              </a:ext>
+            </a:extLst>
+          </p:cNvPr>
+          <p:cNvSpPr>
+            <a:spLocks noGrp="1" noRot="1" noChangeAspect="1" noMove="1" noResize="1" noEditPoints="1" noAdjustHandles="1" noChangeArrowheads="1" noChangeShapeType="1" noTextEdit="1"/>
+          </p:cNvSpPr>
+          <p:nvPr>
+            <p:extLst>
+              <p:ext uri="{386F3935-93C4-4BCD-93E2-E3B085C9AB24}">
+                <p16:designElem xmlns:p16="http://schemas.microsoft.com/office/powerpoint/2015/main" val="1"/>
+              </p:ext>
+            </p:extLst>
+          </p:nvPr>
+        </p:nvSpPr>
+        <p:spPr>
+          <a:xfrm>
+            <a:off x="11245175" y="6096759"/>
+            <a:ext cx="108625" cy="108625"/>
+          </a:xfrm>
+          <a:custGeom>
+            <a:avLst/>
+            <a:gdLst>
+              <a:gd name="connsiteX0" fmla="*/ 54313 w 108625"/>
+              <a:gd name="connsiteY0" fmla="*/ 16053 h 108625"/>
+              <a:gd name="connsiteX1" fmla="*/ 92572 w 108625"/>
+              <a:gd name="connsiteY1" fmla="*/ 54313 h 108625"/>
+              <a:gd name="connsiteX2" fmla="*/ 54313 w 108625"/>
+              <a:gd name="connsiteY2" fmla="*/ 92572 h 108625"/>
+              <a:gd name="connsiteX3" fmla="*/ 16053 w 108625"/>
+              <a:gd name="connsiteY3" fmla="*/ 54313 h 108625"/>
+              <a:gd name="connsiteX4" fmla="*/ 54313 w 108625"/>
+              <a:gd name="connsiteY4" fmla="*/ 16053 h 108625"/>
+              <a:gd name="connsiteX5" fmla="*/ 54313 w 108625"/>
+              <a:gd name="connsiteY5" fmla="*/ 0 h 108625"/>
+              <a:gd name="connsiteX6" fmla="*/ 0 w 108625"/>
+              <a:gd name="connsiteY6" fmla="*/ 54313 h 108625"/>
+              <a:gd name="connsiteX7" fmla="*/ 54313 w 108625"/>
+              <a:gd name="connsiteY7" fmla="*/ 108625 h 108625"/>
+              <a:gd name="connsiteX8" fmla="*/ 108625 w 108625"/>
+              <a:gd name="connsiteY8" fmla="*/ 54313 h 108625"/>
+              <a:gd name="connsiteX9" fmla="*/ 54313 w 108625"/>
+              <a:gd name="connsiteY9" fmla="*/ 0 h 108625"/>
+            </a:gdLst>
+            <a:ahLst/>
+            <a:cxnLst>
+              <a:cxn ang="0">
+                <a:pos x="connsiteX0" y="connsiteY0"/>
+              </a:cxn>
+              <a:cxn ang="0">
+                <a:pos x="connsiteX1" y="connsiteY1"/>
+              </a:cxn>
+              <a:cxn ang="0">
+                <a:pos x="connsiteX2" y="connsiteY2"/>
+              </a:cxn>
+              <a:cxn ang="0">
+                <a:pos x="connsiteX3" y="connsiteY3"/>
+              </a:cxn>
+              <a:cxn ang="0">
+                <a:pos x="connsiteX4" y="connsiteY4"/>
+              </a:cxn>
+              <a:cxn ang="0">
+                <a:pos x="connsiteX5" y="connsiteY5"/>
+              </a:cxn>
+              <a:cxn ang="0">
+                <a:pos x="connsiteX6" y="connsiteY6"/>
+              </a:cxn>
+              <a:cxn ang="0">
+                <a:pos x="connsiteX7" y="connsiteY7"/>
+              </a:cxn>
+              <a:cxn ang="0">
+                <a:pos x="connsiteX8" y="connsiteY8"/>
+              </a:cxn>
+              <a:cxn ang="0">
+                <a:pos x="connsiteX9" y="connsiteY9"/>
+              </a:cxn>
+            </a:cxnLst>
+            <a:rect l="l" t="t" r="r" b="b"/>
+            <a:pathLst>
+              <a:path w="108625" h="108625">
+                <a:moveTo>
+                  <a:pt x="54313" y="16053"/>
+                </a:moveTo>
+                <a:cubicBezTo>
+                  <a:pt x="75442" y="16053"/>
+                  <a:pt x="92572" y="33182"/>
+                  <a:pt x="92572" y="54313"/>
+                </a:cubicBezTo>
+                <a:cubicBezTo>
+                  <a:pt x="92572" y="75442"/>
+                  <a:pt x="75442" y="92572"/>
+                  <a:pt x="54313" y="92572"/>
+                </a:cubicBezTo>
+                <a:cubicBezTo>
+                  <a:pt x="33182" y="92572"/>
+                  <a:pt x="16053" y="75442"/>
+                  <a:pt x="16053" y="54313"/>
+                </a:cubicBezTo>
+                <a:cubicBezTo>
+                  <a:pt x="16074" y="33191"/>
+                  <a:pt x="33191" y="16074"/>
+                  <a:pt x="54313" y="16053"/>
+                </a:cubicBezTo>
+                <a:moveTo>
+                  <a:pt x="54313" y="0"/>
+                </a:moveTo>
+                <a:cubicBezTo>
+                  <a:pt x="24317" y="0"/>
+                  <a:pt x="0" y="24317"/>
+                  <a:pt x="0" y="54313"/>
+                </a:cubicBezTo>
+                <a:cubicBezTo>
+                  <a:pt x="0" y="84309"/>
+                  <a:pt x="24317" y="108625"/>
+                  <a:pt x="54313" y="108625"/>
+                </a:cubicBezTo>
+                <a:cubicBezTo>
+                  <a:pt x="84309" y="108625"/>
+                  <a:pt x="108625" y="84309"/>
+                  <a:pt x="108625" y="54313"/>
+                </a:cubicBezTo>
+                <a:cubicBezTo>
+                  <a:pt x="108625" y="24317"/>
+                  <a:pt x="84309" y="0"/>
+                  <a:pt x="54313" y="0"/>
+                </a:cubicBezTo>
+                <a:close/>
+              </a:path>
+            </a:pathLst>
+          </a:custGeom>
+          <a:solidFill>
+            <a:srgbClr val="FFFFFF"/>
+          </a:solidFill>
+          <a:ln w="516" cap="flat">
+            <a:noFill/>
+            <a:prstDash val="solid"/>
+            <a:miter/>
+          </a:ln>
+        </p:spPr>
+        <p:txBody>
+          <a:bodyPr rtlCol="0" anchor="ctr"/>
+          <a:lstStyle/>
+          <a:p>
+            <a:endParaRPr lang="en-US">
+              <a:solidFill>
+                <a:srgbClr val="FFFFFF"/>
+              </a:solidFill>
+            </a:endParaRPr>
+          </a:p>
+        </p:txBody>
+      </p:sp>
+      <p:sp>
+        <p:nvSpPr>
+          <p:cNvPr id="22" name="Graphic 21">
+            <a:extLst>
+              <a:ext uri="{FF2B5EF4-FFF2-40B4-BE49-F238E27FC236}">
+                <a16:creationId xmlns:a16="http://schemas.microsoft.com/office/drawing/2014/main" id="{40132D62-A4C8-23CC-5BCF-5E57CE595F10}"/>
+              </a:ext>
+              <a:ext uri="{C183D7F6-B498-43B3-948B-1728B52AA6E4}">
+                <adec:decorative xmlns:adec="http://schemas.microsoft.com/office/drawing/2017/decorative" val="1"/>
+              </a:ext>
+            </a:extLst>
+          </p:cNvPr>
+          <p:cNvSpPr>
+            <a:spLocks noGrp="1" noRot="1" noChangeAspect="1" noMove="1" noResize="1" noEditPoints="1" noAdjustHandles="1" noChangeArrowheads="1" noChangeShapeType="1" noTextEdit="1"/>
+          </p:cNvSpPr>
+          <p:nvPr>
+            <p:extLst>
+              <p:ext uri="{386F3935-93C4-4BCD-93E2-E3B085C9AB24}">
+                <p16:designElem xmlns:p16="http://schemas.microsoft.com/office/powerpoint/2015/main" val="1"/>
+              </p:ext>
+            </p:extLst>
+          </p:nvPr>
+        </p:nvSpPr>
+        <p:spPr>
+          <a:xfrm>
+            <a:off x="10554288" y="6238029"/>
+            <a:ext cx="95759" cy="95759"/>
+          </a:xfrm>
+          <a:custGeom>
+            <a:avLst/>
+            <a:gdLst>
+              <a:gd name="connsiteX0" fmla="*/ 95759 w 95759"/>
+              <a:gd name="connsiteY0" fmla="*/ 47880 h 95759"/>
+              <a:gd name="connsiteX1" fmla="*/ 47880 w 95759"/>
+              <a:gd name="connsiteY1" fmla="*/ 95759 h 95759"/>
+              <a:gd name="connsiteX2" fmla="*/ 0 w 95759"/>
+              <a:gd name="connsiteY2" fmla="*/ 47880 h 95759"/>
+              <a:gd name="connsiteX3" fmla="*/ 47880 w 95759"/>
+              <a:gd name="connsiteY3" fmla="*/ 0 h 95759"/>
+              <a:gd name="connsiteX4" fmla="*/ 95759 w 95759"/>
+              <a:gd name="connsiteY4" fmla="*/ 47880 h 95759"/>
+            </a:gdLst>
+            <a:ahLst/>
+            <a:cxnLst>
+              <a:cxn ang="0">
+                <a:pos x="connsiteX0" y="connsiteY0"/>
+              </a:cxn>
+              <a:cxn ang="0">
+                <a:pos x="connsiteX1" y="connsiteY1"/>
+              </a:cxn>
+              <a:cxn ang="0">
+                <a:pos x="connsiteX2" y="connsiteY2"/>
+              </a:cxn>
+              <a:cxn ang="0">
+                <a:pos x="connsiteX3" y="connsiteY3"/>
+              </a:cxn>
+              <a:cxn ang="0">
+                <a:pos x="connsiteX4" y="connsiteY4"/>
+              </a:cxn>
+            </a:cxnLst>
+            <a:rect l="l" t="t" r="r" b="b"/>
+            <a:pathLst>
+              <a:path w="95759" h="95759">
+                <a:moveTo>
+                  <a:pt x="95759" y="47880"/>
+                </a:moveTo>
+                <a:cubicBezTo>
+                  <a:pt x="95759" y="74323"/>
+                  <a:pt x="74323" y="95759"/>
+                  <a:pt x="47880" y="95759"/>
+                </a:cubicBezTo>
+                <a:cubicBezTo>
+                  <a:pt x="21436" y="95759"/>
+                  <a:pt x="0" y="74323"/>
+                  <a:pt x="0" y="47880"/>
+                </a:cubicBezTo>
+                <a:cubicBezTo>
+                  <a:pt x="0" y="21436"/>
+                  <a:pt x="21436" y="0"/>
+                  <a:pt x="47880" y="0"/>
+                </a:cubicBezTo>
+                <a:cubicBezTo>
+                  <a:pt x="74323" y="0"/>
+                  <a:pt x="95759" y="21436"/>
+                  <a:pt x="95759" y="47880"/>
+                </a:cubicBezTo>
+                <a:close/>
+              </a:path>
+            </a:pathLst>
+          </a:custGeom>
+          <a:solidFill>
+            <a:srgbClr val="FFFFFF"/>
+          </a:solidFill>
+          <a:ln w="469" cap="flat">
+            <a:noFill/>
+            <a:prstDash val="solid"/>
+            <a:miter/>
+          </a:ln>
+        </p:spPr>
+        <p:txBody>
+          <a:bodyPr rtlCol="0" anchor="ctr"/>
+          <a:lstStyle/>
+          <a:p>
+            <a:endParaRPr lang="en-US">
+              <a:solidFill>
+                <a:srgbClr val="FFFFFF"/>
+              </a:solidFill>
+            </a:endParaRPr>
+          </a:p>
+        </p:txBody>
+      </p:sp>
+      <p:sp>
+        <p:nvSpPr>
+          <p:cNvPr id="2" name="Título 1">
+            <a:extLst>
+              <a:ext uri="{FF2B5EF4-FFF2-40B4-BE49-F238E27FC236}">
+                <a16:creationId xmlns:a16="http://schemas.microsoft.com/office/drawing/2014/main" id="{9B32A9AE-7BFF-1137-3919-801323B3BC3C}"/>
+              </a:ext>
+            </a:extLst>
+          </p:cNvPr>
+          <p:cNvSpPr>
+            <a:spLocks noGrp="1"/>
+          </p:cNvSpPr>
+          <p:nvPr>
+            <p:ph type="title"/>
+          </p:nvPr>
+        </p:nvSpPr>
+        <p:spPr>
+          <a:xfrm>
+            <a:off x="3880430" y="583345"/>
+            <a:ext cx="7160357" cy="4164820"/>
+          </a:xfrm>
+        </p:spPr>
+        <p:txBody>
+          <a:bodyPr vert="horz" lIns="91440" tIns="45720" rIns="91440" bIns="45720" rtlCol="0" anchor="t">
+            <a:normAutofit/>
+          </a:bodyPr>
+          <a:lstStyle/>
+          <a:p>
+            <a:pPr algn="r"/>
+            <a:r>
+              <a:rPr lang="en-US" sz="4000" kern="1200" dirty="0">
+                <a:solidFill>
+                  <a:srgbClr val="000000"/>
+                </a:solidFill>
+                <a:latin typeface="Verdana" panose="020B0604030504040204" pitchFamily="34" charset="0"/>
+                <a:ea typeface="+mj-ea"/>
+                <a:cs typeface="+mj-cs"/>
+              </a:rPr>
+              <a:t>Ajax with jQuery</a:t>
+            </a:r>
+            <a:br>
+              <a:rPr lang="en-US" sz="4000" kern="1200" dirty="0">
+                <a:solidFill>
+                  <a:srgbClr val="000000"/>
+                </a:solidFill>
+                <a:latin typeface="Verdana" panose="020B0604030504040204" pitchFamily="34" charset="0"/>
+                <a:ea typeface="+mj-ea"/>
+                <a:cs typeface="+mj-cs"/>
+              </a:rPr>
+            </a:br>
+            <a:r>
+              <a:rPr lang="en-US" sz="4000" kern="1200" dirty="0">
+                <a:solidFill>
+                  <a:srgbClr val="000000"/>
+                </a:solidFill>
+                <a:latin typeface="Verdana" panose="020B0604030504040204" pitchFamily="34" charset="0"/>
+                <a:ea typeface="+mj-ea"/>
+                <a:cs typeface="+mj-cs"/>
+              </a:rPr>
+              <a:t>load() method</a:t>
+            </a:r>
+            <a:endParaRPr lang="en-US" sz="8000" kern="1200" dirty="0">
+              <a:solidFill>
+                <a:srgbClr val="FFFFFF"/>
+              </a:solidFill>
+              <a:latin typeface="+mj-lt"/>
+              <a:ea typeface="+mj-ea"/>
+              <a:cs typeface="+mj-cs"/>
+            </a:endParaRPr>
+          </a:p>
+        </p:txBody>
+      </p:sp>
+      <p:pic>
+        <p:nvPicPr>
+          <p:cNvPr id="4" name="Imagem 3">
+            <a:extLst>
+              <a:ext uri="{FF2B5EF4-FFF2-40B4-BE49-F238E27FC236}">
+                <a16:creationId xmlns:a16="http://schemas.microsoft.com/office/drawing/2014/main" id="{86DAB2C7-7986-8C3F-BF68-0019F6E27BAF}"/>
+              </a:ext>
+            </a:extLst>
+          </p:cNvPr>
+          <p:cNvPicPr>
+            <a:picLocks noChangeAspect="1"/>
+          </p:cNvPicPr>
+          <p:nvPr/>
+        </p:nvPicPr>
+        <p:blipFill>
+          <a:blip r:embed="rId2"/>
+          <a:stretch>
+            <a:fillRect/>
+          </a:stretch>
+        </p:blipFill>
+        <p:spPr>
+          <a:xfrm>
+            <a:off x="1002787" y="1716418"/>
+            <a:ext cx="7016133" cy="5105525"/>
+          </a:xfrm>
+          <a:prstGeom prst="rect">
+            <a:avLst/>
+          </a:prstGeom>
+        </p:spPr>
+      </p:pic>
+    </p:spTree>
+    <p:extLst>
+      <p:ext uri="{BB962C8B-B14F-4D97-AF65-F5344CB8AC3E}">
+        <p14:creationId xmlns:p14="http://schemas.microsoft.com/office/powerpoint/2010/main" val="4228439525"/>
       </p:ext>
     </p:extLst>
   </p:cSld>
